--- a/CNN proj presentation.pptx
+++ b/CNN proj presentation.pptx
@@ -138,6 +138,11 @@
       </a:defRPr>
     </a:lvl9pPr>
   </p:defaultTextStyle>
+  <p:extLst>
+    <p:ext uri="{EFAFB233-063F-42B5-8137-9DF3F51BA10A}">
+      <p15:sldGuideLst xmlns:p15="http://schemas.microsoft.com/office/powerpoint/2012/main"/>
+    </p:ext>
+  </p:extLst>
 </p:presentation>
 </file>
 
@@ -3517,8 +3522,8 @@
           </a:p>
         </p:txBody>
       </p:sp>
-      <mc:AlternateContent xmlns:mc="http://schemas.openxmlformats.org/markup-compatibility/2006">
-        <mc:Choice xmlns:a14="http://schemas.microsoft.com/office/drawing/2010/main" Requires="a14">
+      <mc:AlternateContent xmlns:mc="http://schemas.openxmlformats.org/markup-compatibility/2006" xmlns:a14="http://schemas.microsoft.com/office/drawing/2010/main">
+        <mc:Choice Requires="a14">
           <p:sp>
             <p:nvSpPr>
               <p:cNvPr id="3" name="Content Placeholder 2">
@@ -3551,96 +3556,138 @@
                 <a14:m>
                   <m:oMath xmlns:m="http://schemas.openxmlformats.org/officeDocument/2006/math">
                     <m:r>
-                      <a:rPr lang="en-US" i="1"/>
+                      <a:rPr lang="en-US" i="1">
+                        <a:latin typeface="Cambria Math" panose="02040503050406030204" pitchFamily="18" charset="0"/>
+                      </a:rPr>
                       <m:t>𝑥</m:t>
                     </m:r>
                     <m:r>
-                      <a:rPr lang="en-US" i="1"/>
+                      <a:rPr lang="en-US" i="1">
+                        <a:latin typeface="Cambria Math" panose="02040503050406030204" pitchFamily="18" charset="0"/>
+                      </a:rPr>
                       <m:t>_</m:t>
                     </m:r>
                     <m:r>
-                      <a:rPr lang="en-US" i="1"/>
+                      <a:rPr lang="en-US" i="1">
+                        <a:latin typeface="Cambria Math" panose="02040503050406030204" pitchFamily="18" charset="0"/>
+                      </a:rPr>
                       <m:t>𝑎𝑑𝑣</m:t>
                     </m:r>
                     <m:r>
-                      <a:rPr lang="en-US" i="1"/>
+                      <a:rPr lang="en-US" i="1">
+                        <a:latin typeface="Cambria Math" panose="02040503050406030204" pitchFamily="18" charset="0"/>
+                      </a:rPr>
                       <m:t> = </m:t>
                     </m:r>
                     <m:r>
-                      <a:rPr lang="en-US" i="1"/>
+                      <a:rPr lang="en-US" i="1">
+                        <a:latin typeface="Cambria Math" panose="02040503050406030204" pitchFamily="18" charset="0"/>
+                      </a:rPr>
                       <m:t>𝑥</m:t>
                     </m:r>
                     <m:r>
-                      <a:rPr lang="en-US" i="1"/>
+                      <a:rPr lang="en-US" i="1">
+                        <a:latin typeface="Cambria Math" panose="02040503050406030204" pitchFamily="18" charset="0"/>
+                      </a:rPr>
                       <m:t> + </m:t>
                     </m:r>
                     <m:r>
                       <m:rPr>
                         <m:sty m:val="p"/>
                       </m:rPr>
-                      <a:rPr lang="en-US"/>
+                      <a:rPr lang="en-US">
+                        <a:latin typeface="Cambria Math" panose="02040503050406030204" pitchFamily="18" charset="0"/>
+                      </a:rPr>
                       <m:t>ϵ</m:t>
                     </m:r>
                     <m:r>
-                      <a:rPr lang="en-US" i="1"/>
+                      <a:rPr lang="en-US" i="1">
+                        <a:latin typeface="Cambria Math" panose="02040503050406030204" pitchFamily="18" charset="0"/>
+                      </a:rPr>
                       <m:t> </m:t>
                     </m:r>
                     <m:r>
-                      <a:rPr lang="en-US" i="1"/>
+                      <a:rPr lang="en-US" i="1">
+                        <a:latin typeface="Cambria Math" panose="02040503050406030204" pitchFamily="18" charset="0"/>
+                      </a:rPr>
                       <m:t>𝑠𝑖𝑔𝑛</m:t>
                     </m:r>
                     <m:r>
-                      <a:rPr lang="en-US" i="1"/>
+                      <a:rPr lang="en-US" i="1">
+                        <a:latin typeface="Cambria Math" panose="02040503050406030204" pitchFamily="18" charset="0"/>
+                      </a:rPr>
                       <m:t>(</m:t>
                     </m:r>
                     <m:r>
                       <m:rPr>
                         <m:sty m:val="p"/>
                       </m:rPr>
-                      <a:rPr lang="en-US"/>
+                      <a:rPr lang="en-US">
+                        <a:latin typeface="Cambria Math" panose="02040503050406030204" pitchFamily="18" charset="0"/>
+                      </a:rPr>
                       <m:t>∇</m:t>
                     </m:r>
                     <m:r>
-                      <a:rPr lang="en-US" i="1"/>
+                      <a:rPr lang="en-US" i="1">
+                        <a:latin typeface="Cambria Math" panose="02040503050406030204" pitchFamily="18" charset="0"/>
+                      </a:rPr>
                       <m:t>𝑥</m:t>
                     </m:r>
                     <m:r>
-                      <a:rPr lang="en-US" i="1"/>
+                      <a:rPr lang="en-US" i="1">
+                        <a:latin typeface="Cambria Math" panose="02040503050406030204" pitchFamily="18" charset="0"/>
+                      </a:rPr>
                       <m:t> </m:t>
                     </m:r>
                     <m:r>
-                      <a:rPr lang="en-US" i="1"/>
+                      <a:rPr lang="en-US" i="1">
+                        <a:latin typeface="Cambria Math" panose="02040503050406030204" pitchFamily="18" charset="0"/>
+                      </a:rPr>
                       <m:t>𝐿</m:t>
                     </m:r>
                     <m:r>
-                      <a:rPr lang="en-US" i="1"/>
+                      <a:rPr lang="en-US" i="1">
+                        <a:latin typeface="Cambria Math" panose="02040503050406030204" pitchFamily="18" charset="0"/>
+                      </a:rPr>
                       <m:t>(</m:t>
                     </m:r>
                     <m:r>
                       <m:rPr>
                         <m:sty m:val="p"/>
                       </m:rPr>
-                      <a:rPr lang="en-US"/>
+                      <a:rPr lang="en-US">
+                        <a:latin typeface="Cambria Math" panose="02040503050406030204" pitchFamily="18" charset="0"/>
+                      </a:rPr>
                       <m:t>Θ</m:t>
                     </m:r>
                     <m:r>
-                      <a:rPr lang="en-US" i="1"/>
+                      <a:rPr lang="en-US" i="1">
+                        <a:latin typeface="Cambria Math" panose="02040503050406030204" pitchFamily="18" charset="0"/>
+                      </a:rPr>
                       <m:t>, </m:t>
                     </m:r>
                     <m:r>
-                      <a:rPr lang="en-US" i="1"/>
+                      <a:rPr lang="en-US" i="1">
+                        <a:latin typeface="Cambria Math" panose="02040503050406030204" pitchFamily="18" charset="0"/>
+                      </a:rPr>
                       <m:t>𝑥</m:t>
                     </m:r>
                     <m:r>
-                      <a:rPr lang="en-US" i="1"/>
+                      <a:rPr lang="en-US" i="1">
+                        <a:latin typeface="Cambria Math" panose="02040503050406030204" pitchFamily="18" charset="0"/>
+                      </a:rPr>
                       <m:t>, </m:t>
                     </m:r>
                     <m:r>
-                      <a:rPr lang="en-US" i="1"/>
+                      <a:rPr lang="en-US" i="1">
+                        <a:latin typeface="Cambria Math" panose="02040503050406030204" pitchFamily="18" charset="0"/>
+                      </a:rPr>
                       <m:t>𝑦</m:t>
                     </m:r>
                     <m:r>
-                      <a:rPr lang="en-US" i="1"/>
+                      <a:rPr lang="en-US" i="1">
+                        <a:latin typeface="Cambria Math" panose="02040503050406030204" pitchFamily="18" charset="0"/>
+                      </a:rPr>
                       <m:t>)</m:t>
                     </m:r>
                   </m:oMath>
@@ -3659,23 +3706,33 @@
                 <a14:m>
                   <m:oMath xmlns:m="http://schemas.openxmlformats.org/officeDocument/2006/math">
                     <m:r>
-                      <a:rPr lang="en-US" i="1"/>
+                      <a:rPr lang="en-US" i="1">
+                        <a:latin typeface="Cambria Math" panose="02040503050406030204" pitchFamily="18" charset="0"/>
+                      </a:rPr>
                       <m:t>𝑟𝑒𝑡𝑢𝑟𝑛</m:t>
                     </m:r>
                     <m:r>
-                      <a:rPr lang="en-US" i="1"/>
+                      <a:rPr lang="en-US" i="1">
+                        <a:latin typeface="Cambria Math" panose="02040503050406030204" pitchFamily="18" charset="0"/>
+                      </a:rPr>
                       <m:t> </m:t>
                     </m:r>
                     <m:r>
-                      <a:rPr lang="en-US" i="1"/>
+                      <a:rPr lang="en-US" i="1">
+                        <a:latin typeface="Cambria Math" panose="02040503050406030204" pitchFamily="18" charset="0"/>
+                      </a:rPr>
                       <m:t>𝑥</m:t>
                     </m:r>
                     <m:r>
-                      <a:rPr lang="en-US" i="1"/>
+                      <a:rPr lang="en-US" i="1">
+                        <a:latin typeface="Cambria Math" panose="02040503050406030204" pitchFamily="18" charset="0"/>
+                      </a:rPr>
                       <m:t>_</m:t>
                     </m:r>
                     <m:r>
-                      <a:rPr lang="en-US" i="1"/>
+                      <a:rPr lang="en-US" i="1">
+                        <a:latin typeface="Cambria Math" panose="02040503050406030204" pitchFamily="18" charset="0"/>
+                      </a:rPr>
                       <m:t>𝑎𝑑𝑣</m:t>
                     </m:r>
                   </m:oMath>
@@ -3699,12 +3756,16 @@
                     <m:sSup>
                       <m:sSupPr>
                         <m:ctrlPr>
-                          <a:rPr lang="en-US" i="1"/>
+                          <a:rPr lang="en-US" i="1">
+                            <a:latin typeface="Cambria Math" panose="02040503050406030204" pitchFamily="18" charset="0"/>
+                          </a:rPr>
                         </m:ctrlPr>
                       </m:sSupPr>
                       <m:e>
                         <m:r>
-                          <a:rPr lang="en-US" i="1"/>
+                          <a:rPr lang="en-US" i="1">
+                            <a:latin typeface="Cambria Math" panose="02040503050406030204" pitchFamily="18" charset="0"/>
+                          </a:rPr>
                           <m:t>𝑥</m:t>
                         </m:r>
                       </m:e>
@@ -3712,12 +3773,16 @@
                         <m:d>
                           <m:dPr>
                             <m:ctrlPr>
-                              <a:rPr lang="en-US" i="1"/>
+                              <a:rPr lang="en-US" i="1">
+                                <a:latin typeface="Cambria Math" panose="02040503050406030204" pitchFamily="18" charset="0"/>
+                              </a:rPr>
                             </m:ctrlPr>
                           </m:dPr>
                           <m:e>
                             <m:r>
-                              <a:rPr lang="en-US" i="1"/>
+                              <a:rPr lang="en-US" i="1">
+                                <a:latin typeface="Cambria Math" panose="02040503050406030204" pitchFamily="18" charset="0"/>
+                              </a:rPr>
                               <m:t>1</m:t>
                             </m:r>
                           </m:e>
@@ -3725,11 +3790,15 @@
                       </m:sup>
                     </m:sSup>
                     <m:r>
-                      <a:rPr lang="en-US" i="1"/>
+                      <a:rPr lang="en-US" i="1">
+                        <a:latin typeface="Cambria Math" panose="02040503050406030204" pitchFamily="18" charset="0"/>
+                      </a:rPr>
                       <m:t>=</m:t>
                     </m:r>
                     <m:r>
-                      <a:rPr lang="en-US" i="1"/>
+                      <a:rPr lang="en-US" i="1">
+                        <a:latin typeface="Cambria Math" panose="02040503050406030204" pitchFamily="18" charset="0"/>
+                      </a:rPr>
                       <m:t>𝑥</m:t>
                     </m:r>
                   </m:oMath>
@@ -3746,12 +3815,16 @@
                     <m:sSup>
                       <m:sSupPr>
                         <m:ctrlPr>
-                          <a:rPr lang="en-US" i="1"/>
+                          <a:rPr lang="en-US" i="1">
+                            <a:latin typeface="Cambria Math" panose="02040503050406030204" pitchFamily="18" charset="0"/>
+                          </a:rPr>
                         </m:ctrlPr>
                       </m:sSupPr>
                       <m:e>
                         <m:r>
-                          <a:rPr lang="en-US" i="1"/>
+                          <a:rPr lang="en-US" i="1">
+                            <a:latin typeface="Cambria Math" panose="02040503050406030204" pitchFamily="18" charset="0"/>
+                          </a:rPr>
                           <m:t>𝑥</m:t>
                         </m:r>
                       </m:e>
@@ -3759,20 +3832,28 @@
                         <m:d>
                           <m:dPr>
                             <m:ctrlPr>
-                              <a:rPr lang="en-US" i="1"/>
+                              <a:rPr lang="en-US" i="1">
+                                <a:latin typeface="Cambria Math" panose="02040503050406030204" pitchFamily="18" charset="0"/>
+                              </a:rPr>
                             </m:ctrlPr>
                           </m:dPr>
                           <m:e>
                             <m:r>
-                              <a:rPr lang="en-US" i="1"/>
+                              <a:rPr lang="en-US" i="1">
+                                <a:latin typeface="Cambria Math" panose="02040503050406030204" pitchFamily="18" charset="0"/>
+                              </a:rPr>
                               <m:t>𝑡</m:t>
                             </m:r>
                             <m:r>
-                              <a:rPr lang="en-US" i="1"/>
+                              <a:rPr lang="en-US" i="1">
+                                <a:latin typeface="Cambria Math" panose="02040503050406030204" pitchFamily="18" charset="0"/>
+                              </a:rPr>
                               <m:t>+</m:t>
                             </m:r>
                             <m:r>
-                              <a:rPr lang="en-US" i="1"/>
+                              <a:rPr lang="en-US" i="1">
+                                <a:latin typeface="Cambria Math" panose="02040503050406030204" pitchFamily="18" charset="0"/>
+                              </a:rPr>
                               <m:t>1</m:t>
                             </m:r>
                           </m:e>
@@ -3780,13 +3861,17 @@
                       </m:sup>
                     </m:sSup>
                     <m:r>
-                      <a:rPr lang="en-US" i="1"/>
+                      <a:rPr lang="en-US" i="1">
+                        <a:latin typeface="Cambria Math" panose="02040503050406030204" pitchFamily="18" charset="0"/>
+                      </a:rPr>
                       <m:t>=</m:t>
                     </m:r>
                     <m:sSub>
                       <m:sSubPr>
                         <m:ctrlPr>
-                          <a:rPr lang="en-US" i="1"/>
+                          <a:rPr lang="en-US" i="1">
+                            <a:latin typeface="Cambria Math" panose="02040503050406030204" pitchFamily="18" charset="0"/>
+                          </a:rPr>
                         </m:ctrlPr>
                       </m:sSubPr>
                       <m:e>
@@ -3794,88 +3879,124 @@
                           <m:rPr>
                             <m:sty m:val="p"/>
                           </m:rPr>
-                          <a:rPr lang="en-US"/>
+                          <a:rPr lang="en-US">
+                            <a:latin typeface="Cambria Math" panose="02040503050406030204" pitchFamily="18" charset="0"/>
+                          </a:rPr>
                           <m:t>Π</m:t>
                         </m:r>
                       </m:e>
                       <m:sub>
                         <m:r>
-                          <a:rPr lang="en-US" i="1"/>
+                          <a:rPr lang="en-US" i="1">
+                            <a:latin typeface="Cambria Math" panose="02040503050406030204" pitchFamily="18" charset="0"/>
+                          </a:rPr>
                           <m:t>𝑆</m:t>
                         </m:r>
                       </m:sub>
                     </m:sSub>
                     <m:r>
-                      <a:rPr lang="en-US" i="1"/>
+                      <a:rPr lang="en-US" i="1">
+                        <a:latin typeface="Cambria Math" panose="02040503050406030204" pitchFamily="18" charset="0"/>
+                      </a:rPr>
                       <m:t> (</m:t>
                     </m:r>
                     <m:r>
-                      <a:rPr lang="en-US" i="1"/>
+                      <a:rPr lang="en-US" i="1">
+                        <a:latin typeface="Cambria Math" panose="02040503050406030204" pitchFamily="18" charset="0"/>
+                      </a:rPr>
                       <m:t>𝑥</m:t>
                     </m:r>
                     <m:r>
-                      <a:rPr lang="en-US" i="1"/>
+                      <a:rPr lang="en-US" i="1">
+                        <a:latin typeface="Cambria Math" panose="02040503050406030204" pitchFamily="18" charset="0"/>
+                      </a:rPr>
                       <m:t>_</m:t>
                     </m:r>
                     <m:r>
-                      <a:rPr lang="en-US" i="1"/>
+                      <a:rPr lang="en-US" i="1">
+                        <a:latin typeface="Cambria Math" panose="02040503050406030204" pitchFamily="18" charset="0"/>
+                      </a:rPr>
                       <m:t>𝑎𝑑𝑣</m:t>
                     </m:r>
                     <m:r>
-                      <a:rPr lang="en-US" i="1"/>
+                      <a:rPr lang="en-US" i="1">
+                        <a:latin typeface="Cambria Math" panose="02040503050406030204" pitchFamily="18" charset="0"/>
+                      </a:rPr>
                       <m:t> + </m:t>
                     </m:r>
                     <m:r>
                       <m:rPr>
                         <m:sty m:val="p"/>
                       </m:rPr>
-                      <a:rPr lang="en-US"/>
+                      <a:rPr lang="en-US">
+                        <a:latin typeface="Cambria Math" panose="02040503050406030204" pitchFamily="18" charset="0"/>
+                      </a:rPr>
                       <m:t>α</m:t>
                     </m:r>
                     <m:r>
-                      <a:rPr lang="en-US" i="1"/>
+                      <a:rPr lang="en-US" i="1">
+                        <a:latin typeface="Cambria Math" panose="02040503050406030204" pitchFamily="18" charset="0"/>
+                      </a:rPr>
                       <m:t> </m:t>
                     </m:r>
                     <m:r>
-                      <a:rPr lang="en-US" i="1"/>
+                      <a:rPr lang="en-US" i="1">
+                        <a:latin typeface="Cambria Math" panose="02040503050406030204" pitchFamily="18" charset="0"/>
+                      </a:rPr>
                       <m:t>𝑠𝑖𝑔𝑛</m:t>
                     </m:r>
                     <m:r>
-                      <a:rPr lang="en-US" i="1"/>
+                      <a:rPr lang="en-US" i="1">
+                        <a:latin typeface="Cambria Math" panose="02040503050406030204" pitchFamily="18" charset="0"/>
+                      </a:rPr>
                       <m:t>(</m:t>
                     </m:r>
                     <m:r>
                       <m:rPr>
                         <m:sty m:val="p"/>
                       </m:rPr>
-                      <a:rPr lang="en-US"/>
+                      <a:rPr lang="en-US">
+                        <a:latin typeface="Cambria Math" panose="02040503050406030204" pitchFamily="18" charset="0"/>
+                      </a:rPr>
                       <m:t>∇</m:t>
                     </m:r>
                     <m:r>
-                      <a:rPr lang="en-US" i="1"/>
+                      <a:rPr lang="en-US" i="1">
+                        <a:latin typeface="Cambria Math" panose="02040503050406030204" pitchFamily="18" charset="0"/>
+                      </a:rPr>
                       <m:t>𝑥</m:t>
                     </m:r>
                     <m:r>
-                      <a:rPr lang="en-US" i="1"/>
+                      <a:rPr lang="en-US" i="1">
+                        <a:latin typeface="Cambria Math" panose="02040503050406030204" pitchFamily="18" charset="0"/>
+                      </a:rPr>
                       <m:t> </m:t>
                     </m:r>
                     <m:r>
-                      <a:rPr lang="en-US" i="1"/>
+                      <a:rPr lang="en-US" i="1">
+                        <a:latin typeface="Cambria Math" panose="02040503050406030204" pitchFamily="18" charset="0"/>
+                      </a:rPr>
                       <m:t>𝐿</m:t>
                     </m:r>
                     <m:r>
-                      <a:rPr lang="en-US" i="1"/>
+                      <a:rPr lang="en-US" i="1">
+                        <a:latin typeface="Cambria Math" panose="02040503050406030204" pitchFamily="18" charset="0"/>
+                      </a:rPr>
                       <m:t>(</m:t>
                     </m:r>
                     <m:r>
                       <m:rPr>
                         <m:sty m:val="p"/>
                       </m:rPr>
-                      <a:rPr lang="en-US"/>
+                      <a:rPr lang="en-US">
+                        <a:latin typeface="Cambria Math" panose="02040503050406030204" pitchFamily="18" charset="0"/>
+                      </a:rPr>
                       <m:t>Θ</m:t>
                     </m:r>
                     <m:r>
-                      <a:rPr lang="en-US" i="1"/>
+                      <a:rPr lang="en-US" i="1">
+                        <a:latin typeface="Cambria Math" panose="02040503050406030204" pitchFamily="18" charset="0"/>
+                      </a:rPr>
                       <m:t>, </m:t>
                     </m:r>
                     <m:sSup>
@@ -3888,7 +4009,9 @@
                       </m:sSupPr>
                       <m:e>
                         <m:r>
-                          <a:rPr lang="en-US" i="1"/>
+                          <a:rPr lang="en-US" i="1">
+                            <a:latin typeface="Cambria Math" panose="02040503050406030204" pitchFamily="18" charset="0"/>
+                          </a:rPr>
                           <m:t>𝑥</m:t>
                         </m:r>
                       </m:e>
@@ -3914,15 +4037,21 @@
                       </m:sup>
                     </m:sSup>
                     <m:r>
-                      <a:rPr lang="en-US" i="1"/>
+                      <a:rPr lang="en-US" i="1">
+                        <a:latin typeface="Cambria Math" panose="02040503050406030204" pitchFamily="18" charset="0"/>
+                      </a:rPr>
                       <m:t>, </m:t>
                     </m:r>
                     <m:r>
-                      <a:rPr lang="en-US" i="1"/>
+                      <a:rPr lang="en-US" i="1">
+                        <a:latin typeface="Cambria Math" panose="02040503050406030204" pitchFamily="18" charset="0"/>
+                      </a:rPr>
                       <m:t>𝑦</m:t>
                     </m:r>
                     <m:r>
-                      <a:rPr lang="en-US" i="1"/>
+                      <a:rPr lang="en-US" i="1">
+                        <a:latin typeface="Cambria Math" panose="02040503050406030204" pitchFamily="18" charset="0"/>
+                      </a:rPr>
                       <m:t>))</m:t>
                     </m:r>
                   </m:oMath>
@@ -3961,36 +4090,50 @@
                       <m:t> </m:t>
                     </m:r>
                     <m:r>
-                      <a:rPr lang="en-US" i="1"/>
+                      <a:rPr lang="en-US" i="1">
+                        <a:latin typeface="Cambria Math" panose="02040503050406030204" pitchFamily="18" charset="0"/>
+                      </a:rPr>
                       <m:t>𝑟𝑒𝑡𝑢𝑟𝑛</m:t>
                     </m:r>
                     <m:r>
-                      <a:rPr lang="en-US" i="1"/>
+                      <a:rPr lang="en-US" i="1">
+                        <a:latin typeface="Cambria Math" panose="02040503050406030204" pitchFamily="18" charset="0"/>
+                      </a:rPr>
                       <m:t> </m:t>
                     </m:r>
                     <m:sSup>
                       <m:sSupPr>
                         <m:ctrlPr>
-                          <a:rPr lang="en-US" i="1"/>
+                          <a:rPr lang="en-US" i="1">
+                            <a:latin typeface="Cambria Math" panose="02040503050406030204" pitchFamily="18" charset="0"/>
+                          </a:rPr>
                         </m:ctrlPr>
                       </m:sSupPr>
                       <m:e>
                         <m:r>
-                          <a:rPr lang="en-US" i="1"/>
+                          <a:rPr lang="en-US" i="1">
+                            <a:latin typeface="Cambria Math" panose="02040503050406030204" pitchFamily="18" charset="0"/>
+                          </a:rPr>
                           <m:t>𝑥</m:t>
                         </m:r>
                       </m:e>
                       <m:sup>
                         <m:r>
-                          <a:rPr lang="en-US" i="1"/>
+                          <a:rPr lang="en-US" i="1">
+                            <a:latin typeface="Cambria Math" panose="02040503050406030204" pitchFamily="18" charset="0"/>
+                          </a:rPr>
                           <m:t>(</m:t>
                         </m:r>
                         <m:r>
-                          <a:rPr lang="en-US" i="1"/>
+                          <a:rPr lang="en-US" i="1">
+                            <a:latin typeface="Cambria Math" panose="02040503050406030204" pitchFamily="18" charset="0"/>
+                          </a:rPr>
                           <m:t>𝑁</m:t>
                         </m:r>
                         <m:r>
-                          <a:rPr lang="en-US" i="1"/>
+                          <a:rPr lang="en-US" i="1">
+                            <a:latin typeface="Cambria Math" panose="02040503050406030204" pitchFamily="18" charset="0"/>
+                          </a:rPr>
                           <m:t>)</m:t>
                         </m:r>
                       </m:sup>
@@ -4015,7 +4158,7 @@
             </p:txBody>
           </p:sp>
         </mc:Choice>
-        <mc:Fallback>
+        <mc:Fallback xmlns="">
           <p:sp>
             <p:nvSpPr>
               <p:cNvPr id="3" name="Content Placeholder 2">
@@ -4386,8 +4529,8 @@
           </a:p>
         </p:txBody>
       </p:sp>
-      <mc:AlternateContent xmlns:mc="http://schemas.openxmlformats.org/markup-compatibility/2006">
-        <mc:Choice xmlns:a14="http://schemas.microsoft.com/office/drawing/2010/main" Requires="a14">
+      <mc:AlternateContent xmlns:mc="http://schemas.openxmlformats.org/markup-compatibility/2006" xmlns:a14="http://schemas.microsoft.com/office/drawing/2010/main">
+        <mc:Choice Requires="a14">
           <p:sp>
             <p:nvSpPr>
               <p:cNvPr id="3" name="Content Placeholder 2">
@@ -4426,18 +4569,24 @@
                 <a14:m>
                   <m:oMath xmlns:m="http://schemas.openxmlformats.org/officeDocument/2006/math">
                     <m:r>
-                      <a:rPr lang="en-US" sz="4400" i="1"/>
+                      <a:rPr lang="en-US" sz="4400" i="1">
+                        <a:latin typeface="Cambria Math" panose="02040503050406030204" pitchFamily="18" charset="0"/>
+                      </a:rPr>
                       <m:t>𝑚𝑖</m:t>
                     </m:r>
                     <m:sSub>
                       <m:sSubPr>
                         <m:ctrlPr>
-                          <a:rPr lang="en-US" sz="4400" i="1"/>
+                          <a:rPr lang="en-US" sz="4400" i="1">
+                            <a:latin typeface="Cambria Math" panose="02040503050406030204" pitchFamily="18" charset="0"/>
+                          </a:rPr>
                         </m:ctrlPr>
                       </m:sSubPr>
                       <m:e>
                         <m:r>
-                          <a:rPr lang="en-US" sz="4400" i="1"/>
+                          <a:rPr lang="en-US" sz="4400" i="1">
+                            <a:latin typeface="Cambria Math" panose="02040503050406030204" pitchFamily="18" charset="0"/>
+                          </a:rPr>
                           <m:t>𝑛</m:t>
                         </m:r>
                       </m:e>
@@ -4446,7 +4595,9 @@
                           <m:rPr>
                             <m:sty m:val="p"/>
                           </m:rPr>
-                          <a:rPr lang="en-US" sz="4400"/>
+                          <a:rPr lang="en-US" sz="4400">
+                            <a:latin typeface="Cambria Math" panose="02040503050406030204" pitchFamily="18" charset="0"/>
+                          </a:rPr>
                           <m:t>Θ</m:t>
                         </m:r>
                       </m:sub>
@@ -4454,12 +4605,16 @@
                     <m:sSub>
                       <m:sSubPr>
                         <m:ctrlPr>
-                          <a:rPr lang="en-US" sz="4400" i="1"/>
+                          <a:rPr lang="en-US" sz="4400" i="1">
+                            <a:latin typeface="Cambria Math" panose="02040503050406030204" pitchFamily="18" charset="0"/>
+                          </a:rPr>
                         </m:ctrlPr>
                       </m:sSubPr>
                       <m:e>
                         <m:r>
-                          <a:rPr lang="en-US" sz="4400" i="1"/>
+                          <a:rPr lang="en-US" sz="4400" i="1">
+                            <a:latin typeface="Cambria Math" panose="02040503050406030204" pitchFamily="18" charset="0"/>
+                          </a:rPr>
                           <m:t>𝐸</m:t>
                         </m:r>
                       </m:e>
@@ -4467,30 +4622,42 @@
                         <m:d>
                           <m:dPr>
                             <m:ctrlPr>
-                              <a:rPr lang="en-US" sz="4400" i="1"/>
+                              <a:rPr lang="en-US" sz="4400" i="1">
+                                <a:latin typeface="Cambria Math" panose="02040503050406030204" pitchFamily="18" charset="0"/>
+                              </a:rPr>
                             </m:ctrlPr>
                           </m:dPr>
                           <m:e>
                             <m:r>
-                              <a:rPr lang="en-US" sz="4400" i="1"/>
+                              <a:rPr lang="en-US" sz="4400" i="1">
+                                <a:latin typeface="Cambria Math" panose="02040503050406030204" pitchFamily="18" charset="0"/>
+                              </a:rPr>
                               <m:t>𝑥</m:t>
                             </m:r>
                             <m:r>
-                              <a:rPr lang="en-US" sz="4400" i="1"/>
+                              <a:rPr lang="en-US" sz="4400" i="1">
+                                <a:latin typeface="Cambria Math" panose="02040503050406030204" pitchFamily="18" charset="0"/>
+                              </a:rPr>
                               <m:t>,</m:t>
                             </m:r>
                             <m:r>
-                              <a:rPr lang="en-US" sz="4400" i="1"/>
+                              <a:rPr lang="en-US" sz="4400" i="1">
+                                <a:latin typeface="Cambria Math" panose="02040503050406030204" pitchFamily="18" charset="0"/>
+                              </a:rPr>
                               <m:t>𝑦</m:t>
                             </m:r>
                           </m:e>
                         </m:d>
                         <m:r>
-                          <a:rPr lang="en-US" sz="4400" i="1"/>
+                          <a:rPr lang="en-US" sz="4400" i="1">
+                            <a:latin typeface="Cambria Math" panose="02040503050406030204" pitchFamily="18" charset="0"/>
+                          </a:rPr>
                           <m:t>~</m:t>
                         </m:r>
                         <m:r>
-                          <a:rPr lang="en-US" sz="4400" i="1"/>
+                          <a:rPr lang="en-US" sz="4400" i="1">
+                            <a:latin typeface="Cambria Math" panose="02040503050406030204" pitchFamily="18" charset="0"/>
+                          </a:rPr>
                           <m:t>𝐷</m:t>
                         </m:r>
                       </m:sub>
@@ -4500,23 +4667,31 @@
                         <m:begChr m:val="["/>
                         <m:endChr m:val="]"/>
                         <m:ctrlPr>
-                          <a:rPr lang="en-US" sz="4400" i="1"/>
+                          <a:rPr lang="en-US" sz="4400" i="1">
+                            <a:latin typeface="Cambria Math" panose="02040503050406030204" pitchFamily="18" charset="0"/>
+                          </a:rPr>
                         </m:ctrlPr>
                       </m:dPr>
                       <m:e>
                         <m:r>
-                          <a:rPr lang="en-US" sz="4400" i="1"/>
+                          <a:rPr lang="en-US" sz="4400" i="1">
+                            <a:latin typeface="Cambria Math" panose="02040503050406030204" pitchFamily="18" charset="0"/>
+                          </a:rPr>
                           <m:t>𝑚𝑎</m:t>
                         </m:r>
                         <m:sSub>
                           <m:sSubPr>
                             <m:ctrlPr>
-                              <a:rPr lang="en-US" sz="4400" i="1"/>
+                              <a:rPr lang="en-US" sz="4400" i="1">
+                                <a:latin typeface="Cambria Math" panose="02040503050406030204" pitchFamily="18" charset="0"/>
+                              </a:rPr>
                             </m:ctrlPr>
                           </m:sSubPr>
                           <m:e>
                             <m:r>
-                              <a:rPr lang="en-US" sz="4400" i="1"/>
+                              <a:rPr lang="en-US" sz="4400" i="1">
+                                <a:latin typeface="Cambria Math" panose="02040503050406030204" pitchFamily="18" charset="0"/>
+                              </a:rPr>
                               <m:t>𝑥</m:t>
                             </m:r>
                           </m:e>
@@ -4525,19 +4700,25 @@
                               <m:rPr>
                                 <m:sty m:val="p"/>
                               </m:rPr>
-                              <a:rPr lang="en-US" sz="4400"/>
+                              <a:rPr lang="en-US" sz="4400">
+                                <a:latin typeface="Cambria Math" panose="02040503050406030204" pitchFamily="18" charset="0"/>
+                              </a:rPr>
                               <m:t>δ</m:t>
                             </m:r>
                           </m:sub>
                         </m:sSub>
                         <m:r>
-                          <a:rPr lang="en-US" sz="4400" i="1"/>
+                          <a:rPr lang="en-US" sz="4400" i="1">
+                            <a:latin typeface="Cambria Math" panose="02040503050406030204" pitchFamily="18" charset="0"/>
+                          </a:rPr>
                           <m:t>𝐿</m:t>
                         </m:r>
                         <m:d>
                           <m:dPr>
                             <m:ctrlPr>
-                              <a:rPr lang="en-US" sz="4400" i="1"/>
+                              <a:rPr lang="en-US" sz="4400" i="1">
+                                <a:latin typeface="Cambria Math" panose="02040503050406030204" pitchFamily="18" charset="0"/>
+                              </a:rPr>
                             </m:ctrlPr>
                           </m:dPr>
                           <m:e>
@@ -4545,34 +4726,48 @@
                               <m:rPr>
                                 <m:sty m:val="p"/>
                               </m:rPr>
-                              <a:rPr lang="en-US" sz="4400"/>
+                              <a:rPr lang="en-US" sz="4400">
+                                <a:latin typeface="Cambria Math" panose="02040503050406030204" pitchFamily="18" charset="0"/>
+                              </a:rPr>
                               <m:t>Θ</m:t>
                             </m:r>
                             <m:r>
-                              <a:rPr lang="en-US" sz="4400" i="1"/>
+                              <a:rPr lang="en-US" sz="4400" i="1">
+                                <a:latin typeface="Cambria Math" panose="02040503050406030204" pitchFamily="18" charset="0"/>
+                              </a:rPr>
                               <m:t>,</m:t>
                             </m:r>
                             <m:r>
-                              <a:rPr lang="en-US" sz="4400" i="1"/>
+                              <a:rPr lang="en-US" sz="4400" i="1">
+                                <a:latin typeface="Cambria Math" panose="02040503050406030204" pitchFamily="18" charset="0"/>
+                              </a:rPr>
                               <m:t>𝑥</m:t>
                             </m:r>
                             <m:r>
-                              <a:rPr lang="en-US" sz="4400" i="1"/>
+                              <a:rPr lang="en-US" sz="4400" i="1">
+                                <a:latin typeface="Cambria Math" panose="02040503050406030204" pitchFamily="18" charset="0"/>
+                              </a:rPr>
                               <m:t>+</m:t>
                             </m:r>
                             <m:r>
                               <m:rPr>
                                 <m:sty m:val="p"/>
                               </m:rPr>
-                              <a:rPr lang="en-US" sz="4400"/>
+                              <a:rPr lang="en-US" sz="4400">
+                                <a:latin typeface="Cambria Math" panose="02040503050406030204" pitchFamily="18" charset="0"/>
+                              </a:rPr>
                               <m:t>δ</m:t>
                             </m:r>
                             <m:r>
-                              <a:rPr lang="en-US" sz="4400" i="1"/>
+                              <a:rPr lang="en-US" sz="4400" i="1">
+                                <a:latin typeface="Cambria Math" panose="02040503050406030204" pitchFamily="18" charset="0"/>
+                              </a:rPr>
                               <m:t>,</m:t>
                             </m:r>
                             <m:r>
-                              <a:rPr lang="en-US" sz="4400" i="1"/>
+                              <a:rPr lang="en-US" sz="4400" i="1">
+                                <a:latin typeface="Cambria Math" panose="02040503050406030204" pitchFamily="18" charset="0"/>
+                              </a:rPr>
                               <m:t>𝑦</m:t>
                             </m:r>
                           </m:e>
@@ -4600,7 +4795,9 @@
                       <m:rPr>
                         <m:sty m:val="p"/>
                       </m:rPr>
-                      <a:rPr lang="en-US" smtClean="0"/>
+                      <a:rPr lang="en-US" smtClean="0">
+                        <a:latin typeface="Cambria Math" panose="02040503050406030204" pitchFamily="18" charset="0"/>
+                      </a:rPr>
                       <m:t>Θ</m:t>
                     </m:r>
                   </m:oMath>
@@ -4618,7 +4815,9 @@
                       <m:rPr>
                         <m:sty m:val="p"/>
                       </m:rPr>
-                      <a:rPr lang="en-US"/>
+                      <a:rPr lang="en-US">
+                        <a:latin typeface="Cambria Math" panose="02040503050406030204" pitchFamily="18" charset="0"/>
+                      </a:rPr>
                       <m:t>δ</m:t>
                     </m:r>
                   </m:oMath>
@@ -4633,18 +4832,24 @@
                 <a14:m>
                   <m:oMath xmlns:m="http://schemas.openxmlformats.org/officeDocument/2006/math">
                     <m:r>
-                      <a:rPr lang="en-US" i="1"/>
+                      <a:rPr lang="en-US" i="1">
+                        <a:latin typeface="Cambria Math" panose="02040503050406030204" pitchFamily="18" charset="0"/>
+                      </a:rPr>
                       <m:t>𝑥</m:t>
                     </m:r>
                     <m:r>
-                      <a:rPr lang="en-US" i="1"/>
+                      <a:rPr lang="en-US" i="1">
+                        <a:latin typeface="Cambria Math" panose="02040503050406030204" pitchFamily="18" charset="0"/>
+                      </a:rPr>
                       <m:t>+</m:t>
                     </m:r>
                     <m:r>
                       <m:rPr>
                         <m:sty m:val="p"/>
                       </m:rPr>
-                      <a:rPr lang="en-US"/>
+                      <a:rPr lang="en-US">
+                        <a:latin typeface="Cambria Math" panose="02040503050406030204" pitchFamily="18" charset="0"/>
+                      </a:rPr>
                       <m:t>δ</m:t>
                     </m:r>
                   </m:oMath>
@@ -4659,7 +4864,9 @@
                 <a14:m>
                   <m:oMath xmlns:m="http://schemas.openxmlformats.org/officeDocument/2006/math">
                     <m:r>
-                      <a:rPr lang="en-US" i="1"/>
+                      <a:rPr lang="en-US" i="1">
+                        <a:latin typeface="Cambria Math" panose="02040503050406030204" pitchFamily="18" charset="0"/>
+                      </a:rPr>
                       <m:t>𝐿</m:t>
                     </m:r>
                   </m:oMath>
@@ -4674,7 +4881,9 @@
                 <a14:m>
                   <m:oMath xmlns:m="http://schemas.openxmlformats.org/officeDocument/2006/math">
                     <m:r>
-                      <a:rPr lang="en-US" i="1"/>
+                      <a:rPr lang="en-US" i="1">
+                        <a:latin typeface="Cambria Math" panose="02040503050406030204" pitchFamily="18" charset="0"/>
+                      </a:rPr>
                       <m:t>𝐷</m:t>
                     </m:r>
                   </m:oMath>
@@ -4687,7 +4896,7 @@
             </p:txBody>
           </p:sp>
         </mc:Choice>
-        <mc:Fallback>
+        <mc:Fallback xmlns="">
           <p:sp>
             <p:nvSpPr>
               <p:cNvPr id="3" name="Content Placeholder 2">
@@ -5134,8 +5343,8 @@
           </a:p>
         </p:txBody>
       </p:sp>
-      <mc:AlternateContent xmlns:mc="http://schemas.openxmlformats.org/markup-compatibility/2006">
-        <mc:Choice xmlns:a14="http://schemas.microsoft.com/office/drawing/2010/main" Requires="a14">
+      <mc:AlternateContent xmlns:mc="http://schemas.openxmlformats.org/markup-compatibility/2006" xmlns:a14="http://schemas.microsoft.com/office/drawing/2010/main">
+        <mc:Choice Requires="a14">
           <p:sp>
             <p:nvSpPr>
               <p:cNvPr id="3" name="Content Placeholder 2">
@@ -5169,34 +5378,48 @@
                 <a14:m>
                   <m:oMath xmlns:m="http://schemas.openxmlformats.org/officeDocument/2006/math">
                     <m:r>
-                      <a:rPr lang="en-US" i="1"/>
+                      <a:rPr lang="en-US" i="1">
+                        <a:latin typeface="Cambria Math" panose="02040503050406030204" pitchFamily="18" charset="0"/>
+                      </a:rPr>
                       <m:t>𝑓</m:t>
                     </m:r>
                     <m:r>
-                      <a:rPr lang="en-US" i="1"/>
+                      <a:rPr lang="en-US" i="1">
+                        <a:latin typeface="Cambria Math" panose="02040503050406030204" pitchFamily="18" charset="0"/>
+                      </a:rPr>
                       <m:t>(</m:t>
                     </m:r>
                     <m:r>
-                      <a:rPr lang="en-US" i="1"/>
+                      <a:rPr lang="en-US" i="1">
+                        <a:latin typeface="Cambria Math" panose="02040503050406030204" pitchFamily="18" charset="0"/>
+                      </a:rPr>
                       <m:t>𝑥</m:t>
                     </m:r>
                     <m:r>
-                      <a:rPr lang="en-US" i="1"/>
+                      <a:rPr lang="en-US" i="1">
+                        <a:latin typeface="Cambria Math" panose="02040503050406030204" pitchFamily="18" charset="0"/>
+                      </a:rPr>
                       <m:t>)=</m:t>
                     </m:r>
                     <m:r>
-                      <a:rPr lang="en-US" i="1"/>
+                      <a:rPr lang="en-US" i="1">
+                        <a:latin typeface="Cambria Math" panose="02040503050406030204" pitchFamily="18" charset="0"/>
+                      </a:rPr>
                       <m:t>𝑚𝑎</m:t>
                     </m:r>
                     <m:sSub>
                       <m:sSubPr>
                         <m:ctrlPr>
-                          <a:rPr lang="en-US" i="1"/>
+                          <a:rPr lang="en-US" i="1">
+                            <a:latin typeface="Cambria Math" panose="02040503050406030204" pitchFamily="18" charset="0"/>
+                          </a:rPr>
                         </m:ctrlPr>
                       </m:sSubPr>
                       <m:e>
                         <m:r>
-                          <a:rPr lang="en-US" i="1"/>
+                          <a:rPr lang="en-US" i="1">
+                            <a:latin typeface="Cambria Math" panose="02040503050406030204" pitchFamily="18" charset="0"/>
+                          </a:rPr>
                           <m:t>𝑥</m:t>
                         </m:r>
                       </m:e>
@@ -5205,19 +5428,25 @@
                           <m:rPr>
                             <m:sty m:val="p"/>
                           </m:rPr>
-                          <a:rPr lang="en-US"/>
+                          <a:rPr lang="en-US">
+                            <a:latin typeface="Cambria Math" panose="02040503050406030204" pitchFamily="18" charset="0"/>
+                          </a:rPr>
                           <m:t>δ</m:t>
                         </m:r>
                       </m:sub>
                     </m:sSub>
                     <m:r>
-                      <a:rPr lang="en-US" i="1"/>
+                      <a:rPr lang="en-US" i="1">
+                        <a:latin typeface="Cambria Math" panose="02040503050406030204" pitchFamily="18" charset="0"/>
+                      </a:rPr>
                       <m:t>𝐿</m:t>
                     </m:r>
                     <m:d>
                       <m:dPr>
                         <m:ctrlPr>
-                          <a:rPr lang="en-US" i="1"/>
+                          <a:rPr lang="en-US" i="1">
+                            <a:latin typeface="Cambria Math" panose="02040503050406030204" pitchFamily="18" charset="0"/>
+                          </a:rPr>
                         </m:ctrlPr>
                       </m:dPr>
                       <m:e>
@@ -5225,40 +5454,56 @@
                           <m:rPr>
                             <m:sty m:val="p"/>
                           </m:rPr>
-                          <a:rPr lang="en-US"/>
+                          <a:rPr lang="en-US">
+                            <a:latin typeface="Cambria Math" panose="02040503050406030204" pitchFamily="18" charset="0"/>
+                          </a:rPr>
                           <m:t>Θ</m:t>
                         </m:r>
                         <m:r>
-                          <a:rPr lang="en-US" i="1"/>
+                          <a:rPr lang="en-US" i="1">
+                            <a:latin typeface="Cambria Math" panose="02040503050406030204" pitchFamily="18" charset="0"/>
+                          </a:rPr>
                           <m:t>,</m:t>
                         </m:r>
                         <m:r>
-                          <a:rPr lang="en-US" i="1"/>
+                          <a:rPr lang="en-US" i="1">
+                            <a:latin typeface="Cambria Math" panose="02040503050406030204" pitchFamily="18" charset="0"/>
+                          </a:rPr>
                           <m:t>𝑥</m:t>
                         </m:r>
                         <m:r>
-                          <a:rPr lang="en-US" i="1"/>
+                          <a:rPr lang="en-US" i="1">
+                            <a:latin typeface="Cambria Math" panose="02040503050406030204" pitchFamily="18" charset="0"/>
+                          </a:rPr>
                           <m:t>+</m:t>
                         </m:r>
                         <m:r>
                           <m:rPr>
                             <m:sty m:val="p"/>
                           </m:rPr>
-                          <a:rPr lang="en-US"/>
+                          <a:rPr lang="en-US">
+                            <a:latin typeface="Cambria Math" panose="02040503050406030204" pitchFamily="18" charset="0"/>
+                          </a:rPr>
                           <m:t>δ</m:t>
                         </m:r>
                         <m:r>
-                          <a:rPr lang="en-US" i="1"/>
+                          <a:rPr lang="en-US" i="1">
+                            <a:latin typeface="Cambria Math" panose="02040503050406030204" pitchFamily="18" charset="0"/>
+                          </a:rPr>
                           <m:t>,</m:t>
                         </m:r>
                         <m:r>
-                          <a:rPr lang="en-US" i="1"/>
+                          <a:rPr lang="en-US" i="1">
+                            <a:latin typeface="Cambria Math" panose="02040503050406030204" pitchFamily="18" charset="0"/>
+                          </a:rPr>
                           <m:t>𝑦</m:t>
                         </m:r>
                       </m:e>
                     </m:d>
                     <m:r>
-                      <a:rPr lang="en-US" i="1"/>
+                      <a:rPr lang="en-US" i="1">
+                        <a:latin typeface="Cambria Math" panose="02040503050406030204" pitchFamily="18" charset="0"/>
+                      </a:rPr>
                       <m:t>.</m:t>
                     </m:r>
                   </m:oMath>
@@ -5281,7 +5526,7 @@
                     <m:limLow>
                       <m:limLowPr>
                         <m:ctrlPr>
-                          <a:rPr lang="en-US" b="0" i="0" smtClean="0">
+                          <a:rPr lang="en-US" b="0" i="1" smtClean="0">
                             <a:latin typeface="Cambria Math" panose="02040503050406030204" pitchFamily="18" charset="0"/>
                           </a:rPr>
                         </m:ctrlPr>
@@ -5360,44 +5605,60 @@
                       <m:rPr>
                         <m:sty m:val="p"/>
                       </m:rPr>
-                      <a:rPr lang="en-US"/>
+                      <a:rPr lang="en-US">
+                        <a:latin typeface="Cambria Math" panose="02040503050406030204" pitchFamily="18" charset="0"/>
+                      </a:rPr>
                       <m:t>Δ</m:t>
                     </m:r>
                     <m:r>
-                      <a:rPr lang="en-US" i="1"/>
+                      <a:rPr lang="en-US" i="1">
+                        <a:latin typeface="Cambria Math" panose="02040503050406030204" pitchFamily="18" charset="0"/>
+                      </a:rPr>
                       <m:t>=</m:t>
                     </m:r>
                     <m:r>
-                      <a:rPr lang="en-US" i="1"/>
+                      <a:rPr lang="en-US" i="1">
+                        <a:latin typeface="Cambria Math" panose="02040503050406030204" pitchFamily="18" charset="0"/>
+                      </a:rPr>
                       <m:t>𝑎𝑟𝑔𝑚𝑎</m:t>
                     </m:r>
                     <m:sSub>
                       <m:sSubPr>
                         <m:ctrlPr>
-                          <a:rPr lang="en-US" i="1"/>
+                          <a:rPr lang="en-US" i="1">
+                            <a:latin typeface="Cambria Math" panose="02040503050406030204" pitchFamily="18" charset="0"/>
+                          </a:rPr>
                         </m:ctrlPr>
                       </m:sSubPr>
                       <m:e>
                         <m:r>
-                          <a:rPr lang="en-US" i="1"/>
+                          <a:rPr lang="en-US" i="1">
+                            <a:latin typeface="Cambria Math" panose="02040503050406030204" pitchFamily="18" charset="0"/>
+                          </a:rPr>
                           <m:t>𝑥</m:t>
                         </m:r>
                       </m:e>
                       <m:sub>
                         <m:r>
-                          <a:rPr lang="en-US" i="1"/>
+                          <a:rPr lang="en-US" i="1">
+                            <a:latin typeface="Cambria Math" panose="02040503050406030204" pitchFamily="18" charset="0"/>
+                          </a:rPr>
                           <m:t>𝛿</m:t>
                         </m:r>
                       </m:sub>
                     </m:sSub>
                     <m:r>
-                      <a:rPr lang="en-US" i="1"/>
+                      <a:rPr lang="en-US" i="1">
+                        <a:latin typeface="Cambria Math" panose="02040503050406030204" pitchFamily="18" charset="0"/>
+                      </a:rPr>
                       <m:t>𝐿</m:t>
                     </m:r>
                     <m:d>
                       <m:dPr>
                         <m:ctrlPr>
-                          <a:rPr lang="en-US" i="1"/>
+                          <a:rPr lang="en-US" i="1">
+                            <a:latin typeface="Cambria Math" panose="02040503050406030204" pitchFamily="18" charset="0"/>
+                          </a:rPr>
                         </m:ctrlPr>
                       </m:dPr>
                       <m:e>
@@ -5405,37 +5666,53 @@
                           <m:rPr>
                             <m:sty m:val="p"/>
                           </m:rPr>
-                          <a:rPr lang="en-US"/>
+                          <a:rPr lang="en-US">
+                            <a:latin typeface="Cambria Math" panose="02040503050406030204" pitchFamily="18" charset="0"/>
+                          </a:rPr>
                           <m:t>Θ</m:t>
                         </m:r>
                         <m:r>
-                          <a:rPr lang="en-US" i="1"/>
+                          <a:rPr lang="en-US" i="1">
+                            <a:latin typeface="Cambria Math" panose="02040503050406030204" pitchFamily="18" charset="0"/>
+                          </a:rPr>
                           <m:t>, </m:t>
                         </m:r>
                         <m:r>
-                          <a:rPr lang="en-US" i="1"/>
+                          <a:rPr lang="en-US" i="1">
+                            <a:latin typeface="Cambria Math" panose="02040503050406030204" pitchFamily="18" charset="0"/>
+                          </a:rPr>
                           <m:t>𝑥</m:t>
                         </m:r>
                         <m:r>
-                          <a:rPr lang="en-US" i="1"/>
+                          <a:rPr lang="en-US" i="1">
+                            <a:latin typeface="Cambria Math" panose="02040503050406030204" pitchFamily="18" charset="0"/>
+                          </a:rPr>
                           <m:t>+</m:t>
                         </m:r>
                         <m:r>
-                          <a:rPr lang="en-US" i="1"/>
+                          <a:rPr lang="en-US" i="1">
+                            <a:latin typeface="Cambria Math" panose="02040503050406030204" pitchFamily="18" charset="0"/>
+                          </a:rPr>
                           <m:t>𝛿</m:t>
                         </m:r>
                         <m:r>
-                          <a:rPr lang="en-US" i="1"/>
+                          <a:rPr lang="en-US" i="1">
+                            <a:latin typeface="Cambria Math" panose="02040503050406030204" pitchFamily="18" charset="0"/>
+                          </a:rPr>
                           <m:t>, </m:t>
                         </m:r>
                         <m:r>
-                          <a:rPr lang="en-US" i="1"/>
+                          <a:rPr lang="en-US" i="1">
+                            <a:latin typeface="Cambria Math" panose="02040503050406030204" pitchFamily="18" charset="0"/>
+                          </a:rPr>
                           <m:t>𝑦</m:t>
                         </m:r>
                       </m:e>
                     </m:d>
                     <m:r>
-                      <a:rPr lang="en-US" i="1"/>
+                      <a:rPr lang="en-US" i="1">
+                        <a:latin typeface="Cambria Math" panose="02040503050406030204" pitchFamily="18" charset="0"/>
+                      </a:rPr>
                       <m:t>. </m:t>
                     </m:r>
                   </m:oMath>
@@ -5462,66 +5739,90 @@
                     <m:sSub>
                       <m:sSubPr>
                         <m:ctrlPr>
-                          <a:rPr lang="en-US" i="1"/>
+                          <a:rPr lang="en-US" i="1">
+                            <a:latin typeface="Cambria Math" panose="02040503050406030204" pitchFamily="18" charset="0"/>
+                          </a:rPr>
                         </m:ctrlPr>
                       </m:sSubPr>
                       <m:e>
                         <m:r>
-                          <a:rPr lang="en-US" i="1"/>
+                          <a:rPr lang="en-US" i="1">
+                            <a:latin typeface="Cambria Math" panose="02040503050406030204" pitchFamily="18" charset="0"/>
+                          </a:rPr>
                           <m:t>𝐷</m:t>
                         </m:r>
                       </m:e>
                       <m:sub>
                         <m:r>
-                          <a:rPr lang="en-US" i="1"/>
+                          <a:rPr lang="en-US" i="1">
+                            <a:latin typeface="Cambria Math" panose="02040503050406030204" pitchFamily="18" charset="0"/>
+                          </a:rPr>
                           <m:t>h</m:t>
                         </m:r>
                       </m:sub>
                     </m:sSub>
                     <m:r>
-                      <a:rPr lang="en-US" i="1"/>
+                      <a:rPr lang="en-US" i="1">
+                        <a:latin typeface="Cambria Math" panose="02040503050406030204" pitchFamily="18" charset="0"/>
+                      </a:rPr>
                       <m:t>𝑓</m:t>
                     </m:r>
                     <m:d>
                       <m:dPr>
                         <m:ctrlPr>
-                          <a:rPr lang="en-US" i="1"/>
+                          <a:rPr lang="en-US" i="1">
+                            <a:latin typeface="Cambria Math" panose="02040503050406030204" pitchFamily="18" charset="0"/>
+                          </a:rPr>
                         </m:ctrlPr>
                       </m:dPr>
                       <m:e>
                         <m:r>
-                          <a:rPr lang="en-US" i="1"/>
+                          <a:rPr lang="en-US" i="1">
+                            <a:latin typeface="Cambria Math" panose="02040503050406030204" pitchFamily="18" charset="0"/>
+                          </a:rPr>
                           <m:t>𝑥</m:t>
                         </m:r>
                       </m:e>
                     </m:d>
                     <m:r>
-                      <a:rPr lang="en-US" i="1"/>
+                      <a:rPr lang="en-US" i="1">
+                        <a:latin typeface="Cambria Math" panose="02040503050406030204" pitchFamily="18" charset="0"/>
+                      </a:rPr>
                       <m:t>=</m:t>
                     </m:r>
                     <m:r>
-                      <a:rPr lang="en-US" i="1"/>
+                      <a:rPr lang="en-US" i="1">
+                        <a:latin typeface="Cambria Math" panose="02040503050406030204" pitchFamily="18" charset="0"/>
+                      </a:rPr>
                       <m:t>𝑠𝑢</m:t>
                     </m:r>
                     <m:sSub>
                       <m:sSubPr>
                         <m:ctrlPr>
-                          <a:rPr lang="en-US" i="1"/>
+                          <a:rPr lang="en-US" i="1">
+                            <a:latin typeface="Cambria Math" panose="02040503050406030204" pitchFamily="18" charset="0"/>
+                          </a:rPr>
                         </m:ctrlPr>
                       </m:sSubPr>
                       <m:e>
                         <m:r>
-                          <a:rPr lang="en-US" i="1"/>
+                          <a:rPr lang="en-US" i="1">
+                            <a:latin typeface="Cambria Math" panose="02040503050406030204" pitchFamily="18" charset="0"/>
+                          </a:rPr>
                           <m:t>𝑝</m:t>
                         </m:r>
                       </m:e>
                       <m:sub>
                         <m:r>
-                          <a:rPr lang="en-US" i="1"/>
+                          <a:rPr lang="en-US" i="1">
+                            <a:latin typeface="Cambria Math" panose="02040503050406030204" pitchFamily="18" charset="0"/>
+                          </a:rPr>
                           <m:t>𝛿</m:t>
                         </m:r>
                         <m:r>
-                          <a:rPr lang="en-US" i="1"/>
+                          <a:rPr lang="en-US" i="1">
+                            <a:latin typeface="Cambria Math" panose="02040503050406030204" pitchFamily="18" charset="0"/>
+                          </a:rPr>
                           <m:t>∈∆</m:t>
                         </m:r>
                       </m:sub>
@@ -5529,34 +5830,46 @@
                     <m:sSup>
                       <m:sSupPr>
                         <m:ctrlPr>
-                          <a:rPr lang="en-US" i="1"/>
+                          <a:rPr lang="en-US" i="1">
+                            <a:latin typeface="Cambria Math" panose="02040503050406030204" pitchFamily="18" charset="0"/>
+                          </a:rPr>
                         </m:ctrlPr>
                       </m:sSupPr>
                       <m:e>
                         <m:r>
-                          <a:rPr lang="en-US" i="1"/>
+                          <a:rPr lang="en-US" i="1">
+                            <a:latin typeface="Cambria Math" panose="02040503050406030204" pitchFamily="18" charset="0"/>
+                          </a:rPr>
                           <m:t> </m:t>
                         </m:r>
                         <m:r>
-                          <a:rPr lang="en-US" i="1"/>
+                          <a:rPr lang="en-US" i="1">
+                            <a:latin typeface="Cambria Math" panose="02040503050406030204" pitchFamily="18" charset="0"/>
+                          </a:rPr>
                           <m:t>h</m:t>
                         </m:r>
                       </m:e>
                       <m:sup>
                         <m:r>
-                          <a:rPr lang="en-US" i="1"/>
+                          <a:rPr lang="en-US" i="1">
+                            <a:latin typeface="Cambria Math" panose="02040503050406030204" pitchFamily="18" charset="0"/>
+                          </a:rPr>
                           <m:t>𝑇</m:t>
                         </m:r>
                       </m:sup>
                     </m:sSup>
                     <m:r>
-                      <a:rPr lang="en-US" i="1"/>
+                      <a:rPr lang="en-US" i="1">
+                        <a:latin typeface="Cambria Math" panose="02040503050406030204" pitchFamily="18" charset="0"/>
+                      </a:rPr>
                       <m:t>∗</m:t>
                     </m:r>
                     <m:sSub>
                       <m:sSubPr>
                         <m:ctrlPr>
-                          <a:rPr lang="en-US" i="1"/>
+                          <a:rPr lang="en-US" i="1">
+                            <a:latin typeface="Cambria Math" panose="02040503050406030204" pitchFamily="18" charset="0"/>
+                          </a:rPr>
                         </m:ctrlPr>
                       </m:sSubPr>
                       <m:e>
@@ -5564,7 +5877,9 @@
                           <m:rPr>
                             <m:sty m:val="p"/>
                           </m:rPr>
-                          <a:rPr lang="en-US"/>
+                          <a:rPr lang="en-US">
+                            <a:latin typeface="Cambria Math" panose="02040503050406030204" pitchFamily="18" charset="0"/>
+                          </a:rPr>
                           <m:t>∇</m:t>
                         </m:r>
                       </m:e>
@@ -5573,19 +5888,25 @@
                           <m:rPr>
                             <m:sty m:val="p"/>
                           </m:rPr>
-                          <a:rPr lang="en-US"/>
+                          <a:rPr lang="en-US">
+                            <a:latin typeface="Cambria Math" panose="02040503050406030204" pitchFamily="18" charset="0"/>
+                          </a:rPr>
                           <m:t>x</m:t>
                         </m:r>
                       </m:sub>
                     </m:sSub>
                     <m:r>
-                      <a:rPr lang="en-US" i="1"/>
+                      <a:rPr lang="en-US" i="1">
+                        <a:latin typeface="Cambria Math" panose="02040503050406030204" pitchFamily="18" charset="0"/>
+                      </a:rPr>
                       <m:t>𝐿</m:t>
                     </m:r>
                     <m:d>
                       <m:dPr>
                         <m:ctrlPr>
-                          <a:rPr lang="en-US" i="1"/>
+                          <a:rPr lang="en-US" i="1">
+                            <a:latin typeface="Cambria Math" panose="02040503050406030204" pitchFamily="18" charset="0"/>
+                          </a:rPr>
                         </m:ctrlPr>
                       </m:dPr>
                       <m:e>
@@ -5593,35 +5914,51 @@
                           <m:rPr>
                             <m:sty m:val="p"/>
                           </m:rPr>
-                          <a:rPr lang="en-US"/>
+                          <a:rPr lang="en-US">
+                            <a:latin typeface="Cambria Math" panose="02040503050406030204" pitchFamily="18" charset="0"/>
+                          </a:rPr>
                           <m:t>Θ</m:t>
                         </m:r>
                         <m:r>
-                          <a:rPr lang="en-US"/>
+                          <a:rPr lang="en-US">
+                            <a:latin typeface="Cambria Math" panose="02040503050406030204" pitchFamily="18" charset="0"/>
+                          </a:rPr>
                           <m:t>,</m:t>
                         </m:r>
                         <m:r>
-                          <a:rPr lang="en-US" i="1"/>
+                          <a:rPr lang="en-US" i="1">
+                            <a:latin typeface="Cambria Math" panose="02040503050406030204" pitchFamily="18" charset="0"/>
+                          </a:rPr>
                           <m:t> </m:t>
                         </m:r>
                         <m:r>
-                          <a:rPr lang="en-US" i="1"/>
+                          <a:rPr lang="en-US" i="1">
+                            <a:latin typeface="Cambria Math" panose="02040503050406030204" pitchFamily="18" charset="0"/>
+                          </a:rPr>
                           <m:t>𝑥</m:t>
                         </m:r>
                         <m:r>
-                          <a:rPr lang="en-US" i="1"/>
+                          <a:rPr lang="en-US" i="1">
+                            <a:latin typeface="Cambria Math" panose="02040503050406030204" pitchFamily="18" charset="0"/>
+                          </a:rPr>
                           <m:t>+</m:t>
                         </m:r>
                         <m:r>
-                          <a:rPr lang="en-US" i="1"/>
+                          <a:rPr lang="en-US" i="1">
+                            <a:latin typeface="Cambria Math" panose="02040503050406030204" pitchFamily="18" charset="0"/>
+                          </a:rPr>
                           <m:t>𝑧</m:t>
                         </m:r>
                         <m:r>
-                          <a:rPr lang="en-US" i="1"/>
+                          <a:rPr lang="en-US" i="1">
+                            <a:latin typeface="Cambria Math" panose="02040503050406030204" pitchFamily="18" charset="0"/>
+                          </a:rPr>
                           <m:t>, </m:t>
                         </m:r>
                         <m:r>
-                          <a:rPr lang="en-US" i="1"/>
+                          <a:rPr lang="en-US" i="1">
+                            <a:latin typeface="Cambria Math" panose="02040503050406030204" pitchFamily="18" charset="0"/>
+                          </a:rPr>
                           <m:t>𝑦</m:t>
                         </m:r>
                       </m:e>
@@ -5658,7 +5995,9 @@
                     <m:sSub>
                       <m:sSubPr>
                         <m:ctrlPr>
-                          <a:rPr lang="en-US" i="1"/>
+                          <a:rPr lang="en-US" i="1">
+                            <a:latin typeface="Cambria Math" panose="02040503050406030204" pitchFamily="18" charset="0"/>
+                          </a:rPr>
                         </m:ctrlPr>
                       </m:sSubPr>
                       <m:e>
@@ -5666,7 +6005,9 @@
                           <m:rPr>
                             <m:sty m:val="p"/>
                           </m:rPr>
-                          <a:rPr lang="en-US"/>
+                          <a:rPr lang="en-US">
+                            <a:latin typeface="Cambria Math" panose="02040503050406030204" pitchFamily="18" charset="0"/>
+                          </a:rPr>
                           <m:t>∇</m:t>
                         </m:r>
                       </m:e>
@@ -5675,19 +6016,25 @@
                           <m:rPr>
                             <m:sty m:val="p"/>
                           </m:rPr>
-                          <a:rPr lang="en-US"/>
+                          <a:rPr lang="en-US">
+                            <a:latin typeface="Cambria Math" panose="02040503050406030204" pitchFamily="18" charset="0"/>
+                          </a:rPr>
                           <m:t>x</m:t>
                         </m:r>
                       </m:sub>
                     </m:sSub>
                     <m:r>
-                      <a:rPr lang="en-US" i="1"/>
+                      <a:rPr lang="en-US" i="1">
+                        <a:latin typeface="Cambria Math" panose="02040503050406030204" pitchFamily="18" charset="0"/>
+                      </a:rPr>
                       <m:t>𝐿</m:t>
                     </m:r>
                     <m:d>
                       <m:dPr>
                         <m:ctrlPr>
-                          <a:rPr lang="en-US" i="1"/>
+                          <a:rPr lang="en-US" i="1">
+                            <a:latin typeface="Cambria Math" panose="02040503050406030204" pitchFamily="18" charset="0"/>
+                          </a:rPr>
                         </m:ctrlPr>
                       </m:dPr>
                       <m:e>
@@ -5695,41 +6042,57 @@
                           <m:rPr>
                             <m:sty m:val="p"/>
                           </m:rPr>
-                          <a:rPr lang="en-US"/>
+                          <a:rPr lang="en-US">
+                            <a:latin typeface="Cambria Math" panose="02040503050406030204" pitchFamily="18" charset="0"/>
+                          </a:rPr>
                           <m:t>Θ</m:t>
                         </m:r>
                         <m:r>
-                          <a:rPr lang="en-US" i="1"/>
+                          <a:rPr lang="en-US" i="1">
+                            <a:latin typeface="Cambria Math" panose="02040503050406030204" pitchFamily="18" charset="0"/>
+                          </a:rPr>
                           <m:t>, </m:t>
                         </m:r>
                         <m:r>
-                          <a:rPr lang="en-US" i="1"/>
+                          <a:rPr lang="en-US" i="1">
+                            <a:latin typeface="Cambria Math" panose="02040503050406030204" pitchFamily="18" charset="0"/>
+                          </a:rPr>
                           <m:t>𝑥</m:t>
                         </m:r>
                         <m:r>
-                          <a:rPr lang="en-US" i="1"/>
+                          <a:rPr lang="en-US" i="1">
+                            <a:latin typeface="Cambria Math" panose="02040503050406030204" pitchFamily="18" charset="0"/>
+                          </a:rPr>
                           <m:t>+</m:t>
                         </m:r>
                         <m:acc>
                           <m:accPr>
                             <m:chr m:val="̂"/>
                             <m:ctrlPr>
-                              <a:rPr lang="en-US" i="1"/>
+                              <a:rPr lang="en-US" i="1">
+                                <a:latin typeface="Cambria Math" panose="02040503050406030204" pitchFamily="18" charset="0"/>
+                              </a:rPr>
                             </m:ctrlPr>
                           </m:accPr>
                           <m:e>
                             <m:r>
-                              <a:rPr lang="en-US" i="1"/>
+                              <a:rPr lang="en-US" i="1">
+                                <a:latin typeface="Cambria Math" panose="02040503050406030204" pitchFamily="18" charset="0"/>
+                              </a:rPr>
                               <m:t>𝛿</m:t>
                             </m:r>
                           </m:e>
                         </m:acc>
                         <m:r>
-                          <a:rPr lang="en-US" i="1"/>
+                          <a:rPr lang="en-US" i="1">
+                            <a:latin typeface="Cambria Math" panose="02040503050406030204" pitchFamily="18" charset="0"/>
+                          </a:rPr>
                           <m:t>, </m:t>
                         </m:r>
                         <m:r>
-                          <a:rPr lang="en-US" i="1"/>
+                          <a:rPr lang="en-US" i="1">
+                            <a:latin typeface="Cambria Math" panose="02040503050406030204" pitchFamily="18" charset="0"/>
+                          </a:rPr>
                           <m:t>𝑦</m:t>
                         </m:r>
                       </m:e>
@@ -5780,7 +6143,7 @@
             </p:txBody>
           </p:sp>
         </mc:Choice>
-        <mc:Fallback>
+        <mc:Fallback xmlns="">
           <p:sp>
             <p:nvSpPr>
               <p:cNvPr id="3" name="Content Placeholder 2">
@@ -6144,8 +6507,8 @@
           </a:p>
         </p:txBody>
       </p:sp>
-      <mc:AlternateContent xmlns:mc="http://schemas.openxmlformats.org/markup-compatibility/2006">
-        <mc:Choice xmlns:a14="http://schemas.microsoft.com/office/drawing/2010/main" Requires="a14">
+      <mc:AlternateContent xmlns:mc="http://schemas.openxmlformats.org/markup-compatibility/2006" xmlns:a14="http://schemas.microsoft.com/office/drawing/2010/main">
+        <mc:Choice Requires="a14">
           <p:sp>
             <p:nvSpPr>
               <p:cNvPr id="3" name="Content Placeholder 2">
@@ -6635,7 +6998,7 @@
             </p:txBody>
           </p:sp>
         </mc:Choice>
-        <mc:Fallback>
+        <mc:Fallback xmlns="">
           <p:sp>
             <p:nvSpPr>
               <p:cNvPr id="3" name="Content Placeholder 2">
@@ -6941,8 +7304,8 @@
           </a:prstGeom>
         </p:spPr>
       </p:pic>
-      <mc:AlternateContent xmlns:mc="http://schemas.openxmlformats.org/markup-compatibility/2006">
-        <mc:Choice xmlns:a14="http://schemas.microsoft.com/office/drawing/2010/main" Requires="a14">
+      <mc:AlternateContent xmlns:mc="http://schemas.openxmlformats.org/markup-compatibility/2006" xmlns:a14="http://schemas.microsoft.com/office/drawing/2010/main">
+        <mc:Choice Requires="a14">
           <p:sp>
             <p:nvSpPr>
               <p:cNvPr id="5" name="Rectangle 4">
@@ -7165,7 +7528,7 @@
             </p:txBody>
           </p:sp>
         </mc:Choice>
-        <mc:Fallback>
+        <mc:Fallback xmlns="">
           <p:sp>
             <p:nvSpPr>
               <p:cNvPr id="5" name="Rectangle 4">
@@ -7360,8 +7723,19 @@
           <a:p>
             <a:r>
               <a:rPr lang="en-US" dirty="0"/>
-              <a:t>Query-limited setting</a:t>
-            </a:r>
+              <a:t>Query-limited setting </a:t>
+            </a:r>
+            <a:r>
+              <a:rPr lang="en-US" sz="1800" dirty="0"/>
+              <a:t>- </a:t>
+            </a:r>
+            <a:r>
+              <a:rPr lang="en-US" sz="1800" u="sng" dirty="0">
+                <a:hlinkClick r:id="rId2"/>
+              </a:rPr>
+              <a:t>https://arxiv.org/pdf/1804.08598.pdf</a:t>
+            </a:r>
+            <a:endParaRPr lang="en-US" sz="1800" dirty="0"/>
           </a:p>
           <a:p>
             <a:endParaRPr lang="en-US" dirty="0"/>
@@ -7377,7 +7751,7 @@
             </a:r>
             <a:r>
               <a:rPr lang="en-US" sz="1800" dirty="0">
-                <a:hlinkClick r:id="rId2"/>
+                <a:hlinkClick r:id="rId3"/>
               </a:rPr>
               <a:t>https://arxiv.org/pdf/2006.12792.pdf</a:t>
             </a:r>
@@ -7400,7 +7774,15 @@
           <a:p>
             <a:r>
               <a:rPr lang="en-US" dirty="0"/>
-              <a:t>“Improving the Adversarial Robustness of Transfer Learning via Noisy Feature Distillation”</a:t>
+              <a:t>“</a:t>
+            </a:r>
+            <a:r>
+              <a:rPr lang="en-US"/>
+              <a:t>Improving the </a:t>
+            </a:r>
+            <a:r>
+              <a:rPr lang="en-US" dirty="0"/>
+              <a:t>Adversarial Robustness of Transfer Learning via Noisy Feature Distillation”</a:t>
             </a:r>
             <a:r>
               <a:rPr lang="en-US" sz="1700" dirty="0"/>
@@ -7408,7 +7790,7 @@
             </a:r>
             <a:r>
               <a:rPr lang="en-US" sz="1700" dirty="0">
-                <a:hlinkClick r:id="rId3"/>
+                <a:hlinkClick r:id="rId4"/>
               </a:rPr>
               <a:t>https://arxiv.org/pdf/2002.02998.pdf</a:t>
             </a:r>
@@ -7431,7 +7813,7 @@
             </a:r>
             <a:r>
               <a:rPr lang="en-US" sz="1700" dirty="0">
-                <a:hlinkClick r:id="rId4"/>
+                <a:hlinkClick r:id="rId5"/>
               </a:rPr>
               <a:t>https://openreview.net/pdf?id=SyxM3J256E</a:t>
             </a:r>
@@ -7446,21 +7828,21 @@
           <a:p>
             <a:r>
               <a:rPr lang="en-US" dirty="0"/>
-              <a:t>“Adversarial Deep Learning for Robust Detection of Binary Encoded Malware” </a:t>
+              <a:t>“Automatically Evading Classifiers” </a:t>
             </a:r>
             <a:r>
               <a:rPr lang="en-US" sz="1700" dirty="0"/>
               <a:t>- </a:t>
             </a:r>
             <a:r>
-              <a:rPr lang="en-US" sz="1700" dirty="0">
-                <a:hlinkClick r:id="rId5"/>
+              <a:rPr lang="en-US" sz="1800" dirty="0">
+                <a:hlinkClick r:id="rId6"/>
               </a:rPr>
-              <a:t>https://arxiv.org/pdf/1801.02950.pdf</a:t>
+              <a:t>https://evademl.org/docs/evademl.pdf</a:t>
             </a:r>
             <a:r>
               <a:rPr lang="en-US" sz="1700" dirty="0"/>
-              <a:t>. [As example to a black box attack that doesn’t use gradients – based on genetic search]</a:t>
+              <a:t>. [As example to a black box attack that doesn’t use gradients – based on genetic search. Tested on malware detection case-study]</a:t>
             </a:r>
           </a:p>
           <a:p>
@@ -7742,8 +8124,8 @@
           </a:p>
         </p:txBody>
       </p:sp>
-      <mc:AlternateContent xmlns:mc="http://schemas.openxmlformats.org/markup-compatibility/2006">
-        <mc:Choice xmlns:a14="http://schemas.microsoft.com/office/drawing/2010/main" Requires="a14">
+      <mc:AlternateContent xmlns:mc="http://schemas.openxmlformats.org/markup-compatibility/2006" xmlns:a14="http://schemas.microsoft.com/office/drawing/2010/main">
+        <mc:Choice Requires="a14">
           <p:sp>
             <p:nvSpPr>
               <p:cNvPr id="8" name="TextBox 7">
@@ -7815,7 +8197,7 @@
             </p:txBody>
           </p:sp>
         </mc:Choice>
-        <mc:Fallback>
+        <mc:Fallback xmlns="">
           <p:sp>
             <p:nvSpPr>
               <p:cNvPr id="8" name="TextBox 7">
@@ -8034,8 +8416,8 @@
           </a:p>
         </p:txBody>
       </p:sp>
-      <mc:AlternateContent xmlns:mc="http://schemas.openxmlformats.org/markup-compatibility/2006">
-        <mc:Choice xmlns:a14="http://schemas.microsoft.com/office/drawing/2010/main" Requires="a14">
+      <mc:AlternateContent xmlns:mc="http://schemas.openxmlformats.org/markup-compatibility/2006" xmlns:a14="http://schemas.microsoft.com/office/drawing/2010/main">
+        <mc:Choice Requires="a14">
           <p:sp>
             <p:nvSpPr>
               <p:cNvPr id="2" name="TextBox 1">
@@ -8139,7 +8521,7 @@
             </p:txBody>
           </p:sp>
         </mc:Choice>
-        <mc:Fallback>
+        <mc:Fallback xmlns="">
           <p:sp>
             <p:nvSpPr>
               <p:cNvPr id="2" name="TextBox 1">
@@ -8927,8 +9309,8 @@
           </a:p>
         </p:txBody>
       </p:sp>
-      <mc:AlternateContent xmlns:mc="http://schemas.openxmlformats.org/markup-compatibility/2006">
-        <mc:Choice xmlns:a14="http://schemas.microsoft.com/office/drawing/2010/main" Requires="a14">
+      <mc:AlternateContent xmlns:mc="http://schemas.openxmlformats.org/markup-compatibility/2006" xmlns:a14="http://schemas.microsoft.com/office/drawing/2010/main">
+        <mc:Choice Requires="a14">
           <p:sp>
             <p:nvSpPr>
               <p:cNvPr id="3" name="Content Placeholder 2">
@@ -9447,7 +9829,7 @@
             </p:txBody>
           </p:sp>
         </mc:Choice>
-        <mc:Fallback>
+        <mc:Fallback xmlns="">
           <p:sp>
             <p:nvSpPr>
               <p:cNvPr id="3" name="Content Placeholder 2">
@@ -12307,8 +12689,8 @@
           </a:p>
         </p:txBody>
       </p:sp>
-      <mc:AlternateContent xmlns:mc="http://schemas.openxmlformats.org/markup-compatibility/2006">
-        <mc:Choice xmlns:a14="http://schemas.microsoft.com/office/drawing/2010/main" Requires="a14">
+      <mc:AlternateContent xmlns:mc="http://schemas.openxmlformats.org/markup-compatibility/2006" xmlns:a14="http://schemas.microsoft.com/office/drawing/2010/main">
+        <mc:Choice Requires="a14">
           <p:sp>
             <p:nvSpPr>
               <p:cNvPr id="3" name="Content Placeholder 2">
@@ -12422,7 +12804,7 @@
             </p:txBody>
           </p:sp>
         </mc:Choice>
-        <mc:Fallback>
+        <mc:Fallback xmlns="">
           <p:sp>
             <p:nvSpPr>
               <p:cNvPr id="3" name="Content Placeholder 2">

--- a/CNN proj presentation.pptx
+++ b/CNN proj presentation.pptx
@@ -36,10 +36,9 @@
     <p:sldId id="285" r:id="rId30"/>
     <p:sldId id="286" r:id="rId31"/>
     <p:sldId id="287" r:id="rId32"/>
-    <p:sldId id="289" r:id="rId33"/>
-    <p:sldId id="288" r:id="rId34"/>
-    <p:sldId id="290" r:id="rId35"/>
-    <p:sldId id="291" r:id="rId36"/>
+    <p:sldId id="288" r:id="rId33"/>
+    <p:sldId id="290" r:id="rId34"/>
+    <p:sldId id="291" r:id="rId35"/>
   </p:sldIdLst>
   <p:sldSz cx="12192000" cy="6858000"/>
   <p:notesSz cx="6858000" cy="9144000"/>
@@ -293,7 +292,7 @@
           <a:p>
             <a:fld id="{286809B6-30F4-44E5-AF22-4F1EFA781239}" type="datetimeFigureOut">
               <a:rPr lang="en-US" smtClean="0"/>
-              <a:t>8/24/2020</a:t>
+              <a:t>8/27/2020</a:t>
             </a:fld>
             <a:endParaRPr lang="en-US"/>
           </a:p>
@@ -491,7 +490,7 @@
           <a:p>
             <a:fld id="{286809B6-30F4-44E5-AF22-4F1EFA781239}" type="datetimeFigureOut">
               <a:rPr lang="en-US" smtClean="0"/>
-              <a:t>8/24/2020</a:t>
+              <a:t>8/27/2020</a:t>
             </a:fld>
             <a:endParaRPr lang="en-US"/>
           </a:p>
@@ -699,7 +698,7 @@
           <a:p>
             <a:fld id="{286809B6-30F4-44E5-AF22-4F1EFA781239}" type="datetimeFigureOut">
               <a:rPr lang="en-US" smtClean="0"/>
-              <a:t>8/24/2020</a:t>
+              <a:t>8/27/2020</a:t>
             </a:fld>
             <a:endParaRPr lang="en-US"/>
           </a:p>
@@ -897,7 +896,7 @@
           <a:p>
             <a:fld id="{286809B6-30F4-44E5-AF22-4F1EFA781239}" type="datetimeFigureOut">
               <a:rPr lang="en-US" smtClean="0"/>
-              <a:t>8/24/2020</a:t>
+              <a:t>8/27/2020</a:t>
             </a:fld>
             <a:endParaRPr lang="en-US"/>
           </a:p>
@@ -1172,7 +1171,7 @@
           <a:p>
             <a:fld id="{286809B6-30F4-44E5-AF22-4F1EFA781239}" type="datetimeFigureOut">
               <a:rPr lang="en-US" smtClean="0"/>
-              <a:t>8/24/2020</a:t>
+              <a:t>8/27/2020</a:t>
             </a:fld>
             <a:endParaRPr lang="en-US"/>
           </a:p>
@@ -1437,7 +1436,7 @@
           <a:p>
             <a:fld id="{286809B6-30F4-44E5-AF22-4F1EFA781239}" type="datetimeFigureOut">
               <a:rPr lang="en-US" smtClean="0"/>
-              <a:t>8/24/2020</a:t>
+              <a:t>8/27/2020</a:t>
             </a:fld>
             <a:endParaRPr lang="en-US"/>
           </a:p>
@@ -1849,7 +1848,7 @@
           <a:p>
             <a:fld id="{286809B6-30F4-44E5-AF22-4F1EFA781239}" type="datetimeFigureOut">
               <a:rPr lang="en-US" smtClean="0"/>
-              <a:t>8/24/2020</a:t>
+              <a:t>8/27/2020</a:t>
             </a:fld>
             <a:endParaRPr lang="en-US"/>
           </a:p>
@@ -1990,7 +1989,7 @@
           <a:p>
             <a:fld id="{286809B6-30F4-44E5-AF22-4F1EFA781239}" type="datetimeFigureOut">
               <a:rPr lang="en-US" smtClean="0"/>
-              <a:t>8/24/2020</a:t>
+              <a:t>8/27/2020</a:t>
             </a:fld>
             <a:endParaRPr lang="en-US"/>
           </a:p>
@@ -2103,7 +2102,7 @@
           <a:p>
             <a:fld id="{286809B6-30F4-44E5-AF22-4F1EFA781239}" type="datetimeFigureOut">
               <a:rPr lang="en-US" smtClean="0"/>
-              <a:t>8/24/2020</a:t>
+              <a:t>8/27/2020</a:t>
             </a:fld>
             <a:endParaRPr lang="en-US"/>
           </a:p>
@@ -2414,7 +2413,7 @@
           <a:p>
             <a:fld id="{286809B6-30F4-44E5-AF22-4F1EFA781239}" type="datetimeFigureOut">
               <a:rPr lang="en-US" smtClean="0"/>
-              <a:t>8/24/2020</a:t>
+              <a:t>8/27/2020</a:t>
             </a:fld>
             <a:endParaRPr lang="en-US"/>
           </a:p>
@@ -2702,7 +2701,7 @@
           <a:p>
             <a:fld id="{286809B6-30F4-44E5-AF22-4F1EFA781239}" type="datetimeFigureOut">
               <a:rPr lang="en-US" smtClean="0"/>
-              <a:t>8/24/2020</a:t>
+              <a:t>8/27/2020</a:t>
             </a:fld>
             <a:endParaRPr lang="en-US"/>
           </a:p>
@@ -2943,7 +2942,7 @@
           <a:p>
             <a:fld id="{286809B6-30F4-44E5-AF22-4F1EFA781239}" type="datetimeFigureOut">
               <a:rPr lang="en-US" smtClean="0"/>
-              <a:t>8/24/2020</a:t>
+              <a:t>8/27/2020</a:t>
             </a:fld>
             <a:endParaRPr lang="en-US"/>
           </a:p>
@@ -11286,7 +11285,7 @@
           <p:cNvPr id="2" name="Title 1">
             <a:extLst>
               <a:ext uri="{FF2B5EF4-FFF2-40B4-BE49-F238E27FC236}">
-                <a16:creationId xmlns:a16="http://schemas.microsoft.com/office/drawing/2014/main" id="{37F8E8B1-02D7-4358-B571-58E0C7FEC48E}"/>
+                <a16:creationId xmlns:a16="http://schemas.microsoft.com/office/drawing/2014/main" id="{86E48D2A-49DD-4998-8D67-2C7EE218F69E}"/>
               </a:ext>
             </a:extLst>
           </p:cNvPr>
@@ -11305,1140 +11304,6 @@
             <a:r>
               <a:rPr lang="en-US" dirty="0"/>
               <a:t>Experiment 3</a:t>
-            </a:r>
-          </a:p>
-        </p:txBody>
-      </p:sp>
-      <p:graphicFrame>
-        <p:nvGraphicFramePr>
-          <p:cNvPr id="4" name="Table 3">
-            <a:extLst>
-              <a:ext uri="{FF2B5EF4-FFF2-40B4-BE49-F238E27FC236}">
-                <a16:creationId xmlns:a16="http://schemas.microsoft.com/office/drawing/2014/main" id="{EB4584D7-30D6-45A8-827A-409622EDEE79}"/>
-              </a:ext>
-            </a:extLst>
-          </p:cNvPr>
-          <p:cNvGraphicFramePr>
-            <a:graphicFrameLocks noGrp="1"/>
-          </p:cNvGraphicFramePr>
-          <p:nvPr>
-            <p:extLst>
-              <p:ext uri="{D42A27DB-BD31-4B8C-83A1-F6EECF244321}">
-                <p14:modId xmlns:p14="http://schemas.microsoft.com/office/powerpoint/2010/main" val="2503061386"/>
-              </p:ext>
-            </p:extLst>
-          </p:nvPr>
-        </p:nvGraphicFramePr>
-        <p:xfrm>
-          <a:off x="838199" y="1981358"/>
-          <a:ext cx="5389881" cy="1551421"/>
-        </p:xfrm>
-        <a:graphic>
-          <a:graphicData uri="http://schemas.openxmlformats.org/drawingml/2006/table">
-            <a:tbl>
-              <a:tblPr firstRow="1" firstCol="1" bandRow="1">
-                <a:tableStyleId>{5C22544A-7EE6-4342-B048-85BDC9FD1C3A}</a:tableStyleId>
-              </a:tblPr>
-              <a:tblGrid>
-                <a:gridCol w="808482">
-                  <a:extLst>
-                    <a:ext uri="{9D8B030D-6E8A-4147-A177-3AD203B41FA5}">
-                      <a16:colId xmlns:a16="http://schemas.microsoft.com/office/drawing/2014/main" val="1362456263"/>
-                    </a:ext>
-                  </a:extLst>
-                </a:gridCol>
-                <a:gridCol w="1280097">
-                  <a:extLst>
-                    <a:ext uri="{9D8B030D-6E8A-4147-A177-3AD203B41FA5}">
-                      <a16:colId xmlns:a16="http://schemas.microsoft.com/office/drawing/2014/main" val="1338293226"/>
-                    </a:ext>
-                  </a:extLst>
-                </a:gridCol>
-                <a:gridCol w="1347470">
-                  <a:extLst>
-                    <a:ext uri="{9D8B030D-6E8A-4147-A177-3AD203B41FA5}">
-                      <a16:colId xmlns:a16="http://schemas.microsoft.com/office/drawing/2014/main" val="2595316501"/>
-                    </a:ext>
-                  </a:extLst>
-                </a:gridCol>
-                <a:gridCol w="1953832">
-                  <a:extLst>
-                    <a:ext uri="{9D8B030D-6E8A-4147-A177-3AD203B41FA5}">
-                      <a16:colId xmlns:a16="http://schemas.microsoft.com/office/drawing/2014/main" val="2309467635"/>
-                    </a:ext>
-                  </a:extLst>
-                </a:gridCol>
-              </a:tblGrid>
-              <a:tr h="289276">
-                <a:tc gridSpan="4">
-                  <a:txBody>
-                    <a:bodyPr/>
-                    <a:lstStyle/>
-                    <a:p>
-                      <a:pPr marL="0" marR="0" algn="l" rtl="0">
-                        <a:lnSpc>
-                          <a:spcPct val="107000"/>
-                        </a:lnSpc>
-                        <a:spcBef>
-                          <a:spcPts val="0"/>
-                        </a:spcBef>
-                        <a:spcAft>
-                          <a:spcPts val="0"/>
-                        </a:spcAft>
-                      </a:pPr>
-                      <a:r>
-                        <a:rPr lang="en-US" sz="1400" dirty="0">
-                          <a:effectLst/>
-                        </a:rPr>
-                        <a:t>STN adversarial training with FGSM (measured on Test)</a:t>
-                      </a:r>
-                      <a:endParaRPr lang="en-US" sz="2000" dirty="0">
-                        <a:effectLst/>
-                        <a:latin typeface="Calibri" panose="020F0502020204030204" pitchFamily="34" charset="0"/>
-                        <a:ea typeface="Calibri" panose="020F0502020204030204" pitchFamily="34" charset="0"/>
-                        <a:cs typeface="Arial" panose="020B0604020202020204" pitchFamily="34" charset="0"/>
-                      </a:endParaRPr>
-                    </a:p>
-                  </a:txBody>
-                  <a:tcPr marL="68580" marR="68580" marT="0" marB="0"/>
-                </a:tc>
-                <a:tc hMerge="1">
-                  <a:txBody>
-                    <a:bodyPr/>
-                    <a:lstStyle/>
-                    <a:p>
-                      <a:endParaRPr lang="en-US"/>
-                    </a:p>
-                  </a:txBody>
-                  <a:tcPr/>
-                </a:tc>
-                <a:tc hMerge="1">
-                  <a:txBody>
-                    <a:bodyPr/>
-                    <a:lstStyle/>
-                    <a:p>
-                      <a:endParaRPr lang="en-US"/>
-                    </a:p>
-                  </a:txBody>
-                  <a:tcPr/>
-                </a:tc>
-                <a:tc hMerge="1">
-                  <a:txBody>
-                    <a:bodyPr/>
-                    <a:lstStyle/>
-                    <a:p>
-                      <a:endParaRPr lang="en-US"/>
-                    </a:p>
-                  </a:txBody>
-                  <a:tcPr/>
-                </a:tc>
-                <a:extLst>
-                  <a:ext uri="{0D108BD9-81ED-4DB2-BD59-A6C34878D82A}">
-                    <a16:rowId xmlns:a16="http://schemas.microsoft.com/office/drawing/2014/main" val="3024824371"/>
-                  </a:ext>
-                </a:extLst>
-              </a:tr>
-              <a:tr h="570972">
-                <a:tc>
-                  <a:txBody>
-                    <a:bodyPr/>
-                    <a:lstStyle/>
-                    <a:p>
-                      <a:pPr marL="0" marR="0" algn="l" rtl="0">
-                        <a:lnSpc>
-                          <a:spcPct val="107000"/>
-                        </a:lnSpc>
-                        <a:spcBef>
-                          <a:spcPts val="0"/>
-                        </a:spcBef>
-                        <a:spcAft>
-                          <a:spcPts val="0"/>
-                        </a:spcAft>
-                      </a:pPr>
-                      <a:r>
-                        <a:rPr lang="en-US" sz="1400">
-                          <a:effectLst/>
-                        </a:rPr>
-                        <a:t> </a:t>
-                      </a:r>
-                      <a:endParaRPr lang="en-US" sz="2000">
-                        <a:effectLst/>
-                        <a:latin typeface="Calibri" panose="020F0502020204030204" pitchFamily="34" charset="0"/>
-                        <a:ea typeface="Calibri" panose="020F0502020204030204" pitchFamily="34" charset="0"/>
-                        <a:cs typeface="Arial" panose="020B0604020202020204" pitchFamily="34" charset="0"/>
-                      </a:endParaRPr>
-                    </a:p>
-                  </a:txBody>
-                  <a:tcPr marL="68580" marR="68580" marT="0" marB="0"/>
-                </a:tc>
-                <a:tc>
-                  <a:txBody>
-                    <a:bodyPr/>
-                    <a:lstStyle/>
-                    <a:p>
-                      <a:pPr marL="0" marR="0" algn="l" rtl="0">
-                        <a:lnSpc>
-                          <a:spcPct val="107000"/>
-                        </a:lnSpc>
-                        <a:spcBef>
-                          <a:spcPts val="0"/>
-                        </a:spcBef>
-                        <a:spcAft>
-                          <a:spcPts val="0"/>
-                        </a:spcAft>
-                      </a:pPr>
-                      <a:r>
-                        <a:rPr lang="en-US" sz="1400" dirty="0">
-                          <a:effectLst/>
-                        </a:rPr>
-                        <a:t>Accuracy on Natural examples</a:t>
-                      </a:r>
-                      <a:endParaRPr lang="en-US" sz="2000" dirty="0">
-                        <a:effectLst/>
-                        <a:latin typeface="Calibri" panose="020F0502020204030204" pitchFamily="34" charset="0"/>
-                        <a:ea typeface="Calibri" panose="020F0502020204030204" pitchFamily="34" charset="0"/>
-                        <a:cs typeface="Arial" panose="020B0604020202020204" pitchFamily="34" charset="0"/>
-                      </a:endParaRPr>
-                    </a:p>
-                  </a:txBody>
-                  <a:tcPr marL="68580" marR="68580" marT="0" marB="0"/>
-                </a:tc>
-                <a:tc>
-                  <a:txBody>
-                    <a:bodyPr/>
-                    <a:lstStyle/>
-                    <a:p>
-                      <a:pPr marL="0" marR="0" algn="l" rtl="0">
-                        <a:lnSpc>
-                          <a:spcPct val="107000"/>
-                        </a:lnSpc>
-                        <a:spcBef>
-                          <a:spcPts val="0"/>
-                        </a:spcBef>
-                        <a:spcAft>
-                          <a:spcPts val="0"/>
-                        </a:spcAft>
-                      </a:pPr>
-                      <a:r>
-                        <a:rPr lang="en-US" sz="1400">
-                          <a:effectLst/>
-                        </a:rPr>
-                        <a:t>Accuracy on PGD adversarial examples</a:t>
-                      </a:r>
-                      <a:endParaRPr lang="en-US" sz="2000">
-                        <a:effectLst/>
-                        <a:latin typeface="Calibri" panose="020F0502020204030204" pitchFamily="34" charset="0"/>
-                        <a:ea typeface="Calibri" panose="020F0502020204030204" pitchFamily="34" charset="0"/>
-                        <a:cs typeface="Arial" panose="020B0604020202020204" pitchFamily="34" charset="0"/>
-                      </a:endParaRPr>
-                    </a:p>
-                  </a:txBody>
-                  <a:tcPr marL="68580" marR="68580" marT="0" marB="0"/>
-                </a:tc>
-                <a:tc>
-                  <a:txBody>
-                    <a:bodyPr/>
-                    <a:lstStyle/>
-                    <a:p>
-                      <a:pPr marL="0" marR="0" algn="l" rtl="0">
-                        <a:lnSpc>
-                          <a:spcPct val="107000"/>
-                        </a:lnSpc>
-                        <a:spcBef>
-                          <a:spcPts val="0"/>
-                        </a:spcBef>
-                        <a:spcAft>
-                          <a:spcPts val="0"/>
-                        </a:spcAft>
-                      </a:pPr>
-                      <a:r>
-                        <a:rPr lang="en-US" sz="1400">
-                          <a:effectLst/>
-                        </a:rPr>
-                        <a:t>Accuracy on FGSM adversarial examples</a:t>
-                      </a:r>
-                      <a:endParaRPr lang="en-US" sz="2000">
-                        <a:effectLst/>
-                        <a:latin typeface="Calibri" panose="020F0502020204030204" pitchFamily="34" charset="0"/>
-                        <a:ea typeface="Calibri" panose="020F0502020204030204" pitchFamily="34" charset="0"/>
-                        <a:cs typeface="Arial" panose="020B0604020202020204" pitchFamily="34" charset="0"/>
-                      </a:endParaRPr>
-                    </a:p>
-                  </a:txBody>
-                  <a:tcPr marL="68580" marR="68580" marT="0" marB="0"/>
-                </a:tc>
-                <a:extLst>
-                  <a:ext uri="{0D108BD9-81ED-4DB2-BD59-A6C34878D82A}">
-                    <a16:rowId xmlns:a16="http://schemas.microsoft.com/office/drawing/2014/main" val="4264652258"/>
-                  </a:ext>
-                </a:extLst>
-              </a:tr>
-              <a:tr h="289276">
-                <a:tc>
-                  <a:txBody>
-                    <a:bodyPr/>
-                    <a:lstStyle/>
-                    <a:p>
-                      <a:pPr marL="0" marR="0" algn="l" rtl="0">
-                        <a:lnSpc>
-                          <a:spcPct val="107000"/>
-                        </a:lnSpc>
-                        <a:spcBef>
-                          <a:spcPts val="0"/>
-                        </a:spcBef>
-                        <a:spcAft>
-                          <a:spcPts val="0"/>
-                        </a:spcAft>
-                      </a:pPr>
-                      <a:r>
-                        <a:rPr lang="en-US" sz="1400">
-                          <a:effectLst/>
-                        </a:rPr>
-                        <a:t>GTSRB</a:t>
-                      </a:r>
-                      <a:endParaRPr lang="en-US" sz="2000">
-                        <a:effectLst/>
-                        <a:latin typeface="Calibri" panose="020F0502020204030204" pitchFamily="34" charset="0"/>
-                        <a:ea typeface="Calibri" panose="020F0502020204030204" pitchFamily="34" charset="0"/>
-                        <a:cs typeface="Arial" panose="020B0604020202020204" pitchFamily="34" charset="0"/>
-                      </a:endParaRPr>
-                    </a:p>
-                  </a:txBody>
-                  <a:tcPr marL="68580" marR="68580" marT="0" marB="0"/>
-                </a:tc>
-                <a:tc>
-                  <a:txBody>
-                    <a:bodyPr/>
-                    <a:lstStyle/>
-                    <a:p>
-                      <a:pPr marL="0" marR="0" algn="l" rtl="0">
-                        <a:lnSpc>
-                          <a:spcPct val="107000"/>
-                        </a:lnSpc>
-                        <a:spcBef>
-                          <a:spcPts val="0"/>
-                        </a:spcBef>
-                        <a:spcAft>
-                          <a:spcPts val="0"/>
-                        </a:spcAft>
-                      </a:pPr>
-                      <a:r>
-                        <a:rPr lang="en-US" sz="1400" dirty="0">
-                          <a:effectLst/>
-                        </a:rPr>
-                        <a:t> </a:t>
-                      </a:r>
-                      <a:endParaRPr lang="en-US" sz="2000" dirty="0">
-                        <a:effectLst/>
-                        <a:latin typeface="Calibri" panose="020F0502020204030204" pitchFamily="34" charset="0"/>
-                        <a:ea typeface="Calibri" panose="020F0502020204030204" pitchFamily="34" charset="0"/>
-                        <a:cs typeface="Arial" panose="020B0604020202020204" pitchFamily="34" charset="0"/>
-                      </a:endParaRPr>
-                    </a:p>
-                  </a:txBody>
-                  <a:tcPr marL="68580" marR="68580" marT="0" marB="0"/>
-                </a:tc>
-                <a:tc>
-                  <a:txBody>
-                    <a:bodyPr/>
-                    <a:lstStyle/>
-                    <a:p>
-                      <a:pPr marL="0" marR="0" algn="l" rtl="0">
-                        <a:lnSpc>
-                          <a:spcPct val="107000"/>
-                        </a:lnSpc>
-                        <a:spcBef>
-                          <a:spcPts val="0"/>
-                        </a:spcBef>
-                        <a:spcAft>
-                          <a:spcPts val="0"/>
-                        </a:spcAft>
-                      </a:pPr>
-                      <a:r>
-                        <a:rPr lang="en-US" sz="1400">
-                          <a:effectLst/>
-                        </a:rPr>
-                        <a:t> </a:t>
-                      </a:r>
-                      <a:endParaRPr lang="en-US" sz="2000">
-                        <a:effectLst/>
-                        <a:latin typeface="Calibri" panose="020F0502020204030204" pitchFamily="34" charset="0"/>
-                        <a:ea typeface="Calibri" panose="020F0502020204030204" pitchFamily="34" charset="0"/>
-                        <a:cs typeface="Arial" panose="020B0604020202020204" pitchFamily="34" charset="0"/>
-                      </a:endParaRPr>
-                    </a:p>
-                  </a:txBody>
-                  <a:tcPr marL="68580" marR="68580" marT="0" marB="0"/>
-                </a:tc>
-                <a:tc>
-                  <a:txBody>
-                    <a:bodyPr/>
-                    <a:lstStyle/>
-                    <a:p>
-                      <a:pPr marL="0" marR="0" algn="l" rtl="0">
-                        <a:lnSpc>
-                          <a:spcPct val="107000"/>
-                        </a:lnSpc>
-                        <a:spcBef>
-                          <a:spcPts val="0"/>
-                        </a:spcBef>
-                        <a:spcAft>
-                          <a:spcPts val="0"/>
-                        </a:spcAft>
-                      </a:pPr>
-                      <a:r>
-                        <a:rPr lang="en-US" sz="1400">
-                          <a:effectLst/>
-                        </a:rPr>
-                        <a:t> </a:t>
-                      </a:r>
-                      <a:endParaRPr lang="en-US" sz="2000">
-                        <a:effectLst/>
-                        <a:latin typeface="Calibri" panose="020F0502020204030204" pitchFamily="34" charset="0"/>
-                        <a:ea typeface="Calibri" panose="020F0502020204030204" pitchFamily="34" charset="0"/>
-                        <a:cs typeface="Arial" panose="020B0604020202020204" pitchFamily="34" charset="0"/>
-                      </a:endParaRPr>
-                    </a:p>
-                  </a:txBody>
-                  <a:tcPr marL="68580" marR="68580" marT="0" marB="0"/>
-                </a:tc>
-                <a:extLst>
-                  <a:ext uri="{0D108BD9-81ED-4DB2-BD59-A6C34878D82A}">
-                    <a16:rowId xmlns:a16="http://schemas.microsoft.com/office/drawing/2014/main" val="1991148676"/>
-                  </a:ext>
-                </a:extLst>
-              </a:tr>
-              <a:tr h="298118">
-                <a:tc>
-                  <a:txBody>
-                    <a:bodyPr/>
-                    <a:lstStyle/>
-                    <a:p>
-                      <a:pPr marL="0" marR="0" algn="l" rtl="0">
-                        <a:lnSpc>
-                          <a:spcPct val="107000"/>
-                        </a:lnSpc>
-                        <a:spcBef>
-                          <a:spcPts val="0"/>
-                        </a:spcBef>
-                        <a:spcAft>
-                          <a:spcPts val="0"/>
-                        </a:spcAft>
-                      </a:pPr>
-                      <a:r>
-                        <a:rPr lang="en-US" sz="1400" dirty="0">
-                          <a:effectLst/>
-                        </a:rPr>
-                        <a:t>MNIST</a:t>
-                      </a:r>
-                      <a:endParaRPr lang="en-US" sz="2000" dirty="0">
-                        <a:effectLst/>
-                        <a:latin typeface="Calibri" panose="020F0502020204030204" pitchFamily="34" charset="0"/>
-                        <a:ea typeface="Calibri" panose="020F0502020204030204" pitchFamily="34" charset="0"/>
-                        <a:cs typeface="Arial" panose="020B0604020202020204" pitchFamily="34" charset="0"/>
-                      </a:endParaRPr>
-                    </a:p>
-                  </a:txBody>
-                  <a:tcPr marL="68580" marR="68580" marT="0" marB="0"/>
-                </a:tc>
-                <a:tc>
-                  <a:txBody>
-                    <a:bodyPr/>
-                    <a:lstStyle/>
-                    <a:p>
-                      <a:pPr marL="0" marR="0" algn="l" rtl="0">
-                        <a:lnSpc>
-                          <a:spcPct val="107000"/>
-                        </a:lnSpc>
-                        <a:spcBef>
-                          <a:spcPts val="0"/>
-                        </a:spcBef>
-                        <a:spcAft>
-                          <a:spcPts val="0"/>
-                        </a:spcAft>
-                      </a:pPr>
-                      <a:r>
-                        <a:rPr lang="en-US" sz="1400">
-                          <a:effectLst/>
-                        </a:rPr>
-                        <a:t> </a:t>
-                      </a:r>
-                      <a:endParaRPr lang="en-US" sz="2000">
-                        <a:effectLst/>
-                        <a:latin typeface="Calibri" panose="020F0502020204030204" pitchFamily="34" charset="0"/>
-                        <a:ea typeface="Calibri" panose="020F0502020204030204" pitchFamily="34" charset="0"/>
-                        <a:cs typeface="Arial" panose="020B0604020202020204" pitchFamily="34" charset="0"/>
-                      </a:endParaRPr>
-                    </a:p>
-                  </a:txBody>
-                  <a:tcPr marL="68580" marR="68580" marT="0" marB="0"/>
-                </a:tc>
-                <a:tc>
-                  <a:txBody>
-                    <a:bodyPr/>
-                    <a:lstStyle/>
-                    <a:p>
-                      <a:pPr marL="0" marR="0" algn="l" rtl="0">
-                        <a:lnSpc>
-                          <a:spcPct val="107000"/>
-                        </a:lnSpc>
-                        <a:spcBef>
-                          <a:spcPts val="0"/>
-                        </a:spcBef>
-                        <a:spcAft>
-                          <a:spcPts val="0"/>
-                        </a:spcAft>
-                      </a:pPr>
-                      <a:r>
-                        <a:rPr lang="en-US" sz="1400" dirty="0">
-                          <a:effectLst/>
-                        </a:rPr>
-                        <a:t> </a:t>
-                      </a:r>
-                      <a:endParaRPr lang="en-US" sz="2000" dirty="0">
-                        <a:effectLst/>
-                        <a:latin typeface="Calibri" panose="020F0502020204030204" pitchFamily="34" charset="0"/>
-                        <a:ea typeface="Calibri" panose="020F0502020204030204" pitchFamily="34" charset="0"/>
-                        <a:cs typeface="Arial" panose="020B0604020202020204" pitchFamily="34" charset="0"/>
-                      </a:endParaRPr>
-                    </a:p>
-                  </a:txBody>
-                  <a:tcPr marL="68580" marR="68580" marT="0" marB="0"/>
-                </a:tc>
-                <a:tc>
-                  <a:txBody>
-                    <a:bodyPr/>
-                    <a:lstStyle/>
-                    <a:p>
-                      <a:pPr marL="0" marR="0" algn="l" rtl="0">
-                        <a:lnSpc>
-                          <a:spcPct val="107000"/>
-                        </a:lnSpc>
-                        <a:spcBef>
-                          <a:spcPts val="0"/>
-                        </a:spcBef>
-                        <a:spcAft>
-                          <a:spcPts val="0"/>
-                        </a:spcAft>
-                      </a:pPr>
-                      <a:r>
-                        <a:rPr lang="en-US" sz="1400" dirty="0">
-                          <a:effectLst/>
-                        </a:rPr>
-                        <a:t> </a:t>
-                      </a:r>
-                      <a:endParaRPr lang="en-US" sz="2000" dirty="0">
-                        <a:effectLst/>
-                        <a:latin typeface="Calibri" panose="020F0502020204030204" pitchFamily="34" charset="0"/>
-                        <a:ea typeface="Calibri" panose="020F0502020204030204" pitchFamily="34" charset="0"/>
-                        <a:cs typeface="Arial" panose="020B0604020202020204" pitchFamily="34" charset="0"/>
-                      </a:endParaRPr>
-                    </a:p>
-                  </a:txBody>
-                  <a:tcPr marL="68580" marR="68580" marT="0" marB="0"/>
-                </a:tc>
-                <a:extLst>
-                  <a:ext uri="{0D108BD9-81ED-4DB2-BD59-A6C34878D82A}">
-                    <a16:rowId xmlns:a16="http://schemas.microsoft.com/office/drawing/2014/main" val="367158626"/>
-                  </a:ext>
-                </a:extLst>
-              </a:tr>
-            </a:tbl>
-          </a:graphicData>
-        </a:graphic>
-      </p:graphicFrame>
-      <p:graphicFrame>
-        <p:nvGraphicFramePr>
-          <p:cNvPr id="6" name="Table 5">
-            <a:extLst>
-              <a:ext uri="{FF2B5EF4-FFF2-40B4-BE49-F238E27FC236}">
-                <a16:creationId xmlns:a16="http://schemas.microsoft.com/office/drawing/2014/main" id="{3E463D0D-F95F-4638-89FB-C3A1D490AC22}"/>
-              </a:ext>
-            </a:extLst>
-          </p:cNvPr>
-          <p:cNvGraphicFramePr>
-            <a:graphicFrameLocks noGrp="1"/>
-          </p:cNvGraphicFramePr>
-          <p:nvPr>
-            <p:extLst>
-              <p:ext uri="{D42A27DB-BD31-4B8C-83A1-F6EECF244321}">
-                <p14:modId xmlns:p14="http://schemas.microsoft.com/office/powerpoint/2010/main" val="1658691784"/>
-              </p:ext>
-            </p:extLst>
-          </p:nvPr>
-        </p:nvGraphicFramePr>
-        <p:xfrm>
-          <a:off x="838200" y="3913346"/>
-          <a:ext cx="5389881" cy="1477491"/>
-        </p:xfrm>
-        <a:graphic>
-          <a:graphicData uri="http://schemas.openxmlformats.org/drawingml/2006/table">
-            <a:tbl>
-              <a:tblPr firstRow="1" firstCol="1" bandRow="1">
-                <a:tableStyleId>{5C22544A-7EE6-4342-B048-85BDC9FD1C3A}</a:tableStyleId>
-              </a:tblPr>
-              <a:tblGrid>
-                <a:gridCol w="808482">
-                  <a:extLst>
-                    <a:ext uri="{9D8B030D-6E8A-4147-A177-3AD203B41FA5}">
-                      <a16:colId xmlns:a16="http://schemas.microsoft.com/office/drawing/2014/main" val="243781040"/>
-                    </a:ext>
-                  </a:extLst>
-                </a:gridCol>
-                <a:gridCol w="1280097">
-                  <a:extLst>
-                    <a:ext uri="{9D8B030D-6E8A-4147-A177-3AD203B41FA5}">
-                      <a16:colId xmlns:a16="http://schemas.microsoft.com/office/drawing/2014/main" val="2914396841"/>
-                    </a:ext>
-                  </a:extLst>
-                </a:gridCol>
-                <a:gridCol w="1347470">
-                  <a:extLst>
-                    <a:ext uri="{9D8B030D-6E8A-4147-A177-3AD203B41FA5}">
-                      <a16:colId xmlns:a16="http://schemas.microsoft.com/office/drawing/2014/main" val="2128506856"/>
-                    </a:ext>
-                  </a:extLst>
-                </a:gridCol>
-                <a:gridCol w="1953832">
-                  <a:extLst>
-                    <a:ext uri="{9D8B030D-6E8A-4147-A177-3AD203B41FA5}">
-                      <a16:colId xmlns:a16="http://schemas.microsoft.com/office/drawing/2014/main" val="239746169"/>
-                    </a:ext>
-                  </a:extLst>
-                </a:gridCol>
-              </a:tblGrid>
-              <a:tr h="264881">
-                <a:tc gridSpan="4">
-                  <a:txBody>
-                    <a:bodyPr/>
-                    <a:lstStyle/>
-                    <a:p>
-                      <a:pPr marL="0" marR="0" algn="l" rtl="0">
-                        <a:lnSpc>
-                          <a:spcPct val="107000"/>
-                        </a:lnSpc>
-                        <a:spcBef>
-                          <a:spcPts val="0"/>
-                        </a:spcBef>
-                        <a:spcAft>
-                          <a:spcPts val="0"/>
-                        </a:spcAft>
-                      </a:pPr>
-                      <a:r>
-                        <a:rPr lang="en-US" sz="1400" dirty="0">
-                          <a:effectLst/>
-                        </a:rPr>
-                        <a:t>STN adversarial training with PGD (measured on Test)</a:t>
-                      </a:r>
-                      <a:endParaRPr lang="en-US" sz="2000" dirty="0">
-                        <a:effectLst/>
-                        <a:latin typeface="Calibri" panose="020F0502020204030204" pitchFamily="34" charset="0"/>
-                        <a:ea typeface="Calibri" panose="020F0502020204030204" pitchFamily="34" charset="0"/>
-                        <a:cs typeface="Arial" panose="020B0604020202020204" pitchFamily="34" charset="0"/>
-                      </a:endParaRPr>
-                    </a:p>
-                  </a:txBody>
-                  <a:tcPr marL="68580" marR="68580" marT="0" marB="0"/>
-                </a:tc>
-                <a:tc hMerge="1">
-                  <a:txBody>
-                    <a:bodyPr/>
-                    <a:lstStyle/>
-                    <a:p>
-                      <a:endParaRPr lang="en-US"/>
-                    </a:p>
-                  </a:txBody>
-                  <a:tcPr/>
-                </a:tc>
-                <a:tc hMerge="1">
-                  <a:txBody>
-                    <a:bodyPr/>
-                    <a:lstStyle/>
-                    <a:p>
-                      <a:endParaRPr lang="en-US"/>
-                    </a:p>
-                  </a:txBody>
-                  <a:tcPr/>
-                </a:tc>
-                <a:tc hMerge="1">
-                  <a:txBody>
-                    <a:bodyPr/>
-                    <a:lstStyle/>
-                    <a:p>
-                      <a:endParaRPr lang="en-US"/>
-                    </a:p>
-                  </a:txBody>
-                  <a:tcPr/>
-                </a:tc>
-                <a:extLst>
-                  <a:ext uri="{0D108BD9-81ED-4DB2-BD59-A6C34878D82A}">
-                    <a16:rowId xmlns:a16="http://schemas.microsoft.com/office/drawing/2014/main" val="3143094560"/>
-                  </a:ext>
-                </a:extLst>
-              </a:tr>
-              <a:tr h="522822">
-                <a:tc>
-                  <a:txBody>
-                    <a:bodyPr/>
-                    <a:lstStyle/>
-                    <a:p>
-                      <a:pPr marL="0" marR="0" algn="l" rtl="0">
-                        <a:lnSpc>
-                          <a:spcPct val="107000"/>
-                        </a:lnSpc>
-                        <a:spcBef>
-                          <a:spcPts val="0"/>
-                        </a:spcBef>
-                        <a:spcAft>
-                          <a:spcPts val="0"/>
-                        </a:spcAft>
-                      </a:pPr>
-                      <a:r>
-                        <a:rPr lang="en-US" sz="1400">
-                          <a:effectLst/>
-                        </a:rPr>
-                        <a:t> </a:t>
-                      </a:r>
-                      <a:endParaRPr lang="en-US" sz="2000">
-                        <a:effectLst/>
-                        <a:latin typeface="Calibri" panose="020F0502020204030204" pitchFamily="34" charset="0"/>
-                        <a:ea typeface="Calibri" panose="020F0502020204030204" pitchFamily="34" charset="0"/>
-                        <a:cs typeface="Arial" panose="020B0604020202020204" pitchFamily="34" charset="0"/>
-                      </a:endParaRPr>
-                    </a:p>
-                  </a:txBody>
-                  <a:tcPr marL="68580" marR="68580" marT="0" marB="0"/>
-                </a:tc>
-                <a:tc>
-                  <a:txBody>
-                    <a:bodyPr/>
-                    <a:lstStyle/>
-                    <a:p>
-                      <a:pPr marL="0" marR="0" algn="l" rtl="0">
-                        <a:lnSpc>
-                          <a:spcPct val="107000"/>
-                        </a:lnSpc>
-                        <a:spcBef>
-                          <a:spcPts val="0"/>
-                        </a:spcBef>
-                        <a:spcAft>
-                          <a:spcPts val="0"/>
-                        </a:spcAft>
-                      </a:pPr>
-                      <a:r>
-                        <a:rPr lang="en-US" sz="1400" dirty="0">
-                          <a:effectLst/>
-                        </a:rPr>
-                        <a:t>Accuracy on Natural examples</a:t>
-                      </a:r>
-                      <a:endParaRPr lang="en-US" sz="2000" dirty="0">
-                        <a:effectLst/>
-                        <a:latin typeface="Calibri" panose="020F0502020204030204" pitchFamily="34" charset="0"/>
-                        <a:ea typeface="Calibri" panose="020F0502020204030204" pitchFamily="34" charset="0"/>
-                        <a:cs typeface="Arial" panose="020B0604020202020204" pitchFamily="34" charset="0"/>
-                      </a:endParaRPr>
-                    </a:p>
-                  </a:txBody>
-                  <a:tcPr marL="68580" marR="68580" marT="0" marB="0"/>
-                </a:tc>
-                <a:tc>
-                  <a:txBody>
-                    <a:bodyPr/>
-                    <a:lstStyle/>
-                    <a:p>
-                      <a:pPr marL="0" marR="0" algn="l" rtl="0">
-                        <a:lnSpc>
-                          <a:spcPct val="107000"/>
-                        </a:lnSpc>
-                        <a:spcBef>
-                          <a:spcPts val="0"/>
-                        </a:spcBef>
-                        <a:spcAft>
-                          <a:spcPts val="0"/>
-                        </a:spcAft>
-                      </a:pPr>
-                      <a:r>
-                        <a:rPr lang="en-US" sz="1400" dirty="0">
-                          <a:effectLst/>
-                        </a:rPr>
-                        <a:t>Accuracy on PGD adversarial examples</a:t>
-                      </a:r>
-                      <a:endParaRPr lang="en-US" sz="2000" dirty="0">
-                        <a:effectLst/>
-                        <a:latin typeface="Calibri" panose="020F0502020204030204" pitchFamily="34" charset="0"/>
-                        <a:ea typeface="Calibri" panose="020F0502020204030204" pitchFamily="34" charset="0"/>
-                        <a:cs typeface="Arial" panose="020B0604020202020204" pitchFamily="34" charset="0"/>
-                      </a:endParaRPr>
-                    </a:p>
-                  </a:txBody>
-                  <a:tcPr marL="68580" marR="68580" marT="0" marB="0"/>
-                </a:tc>
-                <a:tc>
-                  <a:txBody>
-                    <a:bodyPr/>
-                    <a:lstStyle/>
-                    <a:p>
-                      <a:pPr marL="0" marR="0" algn="l" rtl="0">
-                        <a:lnSpc>
-                          <a:spcPct val="107000"/>
-                        </a:lnSpc>
-                        <a:spcBef>
-                          <a:spcPts val="0"/>
-                        </a:spcBef>
-                        <a:spcAft>
-                          <a:spcPts val="0"/>
-                        </a:spcAft>
-                      </a:pPr>
-                      <a:r>
-                        <a:rPr lang="en-US" sz="1400">
-                          <a:effectLst/>
-                        </a:rPr>
-                        <a:t>Accuracy on FGSM adversarial examples</a:t>
-                      </a:r>
-                      <a:endParaRPr lang="en-US" sz="2000">
-                        <a:effectLst/>
-                        <a:latin typeface="Calibri" panose="020F0502020204030204" pitchFamily="34" charset="0"/>
-                        <a:ea typeface="Calibri" panose="020F0502020204030204" pitchFamily="34" charset="0"/>
-                        <a:cs typeface="Arial" panose="020B0604020202020204" pitchFamily="34" charset="0"/>
-                      </a:endParaRPr>
-                    </a:p>
-                  </a:txBody>
-                  <a:tcPr marL="68580" marR="68580" marT="0" marB="0"/>
-                </a:tc>
-                <a:extLst>
-                  <a:ext uri="{0D108BD9-81ED-4DB2-BD59-A6C34878D82A}">
-                    <a16:rowId xmlns:a16="http://schemas.microsoft.com/office/drawing/2014/main" val="1617319928"/>
-                  </a:ext>
-                </a:extLst>
-              </a:tr>
-              <a:tr h="264881">
-                <a:tc>
-                  <a:txBody>
-                    <a:bodyPr/>
-                    <a:lstStyle/>
-                    <a:p>
-                      <a:pPr marL="0" marR="0" algn="l" rtl="0">
-                        <a:lnSpc>
-                          <a:spcPct val="107000"/>
-                        </a:lnSpc>
-                        <a:spcBef>
-                          <a:spcPts val="0"/>
-                        </a:spcBef>
-                        <a:spcAft>
-                          <a:spcPts val="0"/>
-                        </a:spcAft>
-                      </a:pPr>
-                      <a:r>
-                        <a:rPr lang="en-US" sz="1400">
-                          <a:effectLst/>
-                        </a:rPr>
-                        <a:t>GTSRB</a:t>
-                      </a:r>
-                      <a:endParaRPr lang="en-US" sz="2000">
-                        <a:effectLst/>
-                        <a:latin typeface="Calibri" panose="020F0502020204030204" pitchFamily="34" charset="0"/>
-                        <a:ea typeface="Calibri" panose="020F0502020204030204" pitchFamily="34" charset="0"/>
-                        <a:cs typeface="Arial" panose="020B0604020202020204" pitchFamily="34" charset="0"/>
-                      </a:endParaRPr>
-                    </a:p>
-                  </a:txBody>
-                  <a:tcPr marL="68580" marR="68580" marT="0" marB="0"/>
-                </a:tc>
-                <a:tc>
-                  <a:txBody>
-                    <a:bodyPr/>
-                    <a:lstStyle/>
-                    <a:p>
-                      <a:pPr marL="0" marR="0" algn="l" rtl="0">
-                        <a:lnSpc>
-                          <a:spcPct val="107000"/>
-                        </a:lnSpc>
-                        <a:spcBef>
-                          <a:spcPts val="0"/>
-                        </a:spcBef>
-                        <a:spcAft>
-                          <a:spcPts val="0"/>
-                        </a:spcAft>
-                      </a:pPr>
-                      <a:r>
-                        <a:rPr lang="en-US" sz="1400" kern="1200" dirty="0">
-                          <a:solidFill>
-                            <a:schemeClr val="dk1"/>
-                          </a:solidFill>
-                          <a:effectLst/>
-                          <a:latin typeface="+mn-lt"/>
-                          <a:ea typeface="+mn-ea"/>
-                          <a:cs typeface="+mn-cs"/>
-                        </a:rPr>
-                        <a:t> </a:t>
-                      </a:r>
-                    </a:p>
-                  </a:txBody>
-                  <a:tcPr marL="68580" marR="68580" marT="0" marB="0"/>
-                </a:tc>
-                <a:tc>
-                  <a:txBody>
-                    <a:bodyPr/>
-                    <a:lstStyle/>
-                    <a:p>
-                      <a:pPr marL="0" marR="0" algn="l" rtl="0">
-                        <a:lnSpc>
-                          <a:spcPct val="107000"/>
-                        </a:lnSpc>
-                        <a:spcBef>
-                          <a:spcPts val="0"/>
-                        </a:spcBef>
-                        <a:spcAft>
-                          <a:spcPts val="0"/>
-                        </a:spcAft>
-                      </a:pPr>
-                      <a:r>
-                        <a:rPr lang="en-US" sz="1400" kern="1200">
-                          <a:solidFill>
-                            <a:schemeClr val="dk1"/>
-                          </a:solidFill>
-                          <a:effectLst/>
-                          <a:latin typeface="+mn-lt"/>
-                          <a:ea typeface="+mn-ea"/>
-                          <a:cs typeface="+mn-cs"/>
-                        </a:rPr>
-                        <a:t> </a:t>
-                      </a:r>
-                    </a:p>
-                  </a:txBody>
-                  <a:tcPr marL="68580" marR="68580" marT="0" marB="0"/>
-                </a:tc>
-                <a:tc>
-                  <a:txBody>
-                    <a:bodyPr/>
-                    <a:lstStyle/>
-                    <a:p>
-                      <a:pPr marL="0" marR="0" algn="l" rtl="0">
-                        <a:lnSpc>
-                          <a:spcPct val="107000"/>
-                        </a:lnSpc>
-                        <a:spcBef>
-                          <a:spcPts val="0"/>
-                        </a:spcBef>
-                        <a:spcAft>
-                          <a:spcPts val="0"/>
-                        </a:spcAft>
-                      </a:pPr>
-                      <a:r>
-                        <a:rPr lang="en-US" sz="1400" kern="1200">
-                          <a:solidFill>
-                            <a:schemeClr val="dk1"/>
-                          </a:solidFill>
-                          <a:effectLst/>
-                          <a:latin typeface="+mn-lt"/>
-                          <a:ea typeface="+mn-ea"/>
-                          <a:cs typeface="+mn-cs"/>
-                        </a:rPr>
-                        <a:t> </a:t>
-                      </a:r>
-                    </a:p>
-                  </a:txBody>
-                  <a:tcPr marL="68580" marR="68580" marT="0" marB="0"/>
-                </a:tc>
-                <a:extLst>
-                  <a:ext uri="{0D108BD9-81ED-4DB2-BD59-A6C34878D82A}">
-                    <a16:rowId xmlns:a16="http://schemas.microsoft.com/office/drawing/2014/main" val="3621206439"/>
-                  </a:ext>
-                </a:extLst>
-              </a:tr>
-              <a:tr h="272978">
-                <a:tc>
-                  <a:txBody>
-                    <a:bodyPr/>
-                    <a:lstStyle/>
-                    <a:p>
-                      <a:pPr marL="0" marR="0" algn="l" rtl="0">
-                        <a:lnSpc>
-                          <a:spcPct val="107000"/>
-                        </a:lnSpc>
-                        <a:spcBef>
-                          <a:spcPts val="0"/>
-                        </a:spcBef>
-                        <a:spcAft>
-                          <a:spcPts val="0"/>
-                        </a:spcAft>
-                      </a:pPr>
-                      <a:r>
-                        <a:rPr lang="en-US" sz="1400">
-                          <a:effectLst/>
-                        </a:rPr>
-                        <a:t>MNIST</a:t>
-                      </a:r>
-                      <a:endParaRPr lang="en-US" sz="2000">
-                        <a:effectLst/>
-                        <a:latin typeface="Calibri" panose="020F0502020204030204" pitchFamily="34" charset="0"/>
-                        <a:ea typeface="Calibri" panose="020F0502020204030204" pitchFamily="34" charset="0"/>
-                        <a:cs typeface="Arial" panose="020B0604020202020204" pitchFamily="34" charset="0"/>
-                      </a:endParaRPr>
-                    </a:p>
-                  </a:txBody>
-                  <a:tcPr marL="68580" marR="68580" marT="0" marB="0"/>
-                </a:tc>
-                <a:tc>
-                  <a:txBody>
-                    <a:bodyPr/>
-                    <a:lstStyle/>
-                    <a:p>
-                      <a:pPr marL="0" marR="0" algn="l" rtl="0">
-                        <a:lnSpc>
-                          <a:spcPct val="107000"/>
-                        </a:lnSpc>
-                        <a:spcBef>
-                          <a:spcPts val="0"/>
-                        </a:spcBef>
-                        <a:spcAft>
-                          <a:spcPts val="0"/>
-                        </a:spcAft>
-                      </a:pPr>
-                      <a:r>
-                        <a:rPr lang="en-US" sz="1400" kern="1200" dirty="0">
-                          <a:solidFill>
-                            <a:schemeClr val="dk1"/>
-                          </a:solidFill>
-                          <a:effectLst/>
-                          <a:latin typeface="+mn-lt"/>
-                          <a:ea typeface="+mn-ea"/>
-                          <a:cs typeface="+mn-cs"/>
-                        </a:rPr>
-                        <a:t>98%</a:t>
-                      </a:r>
-                    </a:p>
-                  </a:txBody>
-                  <a:tcPr marL="68580" marR="68580" marT="0" marB="0"/>
-                </a:tc>
-                <a:tc>
-                  <a:txBody>
-                    <a:bodyPr/>
-                    <a:lstStyle/>
-                    <a:p>
-                      <a:pPr marL="0" marR="0" algn="l" rtl="0">
-                        <a:lnSpc>
-                          <a:spcPct val="107000"/>
-                        </a:lnSpc>
-                        <a:spcBef>
-                          <a:spcPts val="0"/>
-                        </a:spcBef>
-                        <a:spcAft>
-                          <a:spcPts val="0"/>
-                        </a:spcAft>
-                      </a:pPr>
-                      <a:r>
-                        <a:rPr lang="en-US" sz="1400" kern="1200" dirty="0">
-                          <a:solidFill>
-                            <a:schemeClr val="dk1"/>
-                          </a:solidFill>
-                          <a:effectLst/>
-                          <a:latin typeface="+mn-lt"/>
-                          <a:ea typeface="+mn-ea"/>
-                          <a:cs typeface="+mn-cs"/>
-                        </a:rPr>
-                        <a:t>81%</a:t>
-                      </a:r>
-                    </a:p>
-                  </a:txBody>
-                  <a:tcPr marL="68580" marR="68580" marT="0" marB="0"/>
-                </a:tc>
-                <a:tc>
-                  <a:txBody>
-                    <a:bodyPr/>
-                    <a:lstStyle/>
-                    <a:p>
-                      <a:pPr marL="0" marR="0" algn="l" rtl="0">
-                        <a:lnSpc>
-                          <a:spcPct val="107000"/>
-                        </a:lnSpc>
-                        <a:spcBef>
-                          <a:spcPts val="0"/>
-                        </a:spcBef>
-                        <a:spcAft>
-                          <a:spcPts val="0"/>
-                        </a:spcAft>
-                      </a:pPr>
-                      <a:r>
-                        <a:rPr lang="en-US" sz="1400" kern="1200" dirty="0">
-                          <a:solidFill>
-                            <a:schemeClr val="dk1"/>
-                          </a:solidFill>
-                          <a:effectLst/>
-                          <a:latin typeface="+mn-lt"/>
-                          <a:ea typeface="+mn-ea"/>
-                          <a:cs typeface="+mn-cs"/>
-                        </a:rPr>
-                        <a:t>97%</a:t>
-                      </a:r>
-                    </a:p>
-                  </a:txBody>
-                  <a:tcPr marL="68580" marR="68580" marT="0" marB="0"/>
-                </a:tc>
-                <a:extLst>
-                  <a:ext uri="{0D108BD9-81ED-4DB2-BD59-A6C34878D82A}">
-                    <a16:rowId xmlns:a16="http://schemas.microsoft.com/office/drawing/2014/main" val="4004905097"/>
-                  </a:ext>
-                </a:extLst>
-              </a:tr>
-            </a:tbl>
-          </a:graphicData>
-        </a:graphic>
-      </p:graphicFrame>
-    </p:spTree>
-    <p:extLst>
-      <p:ext uri="{BB962C8B-B14F-4D97-AF65-F5344CB8AC3E}">
-        <p14:creationId xmlns:p14="http://schemas.microsoft.com/office/powerpoint/2010/main" val="1868873908"/>
-      </p:ext>
-    </p:extLst>
-  </p:cSld>
-  <p:clrMapOvr>
-    <a:masterClrMapping/>
-  </p:clrMapOvr>
-</p:sld>
-</file>
-
-<file path=ppt/slides/slide33.xml><?xml version="1.0" encoding="utf-8"?>
-<p:sld xmlns:a="http://schemas.openxmlformats.org/drawingml/2006/main" xmlns:r="http://schemas.openxmlformats.org/officeDocument/2006/relationships" xmlns:p="http://schemas.openxmlformats.org/presentationml/2006/main">
-  <p:cSld>
-    <p:spTree>
-      <p:nvGrpSpPr>
-        <p:cNvPr id="1" name=""/>
-        <p:cNvGrpSpPr/>
-        <p:nvPr/>
-      </p:nvGrpSpPr>
-      <p:grpSpPr>
-        <a:xfrm>
-          <a:off x="0" y="0"/>
-          <a:ext cx="0" cy="0"/>
-          <a:chOff x="0" y="0"/>
-          <a:chExt cx="0" cy="0"/>
-        </a:xfrm>
-      </p:grpSpPr>
-      <p:sp>
-        <p:nvSpPr>
-          <p:cNvPr id="2" name="Title 1">
-            <a:extLst>
-              <a:ext uri="{FF2B5EF4-FFF2-40B4-BE49-F238E27FC236}">
-                <a16:creationId xmlns:a16="http://schemas.microsoft.com/office/drawing/2014/main" id="{86E48D2A-49DD-4998-8D67-2C7EE218F69E}"/>
-              </a:ext>
-            </a:extLst>
-          </p:cNvPr>
-          <p:cNvSpPr>
-            <a:spLocks noGrp="1"/>
-          </p:cNvSpPr>
-          <p:nvPr>
-            <p:ph type="title"/>
-          </p:nvPr>
-        </p:nvSpPr>
-        <p:spPr/>
-        <p:txBody>
-          <a:bodyPr/>
-          <a:lstStyle/>
-          <a:p>
-            <a:r>
-              <a:rPr lang="en-US" dirty="0"/>
-              <a:t>Experiment 4</a:t>
             </a:r>
           </a:p>
         </p:txBody>
@@ -12488,7 +11353,7 @@
 </p:sld>
 </file>
 
-<file path=ppt/slides/slide34.xml><?xml version="1.0" encoding="utf-8"?>
+<file path=ppt/slides/slide33.xml><?xml version="1.0" encoding="utf-8"?>
 <p:sld xmlns:a="http://schemas.openxmlformats.org/drawingml/2006/main" xmlns:r="http://schemas.openxmlformats.org/officeDocument/2006/relationships" xmlns:p="http://schemas.openxmlformats.org/presentationml/2006/main">
   <p:cSld>
     <p:spTree>
@@ -12527,9 +11392,10 @@
           <a:lstStyle/>
           <a:p>
             <a:r>
-              <a:rPr lang="en-US" dirty="0"/>
-              <a:t>Experiment 5</a:t>
-            </a:r>
+              <a:rPr lang="en-US"/>
+              <a:t>Experiment 4</a:t>
+            </a:r>
+            <a:endParaRPr lang="en-US" dirty="0"/>
           </a:p>
         </p:txBody>
       </p:sp>
@@ -12571,7 +11437,7 @@
 </p:sld>
 </file>
 
-<file path=ppt/slides/slide35.xml><?xml version="1.0" encoding="utf-8"?>
+<file path=ppt/slides/slide34.xml><?xml version="1.0" encoding="utf-8"?>
 <p:sld xmlns:a="http://schemas.openxmlformats.org/drawingml/2006/main" xmlns:r="http://schemas.openxmlformats.org/officeDocument/2006/relationships" xmlns:p="http://schemas.openxmlformats.org/presentationml/2006/main">
   <p:cSld>
     <p:spTree>

--- a/CNN proj presentation.pptx
+++ b/CNN proj presentation.pptx
@@ -292,7 +292,7 @@
           <a:p>
             <a:fld id="{286809B6-30F4-44E5-AF22-4F1EFA781239}" type="datetimeFigureOut">
               <a:rPr lang="en-US" smtClean="0"/>
-              <a:t>8/27/2020</a:t>
+              <a:t>8/28/2020</a:t>
             </a:fld>
             <a:endParaRPr lang="en-US"/>
           </a:p>
@@ -490,7 +490,7 @@
           <a:p>
             <a:fld id="{286809B6-30F4-44E5-AF22-4F1EFA781239}" type="datetimeFigureOut">
               <a:rPr lang="en-US" smtClean="0"/>
-              <a:t>8/27/2020</a:t>
+              <a:t>8/28/2020</a:t>
             </a:fld>
             <a:endParaRPr lang="en-US"/>
           </a:p>
@@ -698,7 +698,7 @@
           <a:p>
             <a:fld id="{286809B6-30F4-44E5-AF22-4F1EFA781239}" type="datetimeFigureOut">
               <a:rPr lang="en-US" smtClean="0"/>
-              <a:t>8/27/2020</a:t>
+              <a:t>8/28/2020</a:t>
             </a:fld>
             <a:endParaRPr lang="en-US"/>
           </a:p>
@@ -896,7 +896,7 @@
           <a:p>
             <a:fld id="{286809B6-30F4-44E5-AF22-4F1EFA781239}" type="datetimeFigureOut">
               <a:rPr lang="en-US" smtClean="0"/>
-              <a:t>8/27/2020</a:t>
+              <a:t>8/28/2020</a:t>
             </a:fld>
             <a:endParaRPr lang="en-US"/>
           </a:p>
@@ -1171,7 +1171,7 @@
           <a:p>
             <a:fld id="{286809B6-30F4-44E5-AF22-4F1EFA781239}" type="datetimeFigureOut">
               <a:rPr lang="en-US" smtClean="0"/>
-              <a:t>8/27/2020</a:t>
+              <a:t>8/28/2020</a:t>
             </a:fld>
             <a:endParaRPr lang="en-US"/>
           </a:p>
@@ -1436,7 +1436,7 @@
           <a:p>
             <a:fld id="{286809B6-30F4-44E5-AF22-4F1EFA781239}" type="datetimeFigureOut">
               <a:rPr lang="en-US" smtClean="0"/>
-              <a:t>8/27/2020</a:t>
+              <a:t>8/28/2020</a:t>
             </a:fld>
             <a:endParaRPr lang="en-US"/>
           </a:p>
@@ -1848,7 +1848,7 @@
           <a:p>
             <a:fld id="{286809B6-30F4-44E5-AF22-4F1EFA781239}" type="datetimeFigureOut">
               <a:rPr lang="en-US" smtClean="0"/>
-              <a:t>8/27/2020</a:t>
+              <a:t>8/28/2020</a:t>
             </a:fld>
             <a:endParaRPr lang="en-US"/>
           </a:p>
@@ -1989,7 +1989,7 @@
           <a:p>
             <a:fld id="{286809B6-30F4-44E5-AF22-4F1EFA781239}" type="datetimeFigureOut">
               <a:rPr lang="en-US" smtClean="0"/>
-              <a:t>8/27/2020</a:t>
+              <a:t>8/28/2020</a:t>
             </a:fld>
             <a:endParaRPr lang="en-US"/>
           </a:p>
@@ -2102,7 +2102,7 @@
           <a:p>
             <a:fld id="{286809B6-30F4-44E5-AF22-4F1EFA781239}" type="datetimeFigureOut">
               <a:rPr lang="en-US" smtClean="0"/>
-              <a:t>8/27/2020</a:t>
+              <a:t>8/28/2020</a:t>
             </a:fld>
             <a:endParaRPr lang="en-US"/>
           </a:p>
@@ -2413,7 +2413,7 @@
           <a:p>
             <a:fld id="{286809B6-30F4-44E5-AF22-4F1EFA781239}" type="datetimeFigureOut">
               <a:rPr lang="en-US" smtClean="0"/>
-              <a:t>8/27/2020</a:t>
+              <a:t>8/28/2020</a:t>
             </a:fld>
             <a:endParaRPr lang="en-US"/>
           </a:p>
@@ -2701,7 +2701,7 @@
           <a:p>
             <a:fld id="{286809B6-30F4-44E5-AF22-4F1EFA781239}" type="datetimeFigureOut">
               <a:rPr lang="en-US" smtClean="0"/>
-              <a:t>8/27/2020</a:t>
+              <a:t>8/28/2020</a:t>
             </a:fld>
             <a:endParaRPr lang="en-US"/>
           </a:p>
@@ -2942,7 +2942,7 @@
           <a:p>
             <a:fld id="{286809B6-30F4-44E5-AF22-4F1EFA781239}" type="datetimeFigureOut">
               <a:rPr lang="en-US" smtClean="0"/>
-              <a:t>8/27/2020</a:t>
+              <a:t>8/28/2020</a:t>
             </a:fld>
             <a:endParaRPr lang="en-US"/>
           </a:p>

--- a/CNN proj presentation.pptx
+++ b/CNN proj presentation.pptx
@@ -15,30 +15,31 @@
     <p:sldId id="258" r:id="rId9"/>
     <p:sldId id="264" r:id="rId10"/>
     <p:sldId id="265" r:id="rId11"/>
-    <p:sldId id="266" r:id="rId12"/>
-    <p:sldId id="268" r:id="rId13"/>
-    <p:sldId id="271" r:id="rId14"/>
-    <p:sldId id="269" r:id="rId15"/>
-    <p:sldId id="267" r:id="rId16"/>
-    <p:sldId id="270" r:id="rId17"/>
-    <p:sldId id="272" r:id="rId18"/>
-    <p:sldId id="273" r:id="rId19"/>
-    <p:sldId id="274" r:id="rId20"/>
-    <p:sldId id="275" r:id="rId21"/>
-    <p:sldId id="276" r:id="rId22"/>
-    <p:sldId id="277" r:id="rId23"/>
-    <p:sldId id="278" r:id="rId24"/>
-    <p:sldId id="279" r:id="rId25"/>
-    <p:sldId id="283" r:id="rId26"/>
-    <p:sldId id="280" r:id="rId27"/>
-    <p:sldId id="282" r:id="rId28"/>
-    <p:sldId id="284" r:id="rId29"/>
-    <p:sldId id="285" r:id="rId30"/>
-    <p:sldId id="286" r:id="rId31"/>
-    <p:sldId id="287" r:id="rId32"/>
-    <p:sldId id="288" r:id="rId33"/>
-    <p:sldId id="290" r:id="rId34"/>
-    <p:sldId id="291" r:id="rId35"/>
+    <p:sldId id="292" r:id="rId12"/>
+    <p:sldId id="266" r:id="rId13"/>
+    <p:sldId id="268" r:id="rId14"/>
+    <p:sldId id="271" r:id="rId15"/>
+    <p:sldId id="269" r:id="rId16"/>
+    <p:sldId id="267" r:id="rId17"/>
+    <p:sldId id="270" r:id="rId18"/>
+    <p:sldId id="272" r:id="rId19"/>
+    <p:sldId id="273" r:id="rId20"/>
+    <p:sldId id="274" r:id="rId21"/>
+    <p:sldId id="275" r:id="rId22"/>
+    <p:sldId id="276" r:id="rId23"/>
+    <p:sldId id="277" r:id="rId24"/>
+    <p:sldId id="278" r:id="rId25"/>
+    <p:sldId id="279" r:id="rId26"/>
+    <p:sldId id="283" r:id="rId27"/>
+    <p:sldId id="280" r:id="rId28"/>
+    <p:sldId id="282" r:id="rId29"/>
+    <p:sldId id="284" r:id="rId30"/>
+    <p:sldId id="285" r:id="rId31"/>
+    <p:sldId id="286" r:id="rId32"/>
+    <p:sldId id="287" r:id="rId33"/>
+    <p:sldId id="288" r:id="rId34"/>
+    <p:sldId id="290" r:id="rId35"/>
+    <p:sldId id="291" r:id="rId36"/>
   </p:sldIdLst>
   <p:sldSz cx="12192000" cy="6858000"/>
   <p:notesSz cx="6858000" cy="9144000"/>
@@ -292,7 +293,7 @@
           <a:p>
             <a:fld id="{286809B6-30F4-44E5-AF22-4F1EFA781239}" type="datetimeFigureOut">
               <a:rPr lang="en-US" smtClean="0"/>
-              <a:t>8/28/2020</a:t>
+              <a:t>9/6/2020</a:t>
             </a:fld>
             <a:endParaRPr lang="en-US"/>
           </a:p>
@@ -490,7 +491,7 @@
           <a:p>
             <a:fld id="{286809B6-30F4-44E5-AF22-4F1EFA781239}" type="datetimeFigureOut">
               <a:rPr lang="en-US" smtClean="0"/>
-              <a:t>8/28/2020</a:t>
+              <a:t>9/6/2020</a:t>
             </a:fld>
             <a:endParaRPr lang="en-US"/>
           </a:p>
@@ -698,7 +699,7 @@
           <a:p>
             <a:fld id="{286809B6-30F4-44E5-AF22-4F1EFA781239}" type="datetimeFigureOut">
               <a:rPr lang="en-US" smtClean="0"/>
-              <a:t>8/28/2020</a:t>
+              <a:t>9/6/2020</a:t>
             </a:fld>
             <a:endParaRPr lang="en-US"/>
           </a:p>
@@ -896,7 +897,7 @@
           <a:p>
             <a:fld id="{286809B6-30F4-44E5-AF22-4F1EFA781239}" type="datetimeFigureOut">
               <a:rPr lang="en-US" smtClean="0"/>
-              <a:t>8/28/2020</a:t>
+              <a:t>9/6/2020</a:t>
             </a:fld>
             <a:endParaRPr lang="en-US"/>
           </a:p>
@@ -1171,7 +1172,7 @@
           <a:p>
             <a:fld id="{286809B6-30F4-44E5-AF22-4F1EFA781239}" type="datetimeFigureOut">
               <a:rPr lang="en-US" smtClean="0"/>
-              <a:t>8/28/2020</a:t>
+              <a:t>9/6/2020</a:t>
             </a:fld>
             <a:endParaRPr lang="en-US"/>
           </a:p>
@@ -1436,7 +1437,7 @@
           <a:p>
             <a:fld id="{286809B6-30F4-44E5-AF22-4F1EFA781239}" type="datetimeFigureOut">
               <a:rPr lang="en-US" smtClean="0"/>
-              <a:t>8/28/2020</a:t>
+              <a:t>9/6/2020</a:t>
             </a:fld>
             <a:endParaRPr lang="en-US"/>
           </a:p>
@@ -1848,7 +1849,7 @@
           <a:p>
             <a:fld id="{286809B6-30F4-44E5-AF22-4F1EFA781239}" type="datetimeFigureOut">
               <a:rPr lang="en-US" smtClean="0"/>
-              <a:t>8/28/2020</a:t>
+              <a:t>9/6/2020</a:t>
             </a:fld>
             <a:endParaRPr lang="en-US"/>
           </a:p>
@@ -1989,7 +1990,7 @@
           <a:p>
             <a:fld id="{286809B6-30F4-44E5-AF22-4F1EFA781239}" type="datetimeFigureOut">
               <a:rPr lang="en-US" smtClean="0"/>
-              <a:t>8/28/2020</a:t>
+              <a:t>9/6/2020</a:t>
             </a:fld>
             <a:endParaRPr lang="en-US"/>
           </a:p>
@@ -2102,7 +2103,7 @@
           <a:p>
             <a:fld id="{286809B6-30F4-44E5-AF22-4F1EFA781239}" type="datetimeFigureOut">
               <a:rPr lang="en-US" smtClean="0"/>
-              <a:t>8/28/2020</a:t>
+              <a:t>9/6/2020</a:t>
             </a:fld>
             <a:endParaRPr lang="en-US"/>
           </a:p>
@@ -2413,7 +2414,7 @@
           <a:p>
             <a:fld id="{286809B6-30F4-44E5-AF22-4F1EFA781239}" type="datetimeFigureOut">
               <a:rPr lang="en-US" smtClean="0"/>
-              <a:t>8/28/2020</a:t>
+              <a:t>9/6/2020</a:t>
             </a:fld>
             <a:endParaRPr lang="en-US"/>
           </a:p>
@@ -2701,7 +2702,7 @@
           <a:p>
             <a:fld id="{286809B6-30F4-44E5-AF22-4F1EFA781239}" type="datetimeFigureOut">
               <a:rPr lang="en-US" smtClean="0"/>
-              <a:t>8/28/2020</a:t>
+              <a:t>9/6/2020</a:t>
             </a:fld>
             <a:endParaRPr lang="en-US"/>
           </a:p>
@@ -2942,7 +2943,7 @@
           <a:p>
             <a:fld id="{286809B6-30F4-44E5-AF22-4F1EFA781239}" type="datetimeFigureOut">
               <a:rPr lang="en-US" smtClean="0"/>
-              <a:t>8/28/2020</a:t>
+              <a:t>9/6/2020</a:t>
             </a:fld>
             <a:endParaRPr lang="en-US"/>
           </a:p>
@@ -4232,7 +4233,7 @@
           <p:cNvPr id="2" name="Title 1">
             <a:extLst>
               <a:ext uri="{FF2B5EF4-FFF2-40B4-BE49-F238E27FC236}">
-                <a16:creationId xmlns:a16="http://schemas.microsoft.com/office/drawing/2014/main" id="{41C7C624-0121-4D14-AB77-BE52F6E4BE1D}"/>
+                <a16:creationId xmlns:a16="http://schemas.microsoft.com/office/drawing/2014/main" id="{85D08156-A521-41D5-8EAC-7A12A39BB472}"/>
               </a:ext>
             </a:extLst>
           </p:cNvPr>
@@ -4250,7 +4251,7 @@
           <a:p>
             <a:r>
               <a:rPr lang="en-US" dirty="0"/>
-              <a:t>Transferred Attacks</a:t>
+              <a:t>FGSM is optimal for linear binary classification</a:t>
             </a:r>
           </a:p>
         </p:txBody>
@@ -4260,7 +4261,7 @@
           <p:cNvPr id="3" name="Content Placeholder 2">
             <a:extLst>
               <a:ext uri="{FF2B5EF4-FFF2-40B4-BE49-F238E27FC236}">
-                <a16:creationId xmlns:a16="http://schemas.microsoft.com/office/drawing/2014/main" id="{5E4BE23F-2F87-4E0C-BD8B-7B3CC0539D92}"/>
+                <a16:creationId xmlns:a16="http://schemas.microsoft.com/office/drawing/2014/main" id="{73D4DB58-E5A3-4BE8-8D55-5E38F4F9D281}"/>
               </a:ext>
             </a:extLst>
           </p:cNvPr>
@@ -4273,89 +4274,235 @@
         </p:nvSpPr>
         <p:spPr/>
         <p:txBody>
-          <a:bodyPr>
-            <a:normAutofit lnSpcReduction="10000"/>
-          </a:bodyPr>
+          <a:bodyPr/>
           <a:lstStyle/>
           <a:p>
             <a:r>
               <a:rPr lang="en-US" dirty="0"/>
-              <a:t>Let's imagine the following scenario:</a:t>
-            </a:r>
-          </a:p>
-          <a:p>
-            <a:pPr lvl="1"/>
-            <a:r>
-              <a:rPr lang="en-US" dirty="0"/>
-              <a:t>There is a secret model we want to attack.</a:t>
-            </a:r>
-          </a:p>
-          <a:p>
-            <a:pPr lvl="1"/>
-            <a:r>
-              <a:rPr lang="en-US" dirty="0"/>
-              <a:t>We can use a black-box attacking method, but let’s say we want more - we want to apply a white box attack.</a:t>
-            </a:r>
-          </a:p>
-          <a:p>
-            <a:pPr lvl="1"/>
-            <a:r>
-              <a:rPr lang="en-US" dirty="0"/>
-              <a:t>How can we do it?</a:t>
-            </a:r>
-          </a:p>
-          <a:p>
-            <a:r>
-              <a:rPr lang="en-US" dirty="0"/>
-              <a:t>Idea:</a:t>
-            </a:r>
-          </a:p>
-          <a:p>
-            <a:pPr lvl="1"/>
-            <a:r>
-              <a:rPr lang="en-US" dirty="0"/>
-              <a:t>Train model to the same task independently. Called a surrogate model.</a:t>
-            </a:r>
-          </a:p>
-          <a:p>
-            <a:pPr lvl="1"/>
-            <a:r>
-              <a:rPr lang="en-US" dirty="0"/>
-              <a:t>Apply the white box attack on the surrogate model.</a:t>
-            </a:r>
-          </a:p>
-          <a:p>
-            <a:pPr lvl="1"/>
-            <a:r>
-              <a:rPr lang="en-US" dirty="0"/>
-              <a:t>Use it to attack the target model.</a:t>
-            </a:r>
-          </a:p>
-          <a:p>
-            <a:r>
-              <a:rPr lang="en-US" dirty="0"/>
-              <a:t>Works better if we know the target model architecture.</a:t>
-            </a:r>
-          </a:p>
-          <a:p>
-            <a:r>
-              <a:rPr lang="en-US" dirty="0"/>
-              <a:t>We see next the relation of this to target capacity.</a:t>
-            </a:r>
-          </a:p>
-          <a:p>
-            <a:pPr lvl="1"/>
-            <a:endParaRPr lang="en-US" dirty="0"/>
-          </a:p>
-          <a:p>
-            <a:endParaRPr lang="en-US" dirty="0"/>
+              <a:t>The shortest path to pass the decision boundary is the orthogonal direction of the linear decision boundary towards the correct direction.</a:t>
+            </a:r>
           </a:p>
         </p:txBody>
       </p:sp>
+      <p:pic>
+        <p:nvPicPr>
+          <p:cNvPr id="4" name="Picture 3">
+            <a:extLst>
+              <a:ext uri="{FF2B5EF4-FFF2-40B4-BE49-F238E27FC236}">
+                <a16:creationId xmlns:a16="http://schemas.microsoft.com/office/drawing/2014/main" id="{840051DB-0054-413E-B788-592170981406}"/>
+              </a:ext>
+            </a:extLst>
+          </p:cNvPr>
+          <p:cNvPicPr>
+            <a:picLocks noChangeAspect="1"/>
+          </p:cNvPicPr>
+          <p:nvPr/>
+        </p:nvPicPr>
+        <p:blipFill>
+          <a:blip r:embed="rId2"/>
+          <a:stretch>
+            <a:fillRect/>
+          </a:stretch>
+        </p:blipFill>
+        <p:spPr>
+          <a:xfrm>
+            <a:off x="2872280" y="3150968"/>
+            <a:ext cx="5391150" cy="2905125"/>
+          </a:xfrm>
+          <a:prstGeom prst="rect">
+            <a:avLst/>
+          </a:prstGeom>
+        </p:spPr>
+      </p:pic>
+      <mc:AlternateContent xmlns:mc="http://schemas.openxmlformats.org/markup-compatibility/2006">
+        <mc:Choice xmlns:a14="http://schemas.microsoft.com/office/drawing/2010/main" Requires="a14">
+          <p:sp>
+            <p:nvSpPr>
+              <p:cNvPr id="5" name="TextBox 4">
+                <a:extLst>
+                  <a:ext uri="{FF2B5EF4-FFF2-40B4-BE49-F238E27FC236}">
+                    <a16:creationId xmlns:a16="http://schemas.microsoft.com/office/drawing/2014/main" id="{83EF8583-1072-4419-A0D7-DA7F896C5CE2}"/>
+                  </a:ext>
+                </a:extLst>
+              </p:cNvPr>
+              <p:cNvSpPr txBox="1"/>
+              <p:nvPr/>
+            </p:nvSpPr>
+            <p:spPr>
+              <a:xfrm>
+                <a:off x="1272079" y="6308209"/>
+                <a:ext cx="7304361" cy="369332"/>
+              </a:xfrm>
+              <a:prstGeom prst="rect">
+                <a:avLst/>
+              </a:prstGeom>
+              <a:noFill/>
+            </p:spPr>
+            <p:txBody>
+              <a:bodyPr wrap="square" rtlCol="0">
+                <a:spAutoFit/>
+              </a:bodyPr>
+              <a:lstStyle/>
+              <a:p>
+                <a14:m>
+                  <m:oMath xmlns:m="http://schemas.openxmlformats.org/officeDocument/2006/math">
+                    <m:sSub>
+                      <m:sSubPr>
+                        <m:ctrlPr>
+                          <a:rPr lang="en-US" b="0" i="1" smtClean="0">
+                            <a:latin typeface="Cambria Math" panose="02040503050406030204" pitchFamily="18" charset="0"/>
+                            <a:ea typeface="Cambria Math" panose="02040503050406030204" pitchFamily="18" charset="0"/>
+                          </a:rPr>
+                        </m:ctrlPr>
+                      </m:sSubPr>
+                      <m:e>
+                        <m:r>
+                          <m:rPr>
+                            <m:sty m:val="p"/>
+                          </m:rPr>
+                          <a:rPr lang="en-US" i="1" smtClean="0">
+                            <a:latin typeface="Cambria Math" panose="02040503050406030204" pitchFamily="18" charset="0"/>
+                            <a:ea typeface="Cambria Math" panose="02040503050406030204" pitchFamily="18" charset="0"/>
+                          </a:rPr>
+                          <m:t>∇</m:t>
+                        </m:r>
+                      </m:e>
+                      <m:sub>
+                        <m:r>
+                          <a:rPr lang="en-US" b="0" i="1" smtClean="0">
+                            <a:latin typeface="Cambria Math" panose="02040503050406030204" pitchFamily="18" charset="0"/>
+                            <a:ea typeface="Cambria Math" panose="02040503050406030204" pitchFamily="18" charset="0"/>
+                          </a:rPr>
+                          <m:t>𝑥</m:t>
+                        </m:r>
+                      </m:sub>
+                    </m:sSub>
+                    <m:r>
+                      <a:rPr lang="en-US" b="0" i="1" smtClean="0">
+                        <a:latin typeface="Cambria Math" panose="02040503050406030204" pitchFamily="18" charset="0"/>
+                        <a:ea typeface="Cambria Math" panose="02040503050406030204" pitchFamily="18" charset="0"/>
+                      </a:rPr>
+                      <m:t>𝐿</m:t>
+                    </m:r>
+                    <m:d>
+                      <m:dPr>
+                        <m:ctrlPr>
+                          <a:rPr lang="en-US" b="0" i="1" smtClean="0">
+                            <a:latin typeface="Cambria Math" panose="02040503050406030204" pitchFamily="18" charset="0"/>
+                            <a:ea typeface="Cambria Math" panose="02040503050406030204" pitchFamily="18" charset="0"/>
+                          </a:rPr>
+                        </m:ctrlPr>
+                      </m:dPr>
+                      <m:e>
+                        <m:r>
+                          <a:rPr lang="en-US" b="0" i="1" smtClean="0">
+                            <a:latin typeface="Cambria Math" panose="02040503050406030204" pitchFamily="18" charset="0"/>
+                            <a:ea typeface="Cambria Math" panose="02040503050406030204" pitchFamily="18" charset="0"/>
+                          </a:rPr>
+                          <m:t>𝑤𝑥</m:t>
+                        </m:r>
+                        <m:r>
+                          <a:rPr lang="en-US" b="0" i="1" smtClean="0">
+                            <a:latin typeface="Cambria Math" panose="02040503050406030204" pitchFamily="18" charset="0"/>
+                            <a:ea typeface="Cambria Math" panose="02040503050406030204" pitchFamily="18" charset="0"/>
+                          </a:rPr>
+                          <m:t>, </m:t>
+                        </m:r>
+                        <m:r>
+                          <a:rPr lang="en-US" b="0" i="1" smtClean="0">
+                            <a:latin typeface="Cambria Math" panose="02040503050406030204" pitchFamily="18" charset="0"/>
+                            <a:ea typeface="Cambria Math" panose="02040503050406030204" pitchFamily="18" charset="0"/>
+                          </a:rPr>
+                          <m:t>𝑦</m:t>
+                        </m:r>
+                      </m:e>
+                    </m:d>
+                    <m:r>
+                      <a:rPr lang="en-US" i="1">
+                        <a:latin typeface="Cambria Math" panose="02040503050406030204" pitchFamily="18" charset="0"/>
+                        <a:ea typeface="Cambria Math" panose="02040503050406030204" pitchFamily="18" charset="0"/>
+                      </a:rPr>
+                      <m:t>∝</m:t>
+                    </m:r>
+                    <m:r>
+                      <a:rPr lang="en-US" b="0" i="1" smtClean="0">
+                        <a:latin typeface="Cambria Math" panose="02040503050406030204" pitchFamily="18" charset="0"/>
+                        <a:ea typeface="Cambria Math" panose="02040503050406030204" pitchFamily="18" charset="0"/>
+                      </a:rPr>
+                      <m:t>𝑦𝑤</m:t>
+                    </m:r>
+                  </m:oMath>
+                </a14:m>
+                <a:r>
+                  <a:rPr lang="en-US" dirty="0"/>
+                  <a:t>. </a:t>
+                </a:r>
+                <a:r>
+                  <a:rPr lang="en-US" dirty="0" err="1"/>
+                  <a:t>yw</a:t>
+                </a:r>
+                <a:r>
+                  <a:rPr lang="en-US" dirty="0"/>
+                  <a:t> is the optimal direction as </a:t>
+                </a:r>
+                <a:r>
+                  <a:rPr lang="en-US"/>
+                  <a:t>we see.</a:t>
+                </a:r>
+                <a:endParaRPr lang="en-US" dirty="0"/>
+              </a:p>
+            </p:txBody>
+          </p:sp>
+        </mc:Choice>
+        <mc:Fallback>
+          <p:sp>
+            <p:nvSpPr>
+              <p:cNvPr id="5" name="TextBox 4">
+                <a:extLst>
+                  <a:ext uri="{FF2B5EF4-FFF2-40B4-BE49-F238E27FC236}">
+                    <a16:creationId xmlns:a16="http://schemas.microsoft.com/office/drawing/2014/main" id="{83EF8583-1072-4419-A0D7-DA7F896C5CE2}"/>
+                  </a:ext>
+                </a:extLst>
+              </p:cNvPr>
+              <p:cNvSpPr txBox="1">
+                <a:spLocks noRot="1" noChangeAspect="1" noMove="1" noResize="1" noEditPoints="1" noAdjustHandles="1" noChangeArrowheads="1" noChangeShapeType="1" noTextEdit="1"/>
+              </p:cNvSpPr>
+              <p:nvPr/>
+            </p:nvSpPr>
+            <p:spPr>
+              <a:xfrm>
+                <a:off x="1272079" y="6308209"/>
+                <a:ext cx="7304361" cy="369332"/>
+              </a:xfrm>
+              <a:prstGeom prst="rect">
+                <a:avLst/>
+              </a:prstGeom>
+              <a:blipFill>
+                <a:blip r:embed="rId3"/>
+                <a:stretch>
+                  <a:fillRect t="-10000" b="-26667"/>
+                </a:stretch>
+              </a:blipFill>
+            </p:spPr>
+            <p:txBody>
+              <a:bodyPr/>
+              <a:lstStyle/>
+              <a:p>
+                <a:r>
+                  <a:rPr lang="en-US">
+                    <a:noFill/>
+                  </a:rPr>
+                  <a:t> </a:t>
+                </a:r>
+              </a:p>
+            </p:txBody>
+          </p:sp>
+        </mc:Fallback>
+      </mc:AlternateContent>
     </p:spTree>
     <p:extLst>
       <p:ext uri="{BB962C8B-B14F-4D97-AF65-F5344CB8AC3E}">
-        <p14:creationId xmlns:p14="http://schemas.microsoft.com/office/powerpoint/2010/main" val="2372888740"/>
+        <p14:creationId xmlns:p14="http://schemas.microsoft.com/office/powerpoint/2010/main" val="2281171091"/>
       </p:ext>
     </p:extLst>
   </p:cSld>
@@ -4387,6 +4534,161 @@
           <p:cNvPr id="2" name="Title 1">
             <a:extLst>
               <a:ext uri="{FF2B5EF4-FFF2-40B4-BE49-F238E27FC236}">
+                <a16:creationId xmlns:a16="http://schemas.microsoft.com/office/drawing/2014/main" id="{41C7C624-0121-4D14-AB77-BE52F6E4BE1D}"/>
+              </a:ext>
+            </a:extLst>
+          </p:cNvPr>
+          <p:cNvSpPr>
+            <a:spLocks noGrp="1"/>
+          </p:cNvSpPr>
+          <p:nvPr>
+            <p:ph type="title"/>
+          </p:nvPr>
+        </p:nvSpPr>
+        <p:spPr/>
+        <p:txBody>
+          <a:bodyPr/>
+          <a:lstStyle/>
+          <a:p>
+            <a:r>
+              <a:rPr lang="en-US" dirty="0"/>
+              <a:t>Transferred Attacks</a:t>
+            </a:r>
+          </a:p>
+        </p:txBody>
+      </p:sp>
+      <p:sp>
+        <p:nvSpPr>
+          <p:cNvPr id="3" name="Content Placeholder 2">
+            <a:extLst>
+              <a:ext uri="{FF2B5EF4-FFF2-40B4-BE49-F238E27FC236}">
+                <a16:creationId xmlns:a16="http://schemas.microsoft.com/office/drawing/2014/main" id="{5E4BE23F-2F87-4E0C-BD8B-7B3CC0539D92}"/>
+              </a:ext>
+            </a:extLst>
+          </p:cNvPr>
+          <p:cNvSpPr>
+            <a:spLocks noGrp="1"/>
+          </p:cNvSpPr>
+          <p:nvPr>
+            <p:ph idx="1"/>
+          </p:nvPr>
+        </p:nvSpPr>
+        <p:spPr/>
+        <p:txBody>
+          <a:bodyPr>
+            <a:normAutofit lnSpcReduction="10000"/>
+          </a:bodyPr>
+          <a:lstStyle/>
+          <a:p>
+            <a:r>
+              <a:rPr lang="en-US" dirty="0"/>
+              <a:t>Let's imagine the following scenario:</a:t>
+            </a:r>
+          </a:p>
+          <a:p>
+            <a:pPr lvl="1"/>
+            <a:r>
+              <a:rPr lang="en-US" dirty="0"/>
+              <a:t>There is a secret model we want to attack.</a:t>
+            </a:r>
+          </a:p>
+          <a:p>
+            <a:pPr lvl="1"/>
+            <a:r>
+              <a:rPr lang="en-US" dirty="0"/>
+              <a:t>We can use a black-box attacking method, but let’s say we want more - we want to apply a white box attack.</a:t>
+            </a:r>
+          </a:p>
+          <a:p>
+            <a:pPr lvl="1"/>
+            <a:r>
+              <a:rPr lang="en-US" dirty="0"/>
+              <a:t>How can we do it?</a:t>
+            </a:r>
+          </a:p>
+          <a:p>
+            <a:r>
+              <a:rPr lang="en-US" dirty="0"/>
+              <a:t>Idea:</a:t>
+            </a:r>
+          </a:p>
+          <a:p>
+            <a:pPr lvl="1"/>
+            <a:r>
+              <a:rPr lang="en-US" dirty="0"/>
+              <a:t>Train model to the same task independently. Called a surrogate model.</a:t>
+            </a:r>
+          </a:p>
+          <a:p>
+            <a:pPr lvl="1"/>
+            <a:r>
+              <a:rPr lang="en-US" dirty="0"/>
+              <a:t>Apply the white box attack on the surrogate model.</a:t>
+            </a:r>
+          </a:p>
+          <a:p>
+            <a:pPr lvl="1"/>
+            <a:r>
+              <a:rPr lang="en-US" dirty="0"/>
+              <a:t>Use it to attack the target model.</a:t>
+            </a:r>
+          </a:p>
+          <a:p>
+            <a:r>
+              <a:rPr lang="en-US" dirty="0"/>
+              <a:t>Works better if we know the target model architecture.</a:t>
+            </a:r>
+          </a:p>
+          <a:p>
+            <a:r>
+              <a:rPr lang="en-US" dirty="0"/>
+              <a:t>We see next the relation of this to target capacity.</a:t>
+            </a:r>
+          </a:p>
+          <a:p>
+            <a:pPr lvl="1"/>
+            <a:endParaRPr lang="en-US" dirty="0"/>
+          </a:p>
+          <a:p>
+            <a:endParaRPr lang="en-US" dirty="0"/>
+          </a:p>
+        </p:txBody>
+      </p:sp>
+    </p:spTree>
+    <p:extLst>
+      <p:ext uri="{BB962C8B-B14F-4D97-AF65-F5344CB8AC3E}">
+        <p14:creationId xmlns:p14="http://schemas.microsoft.com/office/powerpoint/2010/main" val="2372888740"/>
+      </p:ext>
+    </p:extLst>
+  </p:cSld>
+  <p:clrMapOvr>
+    <a:masterClrMapping/>
+  </p:clrMapOvr>
+</p:sld>
+</file>
+
+<file path=ppt/slides/slide13.xml><?xml version="1.0" encoding="utf-8"?>
+<p:sld xmlns:a="http://schemas.openxmlformats.org/drawingml/2006/main" xmlns:r="http://schemas.openxmlformats.org/officeDocument/2006/relationships" xmlns:p="http://schemas.openxmlformats.org/presentationml/2006/main">
+  <p:cSld>
+    <p:spTree>
+      <p:nvGrpSpPr>
+        <p:cNvPr id="1" name=""/>
+        <p:cNvGrpSpPr/>
+        <p:nvPr/>
+      </p:nvGrpSpPr>
+      <p:grpSpPr>
+        <a:xfrm>
+          <a:off x="0" y="0"/>
+          <a:ext cx="0" cy="0"/>
+          <a:chOff x="0" y="0"/>
+          <a:chExt cx="0" cy="0"/>
+        </a:xfrm>
+      </p:grpSpPr>
+      <p:sp>
+        <p:nvSpPr>
+          <p:cNvPr id="2" name="Title 1">
+            <a:extLst>
+              <a:ext uri="{FF2B5EF4-FFF2-40B4-BE49-F238E27FC236}">
                 <a16:creationId xmlns:a16="http://schemas.microsoft.com/office/drawing/2014/main" id="{D68B2D95-0B62-4049-9A0B-2AF95B6C2453}"/>
               </a:ext>
             </a:extLst>
@@ -4483,7 +4785,7 @@
 </p:sld>
 </file>
 
-<file path=ppt/slides/slide13.xml><?xml version="1.0" encoding="utf-8"?>
+<file path=ppt/slides/slide14.xml><?xml version="1.0" encoding="utf-8"?>
 <p:sld xmlns:a="http://schemas.openxmlformats.org/drawingml/2006/main" xmlns:r="http://schemas.openxmlformats.org/officeDocument/2006/relationships" xmlns:p="http://schemas.openxmlformats.org/presentationml/2006/main">
   <p:cSld>
     <p:spTree>
@@ -4952,7 +5254,7 @@
 </p:sld>
 </file>
 
-<file path=ppt/slides/slide14.xml><?xml version="1.0" encoding="utf-8"?>
+<file path=ppt/slides/slide15.xml><?xml version="1.0" encoding="utf-8"?>
 <p:sld xmlns:a="http://schemas.openxmlformats.org/drawingml/2006/main" xmlns:r="http://schemas.openxmlformats.org/officeDocument/2006/relationships" xmlns:p="http://schemas.openxmlformats.org/presentationml/2006/main">
   <p:cSld>
     <p:spTree>
@@ -5109,7 +5411,7 @@
 </p:sld>
 </file>
 
-<file path=ppt/slides/slide15.xml><?xml version="1.0" encoding="utf-8"?>
+<file path=ppt/slides/slide16.xml><?xml version="1.0" encoding="utf-8"?>
 <p:sld xmlns:a="http://schemas.openxmlformats.org/drawingml/2006/main" xmlns:r="http://schemas.openxmlformats.org/officeDocument/2006/relationships" xmlns:p="http://schemas.openxmlformats.org/presentationml/2006/main">
   <p:cSld>
     <p:spTree>
@@ -5297,7 +5599,7 @@
 </p:sld>
 </file>
 
-<file path=ppt/slides/slide16.xml><?xml version="1.0" encoding="utf-8"?>
+<file path=ppt/slides/slide17.xml><?xml version="1.0" encoding="utf-8"?>
 <p:sld xmlns:a="http://schemas.openxmlformats.org/drawingml/2006/main" xmlns:r="http://schemas.openxmlformats.org/officeDocument/2006/relationships" xmlns:p="http://schemas.openxmlformats.org/presentationml/2006/main">
   <p:cSld>
     <p:spTree>
@@ -6195,7 +6497,7 @@
 </p:sld>
 </file>
 
-<file path=ppt/slides/slide17.xml><?xml version="1.0" encoding="utf-8"?>
+<file path=ppt/slides/slide18.xml><?xml version="1.0" encoding="utf-8"?>
 <p:sld xmlns:a="http://schemas.openxmlformats.org/drawingml/2006/main" xmlns:r="http://schemas.openxmlformats.org/officeDocument/2006/relationships" xmlns:p="http://schemas.openxmlformats.org/presentationml/2006/main">
   <p:cSld>
     <p:spTree>
@@ -6285,7 +6587,7 @@
 </p:sld>
 </file>
 
-<file path=ppt/slides/slide18.xml><?xml version="1.0" encoding="utf-8"?>
+<file path=ppt/slides/slide19.xml><?xml version="1.0" encoding="utf-8"?>
 <p:sld xmlns:a="http://schemas.openxmlformats.org/drawingml/2006/main" xmlns:r="http://schemas.openxmlformats.org/officeDocument/2006/relationships" xmlns:p="http://schemas.openxmlformats.org/presentationml/2006/main">
   <p:cSld>
     <p:spTree>
@@ -6366,92 +6668,6 @@
     <p:extLst>
       <p:ext uri="{BB962C8B-B14F-4D97-AF65-F5344CB8AC3E}">
         <p14:creationId xmlns:p14="http://schemas.microsoft.com/office/powerpoint/2010/main" val="1857055823"/>
-      </p:ext>
-    </p:extLst>
-  </p:cSld>
-  <p:clrMapOvr>
-    <a:masterClrMapping/>
-  </p:clrMapOvr>
-</p:sld>
-</file>
-
-<file path=ppt/slides/slide19.xml><?xml version="1.0" encoding="utf-8"?>
-<p:sld xmlns:a="http://schemas.openxmlformats.org/drawingml/2006/main" xmlns:r="http://schemas.openxmlformats.org/officeDocument/2006/relationships" xmlns:p="http://schemas.openxmlformats.org/presentationml/2006/main">
-  <p:cSld>
-    <p:spTree>
-      <p:nvGrpSpPr>
-        <p:cNvPr id="1" name=""/>
-        <p:cNvGrpSpPr/>
-        <p:nvPr/>
-      </p:nvGrpSpPr>
-      <p:grpSpPr>
-        <a:xfrm>
-          <a:off x="0" y="0"/>
-          <a:ext cx="0" cy="0"/>
-          <a:chOff x="0" y="0"/>
-          <a:chExt cx="0" cy="0"/>
-        </a:xfrm>
-      </p:grpSpPr>
-      <p:sp>
-        <p:nvSpPr>
-          <p:cNvPr id="2" name="Title 1">
-            <a:extLst>
-              <a:ext uri="{FF2B5EF4-FFF2-40B4-BE49-F238E27FC236}">
-                <a16:creationId xmlns:a16="http://schemas.microsoft.com/office/drawing/2014/main" id="{50D4FE33-1B20-4A63-BF6C-746853611C9F}"/>
-              </a:ext>
-            </a:extLst>
-          </p:cNvPr>
-          <p:cNvSpPr>
-            <a:spLocks noGrp="1"/>
-          </p:cNvSpPr>
-          <p:nvPr>
-            <p:ph type="title"/>
-          </p:nvPr>
-        </p:nvSpPr>
-        <p:spPr/>
-        <p:txBody>
-          <a:bodyPr/>
-          <a:lstStyle/>
-          <a:p>
-            <a:r>
-              <a:rPr lang="en-US" dirty="0"/>
-              <a:t>2)	Low capacity models may underfit while training with PGD adversary. </a:t>
-            </a:r>
-          </a:p>
-        </p:txBody>
-      </p:sp>
-      <p:sp>
-        <p:nvSpPr>
-          <p:cNvPr id="3" name="Content Placeholder 2">
-            <a:extLst>
-              <a:ext uri="{FF2B5EF4-FFF2-40B4-BE49-F238E27FC236}">
-                <a16:creationId xmlns:a16="http://schemas.microsoft.com/office/drawing/2014/main" id="{3ED13DC7-741D-435C-8034-28BC951F25B6}"/>
-              </a:ext>
-            </a:extLst>
-          </p:cNvPr>
-          <p:cNvSpPr>
-            <a:spLocks noGrp="1"/>
-          </p:cNvSpPr>
-          <p:nvPr>
-            <p:ph idx="1"/>
-          </p:nvPr>
-        </p:nvSpPr>
-        <p:spPr/>
-        <p:txBody>
-          <a:bodyPr/>
-          <a:lstStyle/>
-          <a:p>
-            <a:r>
-              <a:rPr lang="en-US" dirty="0"/>
-              <a:t>The tradeoff between the accuracy on natural examples and adversarial examples which low capacity model can’t be solved by low capacity models.</a:t>
-            </a:r>
-          </a:p>
-        </p:txBody>
-      </p:sp>
-    </p:spTree>
-    <p:extLst>
-      <p:ext uri="{BB962C8B-B14F-4D97-AF65-F5344CB8AC3E}">
-        <p14:creationId xmlns:p14="http://schemas.microsoft.com/office/powerpoint/2010/main" val="1750283360"/>
       </p:ext>
     </p:extLst>
   </p:cSld>
@@ -7072,6 +7288,92 @@
           <p:cNvPr id="2" name="Title 1">
             <a:extLst>
               <a:ext uri="{FF2B5EF4-FFF2-40B4-BE49-F238E27FC236}">
+                <a16:creationId xmlns:a16="http://schemas.microsoft.com/office/drawing/2014/main" id="{50D4FE33-1B20-4A63-BF6C-746853611C9F}"/>
+              </a:ext>
+            </a:extLst>
+          </p:cNvPr>
+          <p:cNvSpPr>
+            <a:spLocks noGrp="1"/>
+          </p:cNvSpPr>
+          <p:nvPr>
+            <p:ph type="title"/>
+          </p:nvPr>
+        </p:nvSpPr>
+        <p:spPr/>
+        <p:txBody>
+          <a:bodyPr/>
+          <a:lstStyle/>
+          <a:p>
+            <a:r>
+              <a:rPr lang="en-US" dirty="0"/>
+              <a:t>2)	Low capacity models may underfit while training with PGD adversary. </a:t>
+            </a:r>
+          </a:p>
+        </p:txBody>
+      </p:sp>
+      <p:sp>
+        <p:nvSpPr>
+          <p:cNvPr id="3" name="Content Placeholder 2">
+            <a:extLst>
+              <a:ext uri="{FF2B5EF4-FFF2-40B4-BE49-F238E27FC236}">
+                <a16:creationId xmlns:a16="http://schemas.microsoft.com/office/drawing/2014/main" id="{3ED13DC7-741D-435C-8034-28BC951F25B6}"/>
+              </a:ext>
+            </a:extLst>
+          </p:cNvPr>
+          <p:cNvSpPr>
+            <a:spLocks noGrp="1"/>
+          </p:cNvSpPr>
+          <p:nvPr>
+            <p:ph idx="1"/>
+          </p:nvPr>
+        </p:nvSpPr>
+        <p:spPr/>
+        <p:txBody>
+          <a:bodyPr/>
+          <a:lstStyle/>
+          <a:p>
+            <a:r>
+              <a:rPr lang="en-US" dirty="0"/>
+              <a:t>The tradeoff between the accuracy on natural examples and adversarial examples which low capacity model can’t be solved by low capacity models.</a:t>
+            </a:r>
+          </a:p>
+        </p:txBody>
+      </p:sp>
+    </p:spTree>
+    <p:extLst>
+      <p:ext uri="{BB962C8B-B14F-4D97-AF65-F5344CB8AC3E}">
+        <p14:creationId xmlns:p14="http://schemas.microsoft.com/office/powerpoint/2010/main" val="1750283360"/>
+      </p:ext>
+    </p:extLst>
+  </p:cSld>
+  <p:clrMapOvr>
+    <a:masterClrMapping/>
+  </p:clrMapOvr>
+</p:sld>
+</file>
+
+<file path=ppt/slides/slide21.xml><?xml version="1.0" encoding="utf-8"?>
+<p:sld xmlns:a="http://schemas.openxmlformats.org/drawingml/2006/main" xmlns:r="http://schemas.openxmlformats.org/officeDocument/2006/relationships" xmlns:p="http://schemas.openxmlformats.org/presentationml/2006/main">
+  <p:cSld>
+    <p:spTree>
+      <p:nvGrpSpPr>
+        <p:cNvPr id="1" name=""/>
+        <p:cNvGrpSpPr/>
+        <p:nvPr/>
+      </p:nvGrpSpPr>
+      <p:grpSpPr>
+        <a:xfrm>
+          <a:off x="0" y="0"/>
+          <a:ext cx="0" cy="0"/>
+          <a:chOff x="0" y="0"/>
+          <a:chExt cx="0" cy="0"/>
+        </a:xfrm>
+      </p:grpSpPr>
+      <p:sp>
+        <p:nvSpPr>
+          <p:cNvPr id="2" name="Title 1">
+            <a:extLst>
+              <a:ext uri="{FF2B5EF4-FFF2-40B4-BE49-F238E27FC236}">
                 <a16:creationId xmlns:a16="http://schemas.microsoft.com/office/drawing/2014/main" id="{EB6173D3-903F-47A3-90A2-BD521E78FA82}"/>
               </a:ext>
             </a:extLst>
@@ -7136,7 +7438,7 @@
 </p:sld>
 </file>
 
-<file path=ppt/slides/slide21.xml><?xml version="1.0" encoding="utf-8"?>
+<file path=ppt/slides/slide22.xml><?xml version="1.0" encoding="utf-8"?>
 <p:sld xmlns:a="http://schemas.openxmlformats.org/drawingml/2006/main" xmlns:r="http://schemas.openxmlformats.org/officeDocument/2006/relationships" xmlns:p="http://schemas.openxmlformats.org/presentationml/2006/main">
   <p:cSld>
     <p:spTree>
@@ -7226,7 +7528,7 @@
 </p:sld>
 </file>
 
-<file path=ppt/slides/slide22.xml><?xml version="1.0" encoding="utf-8"?>
+<file path=ppt/slides/slide23.xml><?xml version="1.0" encoding="utf-8"?>
 <p:sld xmlns:a="http://schemas.openxmlformats.org/drawingml/2006/main" xmlns:r="http://schemas.openxmlformats.org/officeDocument/2006/relationships" xmlns:p="http://schemas.openxmlformats.org/presentationml/2006/main">
   <p:cSld>
     <p:spTree>
@@ -7585,7 +7887,7 @@
 </p:sld>
 </file>
 
-<file path=ppt/slides/slide23.xml><?xml version="1.0" encoding="utf-8"?>
+<file path=ppt/slides/slide24.xml><?xml version="1.0" encoding="utf-8"?>
 <p:sld xmlns:a="http://schemas.openxmlformats.org/drawingml/2006/main" xmlns:r="http://schemas.openxmlformats.org/officeDocument/2006/relationships" xmlns:p="http://schemas.openxmlformats.org/presentationml/2006/main">
   <p:cSld>
     <p:spTree>
@@ -7647,242 +7949,6 @@
 </p:sld>
 </file>
 
-<file path=ppt/slides/slide24.xml><?xml version="1.0" encoding="utf-8"?>
-<p:sld xmlns:a="http://schemas.openxmlformats.org/drawingml/2006/main" xmlns:r="http://schemas.openxmlformats.org/officeDocument/2006/relationships" xmlns:p="http://schemas.openxmlformats.org/presentationml/2006/main">
-  <p:cSld>
-    <p:spTree>
-      <p:nvGrpSpPr>
-        <p:cNvPr id="1" name=""/>
-        <p:cNvGrpSpPr/>
-        <p:nvPr/>
-      </p:nvGrpSpPr>
-      <p:grpSpPr>
-        <a:xfrm>
-          <a:off x="0" y="0"/>
-          <a:ext cx="0" cy="0"/>
-          <a:chOff x="0" y="0"/>
-          <a:chExt cx="0" cy="0"/>
-        </a:xfrm>
-      </p:grpSpPr>
-      <p:sp>
-        <p:nvSpPr>
-          <p:cNvPr id="2" name="Title 1">
-            <a:extLst>
-              <a:ext uri="{FF2B5EF4-FFF2-40B4-BE49-F238E27FC236}">
-                <a16:creationId xmlns:a16="http://schemas.microsoft.com/office/drawing/2014/main" id="{55640ADB-CD4F-427E-A383-31FC69DA8B2B}"/>
-              </a:ext>
-            </a:extLst>
-          </p:cNvPr>
-          <p:cNvSpPr>
-            <a:spLocks noGrp="1"/>
-          </p:cNvSpPr>
-          <p:nvPr>
-            <p:ph type="title"/>
-          </p:nvPr>
-        </p:nvSpPr>
-        <p:spPr/>
-        <p:txBody>
-          <a:bodyPr/>
-          <a:lstStyle/>
-          <a:p>
-            <a:r>
-              <a:rPr lang="en-US" dirty="0"/>
-              <a:t>Related Work</a:t>
-            </a:r>
-          </a:p>
-        </p:txBody>
-      </p:sp>
-      <p:sp>
-        <p:nvSpPr>
-          <p:cNvPr id="3" name="Content Placeholder 2">
-            <a:extLst>
-              <a:ext uri="{FF2B5EF4-FFF2-40B4-BE49-F238E27FC236}">
-                <a16:creationId xmlns:a16="http://schemas.microsoft.com/office/drawing/2014/main" id="{93804C6F-FF79-43D1-B9B5-C0EDC97E66AD}"/>
-              </a:ext>
-            </a:extLst>
-          </p:cNvPr>
-          <p:cNvSpPr>
-            <a:spLocks noGrp="1"/>
-          </p:cNvSpPr>
-          <p:nvPr>
-            <p:ph idx="1"/>
-          </p:nvPr>
-        </p:nvSpPr>
-        <p:spPr>
-          <a:xfrm>
-            <a:off x="414865" y="1808691"/>
-            <a:ext cx="11506201" cy="4351338"/>
-          </a:xfrm>
-        </p:spPr>
-        <p:txBody>
-          <a:bodyPr>
-            <a:normAutofit fontScale="92500" lnSpcReduction="20000"/>
-          </a:bodyPr>
-          <a:lstStyle/>
-          <a:p>
-            <a:r>
-              <a:rPr lang="en-US" dirty="0"/>
-              <a:t>Query-limited setting </a:t>
-            </a:r>
-            <a:r>
-              <a:rPr lang="en-US" sz="1800" dirty="0"/>
-              <a:t>- </a:t>
-            </a:r>
-            <a:r>
-              <a:rPr lang="en-US" sz="1800" u="sng" dirty="0">
-                <a:hlinkClick r:id="rId2"/>
-              </a:rPr>
-              <a:t>https://arxiv.org/pdf/1804.08598.pdf</a:t>
-            </a:r>
-            <a:endParaRPr lang="en-US" sz="1800" dirty="0"/>
-          </a:p>
-          <a:p>
-            <a:endParaRPr lang="en-US" dirty="0"/>
-          </a:p>
-          <a:p>
-            <a:r>
-              <a:rPr lang="en-US" dirty="0"/>
-              <a:t>Label Only setting</a:t>
-            </a:r>
-            <a:r>
-              <a:rPr lang="en-US" sz="1800" dirty="0"/>
-              <a:t> - </a:t>
-            </a:r>
-            <a:r>
-              <a:rPr lang="en-US" sz="1800" dirty="0">
-                <a:hlinkClick r:id="rId3"/>
-              </a:rPr>
-              <a:t>https://arxiv.org/pdf/2006.12792.pdf</a:t>
-            </a:r>
-            <a:r>
-              <a:rPr lang="en-US" sz="1800" dirty="0"/>
-              <a:t> [</a:t>
-            </a:r>
-            <a:r>
-              <a:rPr lang="en-US" sz="1800" dirty="0" err="1"/>
-              <a:t>RayS</a:t>
-            </a:r>
-            <a:r>
-              <a:rPr lang="en-US" sz="1800" dirty="0"/>
-              <a:t>]</a:t>
-            </a:r>
-          </a:p>
-          <a:p>
-            <a:endParaRPr lang="en-US" dirty="0"/>
-          </a:p>
-          <a:p>
-            <a:r>
-              <a:rPr lang="en-US" dirty="0"/>
-              <a:t>“</a:t>
-            </a:r>
-            <a:r>
-              <a:rPr lang="en-US"/>
-              <a:t>Improving the </a:t>
-            </a:r>
-            <a:r>
-              <a:rPr lang="en-US" dirty="0"/>
-              <a:t>Adversarial Robustness of Transfer Learning via Noisy Feature Distillation”</a:t>
-            </a:r>
-            <a:r>
-              <a:rPr lang="en-US" sz="1700" dirty="0"/>
-              <a:t> - </a:t>
-            </a:r>
-            <a:r>
-              <a:rPr lang="en-US" sz="1700" dirty="0">
-                <a:hlinkClick r:id="rId4"/>
-              </a:rPr>
-              <a:t>https://arxiv.org/pdf/2002.02998.pdf</a:t>
-            </a:r>
-            <a:endParaRPr lang="en-US" sz="1700" dirty="0"/>
-          </a:p>
-          <a:p>
-            <a:pPr marL="0" indent="0">
-              <a:buNone/>
-            </a:pPr>
-            <a:endParaRPr lang="en-US" dirty="0"/>
-          </a:p>
-          <a:p>
-            <a:r>
-              <a:rPr lang="en-US" dirty="0"/>
-              <a:t>“Adversarial Training Can Hurt Generalization” </a:t>
-            </a:r>
-            <a:r>
-              <a:rPr lang="en-US" sz="1700" dirty="0"/>
-              <a:t>- </a:t>
-            </a:r>
-            <a:r>
-              <a:rPr lang="en-US" sz="1700" dirty="0">
-                <a:hlinkClick r:id="rId5"/>
-              </a:rPr>
-              <a:t>https://openreview.net/pdf?id=SyxM3J256E</a:t>
-            </a:r>
-            <a:endParaRPr lang="en-US" sz="1700" dirty="0"/>
-          </a:p>
-          <a:p>
-            <a:pPr marL="0" indent="0">
-              <a:buNone/>
-            </a:pPr>
-            <a:endParaRPr lang="en-US" dirty="0"/>
-          </a:p>
-          <a:p>
-            <a:r>
-              <a:rPr lang="en-US" dirty="0"/>
-              <a:t>“Automatically Evading Classifiers” </a:t>
-            </a:r>
-            <a:r>
-              <a:rPr lang="en-US" sz="1700" dirty="0"/>
-              <a:t>- </a:t>
-            </a:r>
-            <a:r>
-              <a:rPr lang="en-US" sz="1800" dirty="0">
-                <a:hlinkClick r:id="rId6"/>
-              </a:rPr>
-              <a:t>https://evademl.org/docs/evademl.pdf</a:t>
-            </a:r>
-            <a:r>
-              <a:rPr lang="en-US" sz="1700" dirty="0"/>
-              <a:t>. [As example to a black box attack that doesn’t use gradients – based on genetic search. Tested on malware detection case-study]</a:t>
-            </a:r>
-          </a:p>
-          <a:p>
-            <a:pPr marL="0" indent="0">
-              <a:buNone/>
-            </a:pPr>
-            <a:endParaRPr lang="en-US" sz="1700" dirty="0"/>
-          </a:p>
-          <a:p>
-            <a:endParaRPr lang="en-US" dirty="0"/>
-          </a:p>
-          <a:p>
-            <a:pPr marL="0" indent="0">
-              <a:buNone/>
-            </a:pPr>
-            <a:endParaRPr lang="en-US" sz="1700" dirty="0"/>
-          </a:p>
-          <a:p>
-            <a:endParaRPr lang="en-US" dirty="0"/>
-          </a:p>
-          <a:p>
-            <a:pPr marL="0" indent="0">
-              <a:buNone/>
-            </a:pPr>
-            <a:endParaRPr lang="en-US" dirty="0"/>
-          </a:p>
-        </p:txBody>
-      </p:sp>
-    </p:spTree>
-    <p:extLst>
-      <p:ext uri="{BB962C8B-B14F-4D97-AF65-F5344CB8AC3E}">
-        <p14:creationId xmlns:p14="http://schemas.microsoft.com/office/powerpoint/2010/main" val="3281154675"/>
-      </p:ext>
-    </p:extLst>
-  </p:cSld>
-  <p:clrMapOvr>
-    <a:masterClrMapping/>
-  </p:clrMapOvr>
-</p:sld>
-</file>
-
 <file path=ppt/slides/slide25.xml><?xml version="1.0" encoding="utf-8"?>
 <p:sld xmlns:a="http://schemas.openxmlformats.org/drawingml/2006/main" xmlns:r="http://schemas.openxmlformats.org/officeDocument/2006/relationships" xmlns:p="http://schemas.openxmlformats.org/presentationml/2006/main">
   <p:cSld>
@@ -7905,6 +7971,242 @@
           <p:cNvPr id="2" name="Title 1">
             <a:extLst>
               <a:ext uri="{FF2B5EF4-FFF2-40B4-BE49-F238E27FC236}">
+                <a16:creationId xmlns:a16="http://schemas.microsoft.com/office/drawing/2014/main" id="{55640ADB-CD4F-427E-A383-31FC69DA8B2B}"/>
+              </a:ext>
+            </a:extLst>
+          </p:cNvPr>
+          <p:cNvSpPr>
+            <a:spLocks noGrp="1"/>
+          </p:cNvSpPr>
+          <p:nvPr>
+            <p:ph type="title"/>
+          </p:nvPr>
+        </p:nvSpPr>
+        <p:spPr/>
+        <p:txBody>
+          <a:bodyPr/>
+          <a:lstStyle/>
+          <a:p>
+            <a:r>
+              <a:rPr lang="en-US" dirty="0"/>
+              <a:t>Related Work</a:t>
+            </a:r>
+          </a:p>
+        </p:txBody>
+      </p:sp>
+      <p:sp>
+        <p:nvSpPr>
+          <p:cNvPr id="3" name="Content Placeholder 2">
+            <a:extLst>
+              <a:ext uri="{FF2B5EF4-FFF2-40B4-BE49-F238E27FC236}">
+                <a16:creationId xmlns:a16="http://schemas.microsoft.com/office/drawing/2014/main" id="{93804C6F-FF79-43D1-B9B5-C0EDC97E66AD}"/>
+              </a:ext>
+            </a:extLst>
+          </p:cNvPr>
+          <p:cNvSpPr>
+            <a:spLocks noGrp="1"/>
+          </p:cNvSpPr>
+          <p:nvPr>
+            <p:ph idx="1"/>
+          </p:nvPr>
+        </p:nvSpPr>
+        <p:spPr>
+          <a:xfrm>
+            <a:off x="414865" y="1808691"/>
+            <a:ext cx="11506201" cy="4351338"/>
+          </a:xfrm>
+        </p:spPr>
+        <p:txBody>
+          <a:bodyPr>
+            <a:normAutofit fontScale="92500" lnSpcReduction="20000"/>
+          </a:bodyPr>
+          <a:lstStyle/>
+          <a:p>
+            <a:r>
+              <a:rPr lang="en-US" dirty="0"/>
+              <a:t>Query-limited setting </a:t>
+            </a:r>
+            <a:r>
+              <a:rPr lang="en-US" sz="1800" dirty="0"/>
+              <a:t>- </a:t>
+            </a:r>
+            <a:r>
+              <a:rPr lang="en-US" sz="1800" u="sng" dirty="0">
+                <a:hlinkClick r:id="rId2"/>
+              </a:rPr>
+              <a:t>https://arxiv.org/pdf/1804.08598.pdf</a:t>
+            </a:r>
+            <a:endParaRPr lang="en-US" sz="1800" dirty="0"/>
+          </a:p>
+          <a:p>
+            <a:endParaRPr lang="en-US" dirty="0"/>
+          </a:p>
+          <a:p>
+            <a:r>
+              <a:rPr lang="en-US" dirty="0"/>
+              <a:t>Label Only setting</a:t>
+            </a:r>
+            <a:r>
+              <a:rPr lang="en-US" sz="1800" dirty="0"/>
+              <a:t> - </a:t>
+            </a:r>
+            <a:r>
+              <a:rPr lang="en-US" sz="1800" dirty="0">
+                <a:hlinkClick r:id="rId3"/>
+              </a:rPr>
+              <a:t>https://arxiv.org/pdf/2006.12792.pdf</a:t>
+            </a:r>
+            <a:r>
+              <a:rPr lang="en-US" sz="1800" dirty="0"/>
+              <a:t> [</a:t>
+            </a:r>
+            <a:r>
+              <a:rPr lang="en-US" sz="1800" dirty="0" err="1"/>
+              <a:t>RayS</a:t>
+            </a:r>
+            <a:r>
+              <a:rPr lang="en-US" sz="1800" dirty="0"/>
+              <a:t>]</a:t>
+            </a:r>
+          </a:p>
+          <a:p>
+            <a:endParaRPr lang="en-US" dirty="0"/>
+          </a:p>
+          <a:p>
+            <a:r>
+              <a:rPr lang="en-US" dirty="0"/>
+              <a:t>“</a:t>
+            </a:r>
+            <a:r>
+              <a:rPr lang="en-US"/>
+              <a:t>Improving the </a:t>
+            </a:r>
+            <a:r>
+              <a:rPr lang="en-US" dirty="0"/>
+              <a:t>Adversarial Robustness of Transfer Learning via Noisy Feature Distillation”</a:t>
+            </a:r>
+            <a:r>
+              <a:rPr lang="en-US" sz="1700" dirty="0"/>
+              <a:t> - </a:t>
+            </a:r>
+            <a:r>
+              <a:rPr lang="en-US" sz="1700" dirty="0">
+                <a:hlinkClick r:id="rId4"/>
+              </a:rPr>
+              <a:t>https://arxiv.org/pdf/2002.02998.pdf</a:t>
+            </a:r>
+            <a:endParaRPr lang="en-US" sz="1700" dirty="0"/>
+          </a:p>
+          <a:p>
+            <a:pPr marL="0" indent="0">
+              <a:buNone/>
+            </a:pPr>
+            <a:endParaRPr lang="en-US" dirty="0"/>
+          </a:p>
+          <a:p>
+            <a:r>
+              <a:rPr lang="en-US" dirty="0"/>
+              <a:t>“Adversarial Training Can Hurt Generalization” </a:t>
+            </a:r>
+            <a:r>
+              <a:rPr lang="en-US" sz="1700" dirty="0"/>
+              <a:t>- </a:t>
+            </a:r>
+            <a:r>
+              <a:rPr lang="en-US" sz="1700" dirty="0">
+                <a:hlinkClick r:id="rId5"/>
+              </a:rPr>
+              <a:t>https://openreview.net/pdf?id=SyxM3J256E</a:t>
+            </a:r>
+            <a:endParaRPr lang="en-US" sz="1700" dirty="0"/>
+          </a:p>
+          <a:p>
+            <a:pPr marL="0" indent="0">
+              <a:buNone/>
+            </a:pPr>
+            <a:endParaRPr lang="en-US" dirty="0"/>
+          </a:p>
+          <a:p>
+            <a:r>
+              <a:rPr lang="en-US" dirty="0"/>
+              <a:t>“Automatically Evading Classifiers” </a:t>
+            </a:r>
+            <a:r>
+              <a:rPr lang="en-US" sz="1700" dirty="0"/>
+              <a:t>- </a:t>
+            </a:r>
+            <a:r>
+              <a:rPr lang="en-US" sz="1800" dirty="0">
+                <a:hlinkClick r:id="rId6"/>
+              </a:rPr>
+              <a:t>https://evademl.org/docs/evademl.pdf</a:t>
+            </a:r>
+            <a:r>
+              <a:rPr lang="en-US" sz="1700" dirty="0"/>
+              <a:t>. [As example to a black box attack that doesn’t use gradients – based on genetic search. Tested on malware detection case-study]</a:t>
+            </a:r>
+          </a:p>
+          <a:p>
+            <a:pPr marL="0" indent="0">
+              <a:buNone/>
+            </a:pPr>
+            <a:endParaRPr lang="en-US" sz="1700" dirty="0"/>
+          </a:p>
+          <a:p>
+            <a:endParaRPr lang="en-US" dirty="0"/>
+          </a:p>
+          <a:p>
+            <a:pPr marL="0" indent="0">
+              <a:buNone/>
+            </a:pPr>
+            <a:endParaRPr lang="en-US" sz="1700" dirty="0"/>
+          </a:p>
+          <a:p>
+            <a:endParaRPr lang="en-US" dirty="0"/>
+          </a:p>
+          <a:p>
+            <a:pPr marL="0" indent="0">
+              <a:buNone/>
+            </a:pPr>
+            <a:endParaRPr lang="en-US" dirty="0"/>
+          </a:p>
+        </p:txBody>
+      </p:sp>
+    </p:spTree>
+    <p:extLst>
+      <p:ext uri="{BB962C8B-B14F-4D97-AF65-F5344CB8AC3E}">
+        <p14:creationId xmlns:p14="http://schemas.microsoft.com/office/powerpoint/2010/main" val="3281154675"/>
+      </p:ext>
+    </p:extLst>
+  </p:cSld>
+  <p:clrMapOvr>
+    <a:masterClrMapping/>
+  </p:clrMapOvr>
+</p:sld>
+</file>
+
+<file path=ppt/slides/slide26.xml><?xml version="1.0" encoding="utf-8"?>
+<p:sld xmlns:a="http://schemas.openxmlformats.org/drawingml/2006/main" xmlns:r="http://schemas.openxmlformats.org/officeDocument/2006/relationships" xmlns:p="http://schemas.openxmlformats.org/presentationml/2006/main">
+  <p:cSld>
+    <p:spTree>
+      <p:nvGrpSpPr>
+        <p:cNvPr id="1" name=""/>
+        <p:cNvGrpSpPr/>
+        <p:nvPr/>
+      </p:nvGrpSpPr>
+      <p:grpSpPr>
+        <a:xfrm>
+          <a:off x="0" y="0"/>
+          <a:ext cx="0" cy="0"/>
+          <a:chOff x="0" y="0"/>
+          <a:chExt cx="0" cy="0"/>
+        </a:xfrm>
+      </p:grpSpPr>
+      <p:sp>
+        <p:nvSpPr>
+          <p:cNvPr id="2" name="Title 1">
+            <a:extLst>
+              <a:ext uri="{FF2B5EF4-FFF2-40B4-BE49-F238E27FC236}">
                 <a16:creationId xmlns:a16="http://schemas.microsoft.com/office/drawing/2014/main" id="{1F93AEA6-A8D1-44BA-B412-56FCFC9279DD}"/>
               </a:ext>
             </a:extLst>
@@ -7972,7 +8274,7 @@
 </p:sld>
 </file>
 
-<file path=ppt/slides/slide26.xml><?xml version="1.0" encoding="utf-8"?>
+<file path=ppt/slides/slide27.xml><?xml version="1.0" encoding="utf-8"?>
 <p:sld xmlns:a="http://schemas.openxmlformats.org/drawingml/2006/main" xmlns:r="http://schemas.openxmlformats.org/officeDocument/2006/relationships" xmlns:p="http://schemas.openxmlformats.org/presentationml/2006/main">
   <p:cSld>
     <p:spTree>
@@ -8254,7 +8556,7 @@
 </p:sld>
 </file>
 
-<file path=ppt/slides/slide27.xml><?xml version="1.0" encoding="utf-8"?>
+<file path=ppt/slides/slide28.xml><?xml version="1.0" encoding="utf-8"?>
 <p:sld xmlns:a="http://schemas.openxmlformats.org/drawingml/2006/main" xmlns:r="http://schemas.openxmlformats.org/officeDocument/2006/relationships" xmlns:p="http://schemas.openxmlformats.org/presentationml/2006/main">
   <p:cSld>
     <p:spTree>
@@ -8578,7 +8880,7 @@
 </p:sld>
 </file>
 
-<file path=ppt/slides/slide28.xml><?xml version="1.0" encoding="utf-8"?>
+<file path=ppt/slides/slide29.xml><?xml version="1.0" encoding="utf-8"?>
 <p:sld xmlns:a="http://schemas.openxmlformats.org/drawingml/2006/main" xmlns:r="http://schemas.openxmlformats.org/officeDocument/2006/relationships" xmlns:p="http://schemas.openxmlformats.org/presentationml/2006/main">
   <p:cSld>
     <p:spTree>
@@ -8667,7 +8969,625 @@
 </p:sld>
 </file>
 
-<file path=ppt/slides/slide29.xml><?xml version="1.0" encoding="utf-8"?>
+<file path=ppt/slides/slide3.xml><?xml version="1.0" encoding="utf-8"?>
+<p:sld xmlns:a="http://schemas.openxmlformats.org/drawingml/2006/main" xmlns:r="http://schemas.openxmlformats.org/officeDocument/2006/relationships" xmlns:p="http://schemas.openxmlformats.org/presentationml/2006/main">
+  <p:cSld>
+    <p:spTree>
+      <p:nvGrpSpPr>
+        <p:cNvPr id="1" name=""/>
+        <p:cNvGrpSpPr/>
+        <p:nvPr/>
+      </p:nvGrpSpPr>
+      <p:grpSpPr>
+        <a:xfrm>
+          <a:off x="0" y="0"/>
+          <a:ext cx="0" cy="0"/>
+          <a:chOff x="0" y="0"/>
+          <a:chExt cx="0" cy="0"/>
+        </a:xfrm>
+      </p:grpSpPr>
+      <p:sp>
+        <p:nvSpPr>
+          <p:cNvPr id="2" name="Title 1">
+            <a:extLst>
+              <a:ext uri="{FF2B5EF4-FFF2-40B4-BE49-F238E27FC236}">
+                <a16:creationId xmlns:a16="http://schemas.microsoft.com/office/drawing/2014/main" id="{DEE4C31A-D2FD-4C58-9371-F2F9132FD1FC}"/>
+              </a:ext>
+            </a:extLst>
+          </p:cNvPr>
+          <p:cNvSpPr>
+            <a:spLocks noGrp="1"/>
+          </p:cNvSpPr>
+          <p:nvPr>
+            <p:ph type="title"/>
+          </p:nvPr>
+        </p:nvSpPr>
+        <p:spPr/>
+        <p:txBody>
+          <a:bodyPr/>
+          <a:lstStyle/>
+          <a:p>
+            <a:r>
+              <a:rPr lang="en-US" dirty="0"/>
+              <a:t>Adversarial Attacks</a:t>
+            </a:r>
+          </a:p>
+        </p:txBody>
+      </p:sp>
+      <mc:AlternateContent xmlns:mc="http://schemas.openxmlformats.org/markup-compatibility/2006" xmlns:a14="http://schemas.microsoft.com/office/drawing/2010/main">
+        <mc:Choice Requires="a14">
+          <p:sp>
+            <p:nvSpPr>
+              <p:cNvPr id="3" name="Content Placeholder 2">
+                <a:extLst>
+                  <a:ext uri="{FF2B5EF4-FFF2-40B4-BE49-F238E27FC236}">
+                    <a16:creationId xmlns:a16="http://schemas.microsoft.com/office/drawing/2014/main" id="{5C2F2B57-6DB9-42B3-ACF0-1CAA2EA6B412}"/>
+                  </a:ext>
+                </a:extLst>
+              </p:cNvPr>
+              <p:cNvSpPr>
+                <a:spLocks noGrp="1"/>
+              </p:cNvSpPr>
+              <p:nvPr>
+                <p:ph idx="1"/>
+              </p:nvPr>
+            </p:nvSpPr>
+            <p:spPr/>
+            <p:txBody>
+              <a:bodyPr/>
+              <a:lstStyle/>
+              <a:p>
+                <a:r>
+                  <a:rPr lang="en-US" dirty="0"/>
+                  <a:t>Adversarial attack to a classification model </a:t>
+                </a:r>
+                <a14:m>
+                  <m:oMath xmlns:m="http://schemas.openxmlformats.org/officeDocument/2006/math">
+                    <m:r>
+                      <a:rPr lang="en-US" i="1" dirty="0" smtClean="0">
+                        <a:latin typeface="Cambria Math" panose="02040503050406030204" pitchFamily="18" charset="0"/>
+                      </a:rPr>
+                      <m:t>𝑀</m:t>
+                    </m:r>
+                  </m:oMath>
+                </a14:m>
+                <a:r>
+                  <a:rPr lang="en-US" dirty="0"/>
+                  <a:t> is a procedure that given an input </a:t>
+                </a:r>
+                <a14:m>
+                  <m:oMath xmlns:m="http://schemas.openxmlformats.org/officeDocument/2006/math">
+                    <m:r>
+                      <a:rPr lang="en-US" i="1" dirty="0" smtClean="0">
+                        <a:latin typeface="Cambria Math" panose="02040503050406030204" pitchFamily="18" charset="0"/>
+                      </a:rPr>
+                      <m:t>𝑥</m:t>
+                    </m:r>
+                  </m:oMath>
+                </a14:m>
+                <a:r>
+                  <a:rPr lang="en-US" dirty="0"/>
+                  <a:t> produces </a:t>
+                </a:r>
+                <a14:m>
+                  <m:oMath xmlns:m="http://schemas.openxmlformats.org/officeDocument/2006/math">
+                    <m:sSub>
+                      <m:sSubPr>
+                        <m:ctrlPr>
+                          <a:rPr lang="en-US" b="0" i="1" smtClean="0">
+                            <a:latin typeface="Cambria Math" panose="02040503050406030204" pitchFamily="18" charset="0"/>
+                          </a:rPr>
+                        </m:ctrlPr>
+                      </m:sSubPr>
+                      <m:e>
+                        <m:r>
+                          <a:rPr lang="en-US" b="0" i="1" smtClean="0">
+                            <a:latin typeface="Cambria Math" panose="02040503050406030204" pitchFamily="18" charset="0"/>
+                          </a:rPr>
+                          <m:t>𝑥</m:t>
+                        </m:r>
+                      </m:e>
+                      <m:sub>
+                        <m:r>
+                          <a:rPr lang="en-US" b="0" i="1" smtClean="0">
+                            <a:latin typeface="Cambria Math" panose="02040503050406030204" pitchFamily="18" charset="0"/>
+                          </a:rPr>
+                          <m:t>𝑎𝑑𝑣</m:t>
+                        </m:r>
+                      </m:sub>
+                    </m:sSub>
+                  </m:oMath>
+                </a14:m>
+                <a:r>
+                  <a:rPr lang="en-US" dirty="0"/>
+                  <a:t> such that </a:t>
+                </a:r>
+                <a14:m>
+                  <m:oMath xmlns:m="http://schemas.openxmlformats.org/officeDocument/2006/math">
+                    <m:r>
+                      <a:rPr lang="en-US" b="0" i="1" smtClean="0">
+                        <a:latin typeface="Cambria Math" panose="02040503050406030204" pitchFamily="18" charset="0"/>
+                      </a:rPr>
+                      <m:t>𝑀</m:t>
+                    </m:r>
+                    <m:d>
+                      <m:dPr>
+                        <m:ctrlPr>
+                          <a:rPr lang="en-US" b="0" i="1" smtClean="0">
+                            <a:latin typeface="Cambria Math" panose="02040503050406030204" pitchFamily="18" charset="0"/>
+                          </a:rPr>
+                        </m:ctrlPr>
+                      </m:dPr>
+                      <m:e>
+                        <m:r>
+                          <a:rPr lang="en-US" b="0" i="1" smtClean="0">
+                            <a:latin typeface="Cambria Math" panose="02040503050406030204" pitchFamily="18" charset="0"/>
+                          </a:rPr>
+                          <m:t>𝑥</m:t>
+                        </m:r>
+                      </m:e>
+                    </m:d>
+                    <m:r>
+                      <a:rPr lang="en-US" b="0" i="1" smtClean="0">
+                        <a:latin typeface="Cambria Math" panose="02040503050406030204" pitchFamily="18" charset="0"/>
+                        <a:ea typeface="Cambria Math" panose="02040503050406030204" pitchFamily="18" charset="0"/>
+                      </a:rPr>
+                      <m:t>≠</m:t>
+                    </m:r>
+                    <m:r>
+                      <a:rPr lang="en-US" b="0" i="1" smtClean="0">
+                        <a:latin typeface="Cambria Math" panose="02040503050406030204" pitchFamily="18" charset="0"/>
+                      </a:rPr>
+                      <m:t>𝑀</m:t>
+                    </m:r>
+                    <m:d>
+                      <m:dPr>
+                        <m:ctrlPr>
+                          <a:rPr lang="en-US" b="0" i="1" smtClean="0">
+                            <a:latin typeface="Cambria Math" panose="02040503050406030204" pitchFamily="18" charset="0"/>
+                          </a:rPr>
+                        </m:ctrlPr>
+                      </m:dPr>
+                      <m:e>
+                        <m:sSub>
+                          <m:sSubPr>
+                            <m:ctrlPr>
+                              <a:rPr lang="en-US" b="0" i="1" smtClean="0">
+                                <a:latin typeface="Cambria Math" panose="02040503050406030204" pitchFamily="18" charset="0"/>
+                              </a:rPr>
+                            </m:ctrlPr>
+                          </m:sSubPr>
+                          <m:e>
+                            <m:r>
+                              <a:rPr lang="en-US" b="0" i="1" smtClean="0">
+                                <a:latin typeface="Cambria Math" panose="02040503050406030204" pitchFamily="18" charset="0"/>
+                              </a:rPr>
+                              <m:t>𝑥</m:t>
+                            </m:r>
+                          </m:e>
+                          <m:sub>
+                            <m:r>
+                              <a:rPr lang="en-US" b="0" i="1" smtClean="0">
+                                <a:latin typeface="Cambria Math" panose="02040503050406030204" pitchFamily="18" charset="0"/>
+                              </a:rPr>
+                              <m:t>𝑎𝑑𝑣</m:t>
+                            </m:r>
+                          </m:sub>
+                        </m:sSub>
+                      </m:e>
+                    </m:d>
+                  </m:oMath>
+                </a14:m>
+                <a:r>
+                  <a:rPr lang="en-US" dirty="0"/>
+                  <a:t> and </a:t>
+                </a:r>
+                <a14:m>
+                  <m:oMath xmlns:m="http://schemas.openxmlformats.org/officeDocument/2006/math">
+                    <m:sSub>
+                      <m:sSubPr>
+                        <m:ctrlPr>
+                          <a:rPr lang="en-US" b="0" i="1" smtClean="0">
+                            <a:latin typeface="Cambria Math" panose="02040503050406030204" pitchFamily="18" charset="0"/>
+                          </a:rPr>
+                        </m:ctrlPr>
+                      </m:sSubPr>
+                      <m:e>
+                        <m:r>
+                          <a:rPr lang="en-US" b="0" i="1" smtClean="0">
+                            <a:latin typeface="Cambria Math" panose="02040503050406030204" pitchFamily="18" charset="0"/>
+                          </a:rPr>
+                          <m:t>𝑥</m:t>
+                        </m:r>
+                      </m:e>
+                      <m:sub>
+                        <m:r>
+                          <a:rPr lang="en-US" b="0" i="1" smtClean="0">
+                            <a:latin typeface="Cambria Math" panose="02040503050406030204" pitchFamily="18" charset="0"/>
+                          </a:rPr>
+                          <m:t>𝑎𝑑𝑣</m:t>
+                        </m:r>
+                      </m:sub>
+                    </m:sSub>
+                    <m:r>
+                      <a:rPr lang="en-US" b="0" i="1" smtClean="0">
+                        <a:latin typeface="Cambria Math" panose="02040503050406030204" pitchFamily="18" charset="0"/>
+                      </a:rPr>
+                      <m:t>∈</m:t>
+                    </m:r>
+                    <m:r>
+                      <a:rPr lang="en-US" b="0" i="1" smtClean="0">
+                        <a:latin typeface="Cambria Math" panose="02040503050406030204" pitchFamily="18" charset="0"/>
+                      </a:rPr>
+                      <m:t>𝐵</m:t>
+                    </m:r>
+                    <m:r>
+                      <a:rPr lang="en-US" b="0" i="1" smtClean="0">
+                        <a:latin typeface="Cambria Math" panose="02040503050406030204" pitchFamily="18" charset="0"/>
+                      </a:rPr>
+                      <m:t>(</m:t>
+                    </m:r>
+                    <m:r>
+                      <a:rPr lang="en-US" b="0" i="1" smtClean="0">
+                        <a:latin typeface="Cambria Math" panose="02040503050406030204" pitchFamily="18" charset="0"/>
+                      </a:rPr>
+                      <m:t>𝑥</m:t>
+                    </m:r>
+                    <m:r>
+                      <a:rPr lang="en-US" b="0" i="1" smtClean="0">
+                        <a:latin typeface="Cambria Math" panose="02040503050406030204" pitchFamily="18" charset="0"/>
+                      </a:rPr>
+                      <m:t>, </m:t>
+                    </m:r>
+                    <m:r>
+                      <a:rPr lang="en-US" b="0" i="1" smtClean="0">
+                        <a:latin typeface="Cambria Math" panose="02040503050406030204" pitchFamily="18" charset="0"/>
+                      </a:rPr>
+                      <m:t>𝜖</m:t>
+                    </m:r>
+                    <m:r>
+                      <a:rPr lang="en-US" b="0" i="1" smtClean="0">
+                        <a:latin typeface="Cambria Math" panose="02040503050406030204" pitchFamily="18" charset="0"/>
+                      </a:rPr>
+                      <m:t>)</m:t>
+                    </m:r>
+                  </m:oMath>
+                </a14:m>
+                <a:r>
+                  <a:rPr lang="en-US" dirty="0"/>
+                  <a:t>.</a:t>
+                </a:r>
+                <a:br>
+                  <a:rPr lang="en-US" dirty="0"/>
+                </a:br>
+                <a:endParaRPr lang="en-US" dirty="0"/>
+              </a:p>
+              <a:p>
+                <a:r>
+                  <a:rPr lang="en-US" dirty="0"/>
+                  <a:t>Targeted Adversarial Attacks: For input and label </a:t>
+                </a:r>
+                <a14:m>
+                  <m:oMath xmlns:m="http://schemas.openxmlformats.org/officeDocument/2006/math">
+                    <m:d>
+                      <m:dPr>
+                        <m:ctrlPr>
+                          <a:rPr lang="en-US" b="0" i="1" smtClean="0">
+                            <a:latin typeface="Cambria Math" panose="02040503050406030204" pitchFamily="18" charset="0"/>
+                          </a:rPr>
+                        </m:ctrlPr>
+                      </m:dPr>
+                      <m:e>
+                        <m:r>
+                          <a:rPr lang="en-US" b="0" i="1" smtClean="0">
+                            <a:latin typeface="Cambria Math" panose="02040503050406030204" pitchFamily="18" charset="0"/>
+                          </a:rPr>
+                          <m:t>𝑥</m:t>
+                        </m:r>
+                        <m:r>
+                          <a:rPr lang="en-US" b="0" i="1" smtClean="0">
+                            <a:latin typeface="Cambria Math" panose="02040503050406030204" pitchFamily="18" charset="0"/>
+                          </a:rPr>
+                          <m:t>,</m:t>
+                        </m:r>
+                        <m:r>
+                          <a:rPr lang="en-US" b="0" i="1" smtClean="0">
+                            <a:latin typeface="Cambria Math" panose="02040503050406030204" pitchFamily="18" charset="0"/>
+                          </a:rPr>
+                          <m:t>𝑦</m:t>
+                        </m:r>
+                      </m:e>
+                    </m:d>
+                    <m:r>
+                      <a:rPr lang="en-US" b="0" i="1" smtClean="0">
+                        <a:latin typeface="Cambria Math" panose="02040503050406030204" pitchFamily="18" charset="0"/>
+                      </a:rPr>
+                      <m:t>∈</m:t>
+                    </m:r>
+                    <m:r>
+                      <a:rPr lang="en-US" b="0" i="1" smtClean="0">
+                        <a:latin typeface="Cambria Math" panose="02040503050406030204" pitchFamily="18" charset="0"/>
+                      </a:rPr>
+                      <m:t>𝐷</m:t>
+                    </m:r>
+                  </m:oMath>
+                </a14:m>
+                <a:r>
+                  <a:rPr lang="en-US" dirty="0"/>
+                  <a:t>, specify a label </a:t>
+                </a:r>
+                <a14:m>
+                  <m:oMath xmlns:m="http://schemas.openxmlformats.org/officeDocument/2006/math">
+                    <m:acc>
+                      <m:accPr>
+                        <m:chr m:val="̂"/>
+                        <m:ctrlPr>
+                          <a:rPr lang="en-US" b="0" i="1" smtClean="0">
+                            <a:latin typeface="Cambria Math" panose="02040503050406030204" pitchFamily="18" charset="0"/>
+                          </a:rPr>
+                        </m:ctrlPr>
+                      </m:accPr>
+                      <m:e>
+                        <m:r>
+                          <a:rPr lang="en-US" b="0" i="1" smtClean="0">
+                            <a:latin typeface="Cambria Math" panose="02040503050406030204" pitchFamily="18" charset="0"/>
+                          </a:rPr>
+                          <m:t>𝑦</m:t>
+                        </m:r>
+                      </m:e>
+                    </m:acc>
+                  </m:oMath>
+                </a14:m>
+                <a:r>
+                  <a:rPr lang="en-US" dirty="0"/>
+                  <a:t> and restrict the attack to produce an example </a:t>
+                </a:r>
+                <a14:m>
+                  <m:oMath xmlns:m="http://schemas.openxmlformats.org/officeDocument/2006/math">
+                    <m:sSub>
+                      <m:sSubPr>
+                        <m:ctrlPr>
+                          <a:rPr lang="en-US" b="0" i="1" smtClean="0">
+                            <a:latin typeface="Cambria Math" panose="02040503050406030204" pitchFamily="18" charset="0"/>
+                          </a:rPr>
+                        </m:ctrlPr>
+                      </m:sSubPr>
+                      <m:e>
+                        <m:r>
+                          <a:rPr lang="en-US" b="0" i="1" smtClean="0">
+                            <a:latin typeface="Cambria Math" panose="02040503050406030204" pitchFamily="18" charset="0"/>
+                          </a:rPr>
+                          <m:t>𝑥</m:t>
+                        </m:r>
+                      </m:e>
+                      <m:sub>
+                        <m:r>
+                          <a:rPr lang="en-US" b="0" i="1" smtClean="0">
+                            <a:latin typeface="Cambria Math" panose="02040503050406030204" pitchFamily="18" charset="0"/>
+                          </a:rPr>
+                          <m:t>𝑎𝑑𝑣</m:t>
+                        </m:r>
+                      </m:sub>
+                    </m:sSub>
+                  </m:oMath>
+                </a14:m>
+                <a:r>
+                  <a:rPr lang="en-US" dirty="0"/>
+                  <a:t> that </a:t>
+                </a:r>
+                <a14:m>
+                  <m:oMath xmlns:m="http://schemas.openxmlformats.org/officeDocument/2006/math">
+                    <m:r>
+                      <a:rPr lang="en-US" b="0" i="1" smtClean="0">
+                        <a:latin typeface="Cambria Math" panose="02040503050406030204" pitchFamily="18" charset="0"/>
+                      </a:rPr>
+                      <m:t>𝑀</m:t>
+                    </m:r>
+                    <m:d>
+                      <m:dPr>
+                        <m:ctrlPr>
+                          <a:rPr lang="en-US" b="0" i="1" smtClean="0">
+                            <a:latin typeface="Cambria Math" panose="02040503050406030204" pitchFamily="18" charset="0"/>
+                          </a:rPr>
+                        </m:ctrlPr>
+                      </m:dPr>
+                      <m:e>
+                        <m:sSub>
+                          <m:sSubPr>
+                            <m:ctrlPr>
+                              <a:rPr lang="en-US" b="0" i="1" smtClean="0">
+                                <a:latin typeface="Cambria Math" panose="02040503050406030204" pitchFamily="18" charset="0"/>
+                              </a:rPr>
+                            </m:ctrlPr>
+                          </m:sSubPr>
+                          <m:e>
+                            <m:r>
+                              <a:rPr lang="en-US" b="0" i="1" smtClean="0">
+                                <a:latin typeface="Cambria Math" panose="02040503050406030204" pitchFamily="18" charset="0"/>
+                              </a:rPr>
+                              <m:t>𝑥</m:t>
+                            </m:r>
+                          </m:e>
+                          <m:sub>
+                            <m:r>
+                              <a:rPr lang="en-US" b="0" i="1" smtClean="0">
+                                <a:latin typeface="Cambria Math" panose="02040503050406030204" pitchFamily="18" charset="0"/>
+                              </a:rPr>
+                              <m:t>𝑎𝑑𝑣</m:t>
+                            </m:r>
+                          </m:sub>
+                        </m:sSub>
+                      </m:e>
+                    </m:d>
+                    <m:r>
+                      <a:rPr lang="en-US" b="0" i="1" smtClean="0">
+                        <a:latin typeface="Cambria Math" panose="02040503050406030204" pitchFamily="18" charset="0"/>
+                      </a:rPr>
+                      <m:t>=</m:t>
+                    </m:r>
+                    <m:acc>
+                      <m:accPr>
+                        <m:chr m:val="̂"/>
+                        <m:ctrlPr>
+                          <a:rPr lang="en-US" b="0" i="1" smtClean="0">
+                            <a:latin typeface="Cambria Math" panose="02040503050406030204" pitchFamily="18" charset="0"/>
+                          </a:rPr>
+                        </m:ctrlPr>
+                      </m:accPr>
+                      <m:e>
+                        <m:r>
+                          <a:rPr lang="en-US" b="0" i="1" smtClean="0">
+                            <a:latin typeface="Cambria Math" panose="02040503050406030204" pitchFamily="18" charset="0"/>
+                          </a:rPr>
+                          <m:t>𝑦</m:t>
+                        </m:r>
+                      </m:e>
+                    </m:acc>
+                  </m:oMath>
+                </a14:m>
+                <a:r>
+                  <a:rPr lang="en-US" dirty="0"/>
+                  <a:t> and </a:t>
+                </a:r>
+                <a14:m>
+                  <m:oMath xmlns:m="http://schemas.openxmlformats.org/officeDocument/2006/math">
+                    <m:sSub>
+                      <m:sSubPr>
+                        <m:ctrlPr>
+                          <a:rPr lang="en-US" b="0" i="1" smtClean="0">
+                            <a:latin typeface="Cambria Math" panose="02040503050406030204" pitchFamily="18" charset="0"/>
+                          </a:rPr>
+                        </m:ctrlPr>
+                      </m:sSubPr>
+                      <m:e>
+                        <m:r>
+                          <a:rPr lang="en-US" b="0" i="1" smtClean="0">
+                            <a:latin typeface="Cambria Math" panose="02040503050406030204" pitchFamily="18" charset="0"/>
+                          </a:rPr>
+                          <m:t>𝑥</m:t>
+                        </m:r>
+                      </m:e>
+                      <m:sub>
+                        <m:r>
+                          <a:rPr lang="en-US" b="0" i="1" smtClean="0">
+                            <a:latin typeface="Cambria Math" panose="02040503050406030204" pitchFamily="18" charset="0"/>
+                          </a:rPr>
+                          <m:t>𝑎𝑑𝑣</m:t>
+                        </m:r>
+                      </m:sub>
+                    </m:sSub>
+                    <m:r>
+                      <a:rPr lang="en-US" b="0" i="1" smtClean="0">
+                        <a:latin typeface="Cambria Math" panose="02040503050406030204" pitchFamily="18" charset="0"/>
+                      </a:rPr>
+                      <m:t>∈</m:t>
+                    </m:r>
+                    <m:r>
+                      <a:rPr lang="en-US" b="0" i="1" smtClean="0">
+                        <a:latin typeface="Cambria Math" panose="02040503050406030204" pitchFamily="18" charset="0"/>
+                      </a:rPr>
+                      <m:t>𝐵</m:t>
+                    </m:r>
+                    <m:r>
+                      <a:rPr lang="en-US" b="0" i="1" smtClean="0">
+                        <a:latin typeface="Cambria Math" panose="02040503050406030204" pitchFamily="18" charset="0"/>
+                      </a:rPr>
+                      <m:t>(</m:t>
+                    </m:r>
+                    <m:r>
+                      <a:rPr lang="en-US" b="0" i="1" smtClean="0">
+                        <a:latin typeface="Cambria Math" panose="02040503050406030204" pitchFamily="18" charset="0"/>
+                      </a:rPr>
+                      <m:t>𝑥</m:t>
+                    </m:r>
+                    <m:r>
+                      <a:rPr lang="en-US" b="0" i="1" smtClean="0">
+                        <a:latin typeface="Cambria Math" panose="02040503050406030204" pitchFamily="18" charset="0"/>
+                      </a:rPr>
+                      <m:t>, </m:t>
+                    </m:r>
+                    <m:r>
+                      <a:rPr lang="en-US" b="0" i="1" smtClean="0">
+                        <a:latin typeface="Cambria Math" panose="02040503050406030204" pitchFamily="18" charset="0"/>
+                      </a:rPr>
+                      <m:t>𝜖</m:t>
+                    </m:r>
+                    <m:r>
+                      <a:rPr lang="en-US" b="0" i="1" smtClean="0">
+                        <a:latin typeface="Cambria Math" panose="02040503050406030204" pitchFamily="18" charset="0"/>
+                      </a:rPr>
+                      <m:t>)</m:t>
+                    </m:r>
+                  </m:oMath>
+                </a14:m>
+                <a:r>
+                  <a:rPr lang="en-US" dirty="0"/>
+                  <a:t>. </a:t>
+                </a:r>
+              </a:p>
+              <a:p>
+                <a:pPr marL="0" indent="0">
+                  <a:buNone/>
+                </a:pPr>
+                <a:endParaRPr lang="en-US" dirty="0"/>
+              </a:p>
+            </p:txBody>
+          </p:sp>
+        </mc:Choice>
+        <mc:Fallback xmlns="">
+          <p:sp>
+            <p:nvSpPr>
+              <p:cNvPr id="3" name="Content Placeholder 2">
+                <a:extLst>
+                  <a:ext uri="{FF2B5EF4-FFF2-40B4-BE49-F238E27FC236}">
+                    <a16:creationId xmlns:a16="http://schemas.microsoft.com/office/drawing/2014/main" id="{5C2F2B57-6DB9-42B3-ACF0-1CAA2EA6B412}"/>
+                  </a:ext>
+                </a:extLst>
+              </p:cNvPr>
+              <p:cNvSpPr>
+                <a:spLocks noGrp="1" noRot="1" noChangeAspect="1" noMove="1" noResize="1" noEditPoints="1" noAdjustHandles="1" noChangeArrowheads="1" noChangeShapeType="1" noTextEdit="1"/>
+              </p:cNvSpPr>
+              <p:nvPr>
+                <p:ph idx="1"/>
+              </p:nvPr>
+            </p:nvSpPr>
+            <p:spPr>
+              <a:blipFill>
+                <a:blip r:embed="rId2"/>
+                <a:stretch>
+                  <a:fillRect l="-1043" t="-2241" r="-696"/>
+                </a:stretch>
+              </a:blipFill>
+            </p:spPr>
+            <p:txBody>
+              <a:bodyPr/>
+              <a:lstStyle/>
+              <a:p>
+                <a:r>
+                  <a:rPr lang="en-US">
+                    <a:noFill/>
+                  </a:rPr>
+                  <a:t> </a:t>
+                </a:r>
+              </a:p>
+            </p:txBody>
+          </p:sp>
+        </mc:Fallback>
+      </mc:AlternateContent>
+    </p:spTree>
+    <p:extLst>
+      <p:ext uri="{BB962C8B-B14F-4D97-AF65-F5344CB8AC3E}">
+        <p14:creationId xmlns:p14="http://schemas.microsoft.com/office/powerpoint/2010/main" val="764085263"/>
+      </p:ext>
+    </p:extLst>
+  </p:cSld>
+  <p:clrMapOvr>
+    <a:masterClrMapping/>
+  </p:clrMapOvr>
+</p:sld>
+</file>
+
+<file path=ppt/slides/slide30.xml><?xml version="1.0" encoding="utf-8"?>
 <p:sld xmlns:a="http://schemas.openxmlformats.org/drawingml/2006/main" xmlns:r="http://schemas.openxmlformats.org/officeDocument/2006/relationships" xmlns:p="http://schemas.openxmlformats.org/presentationml/2006/main">
   <p:cSld>
     <p:spTree>
@@ -9263,625 +10183,7 @@
 </p:sld>
 </file>
 
-<file path=ppt/slides/slide3.xml><?xml version="1.0" encoding="utf-8"?>
-<p:sld xmlns:a="http://schemas.openxmlformats.org/drawingml/2006/main" xmlns:r="http://schemas.openxmlformats.org/officeDocument/2006/relationships" xmlns:p="http://schemas.openxmlformats.org/presentationml/2006/main">
-  <p:cSld>
-    <p:spTree>
-      <p:nvGrpSpPr>
-        <p:cNvPr id="1" name=""/>
-        <p:cNvGrpSpPr/>
-        <p:nvPr/>
-      </p:nvGrpSpPr>
-      <p:grpSpPr>
-        <a:xfrm>
-          <a:off x="0" y="0"/>
-          <a:ext cx="0" cy="0"/>
-          <a:chOff x="0" y="0"/>
-          <a:chExt cx="0" cy="0"/>
-        </a:xfrm>
-      </p:grpSpPr>
-      <p:sp>
-        <p:nvSpPr>
-          <p:cNvPr id="2" name="Title 1">
-            <a:extLst>
-              <a:ext uri="{FF2B5EF4-FFF2-40B4-BE49-F238E27FC236}">
-                <a16:creationId xmlns:a16="http://schemas.microsoft.com/office/drawing/2014/main" id="{DEE4C31A-D2FD-4C58-9371-F2F9132FD1FC}"/>
-              </a:ext>
-            </a:extLst>
-          </p:cNvPr>
-          <p:cNvSpPr>
-            <a:spLocks noGrp="1"/>
-          </p:cNvSpPr>
-          <p:nvPr>
-            <p:ph type="title"/>
-          </p:nvPr>
-        </p:nvSpPr>
-        <p:spPr/>
-        <p:txBody>
-          <a:bodyPr/>
-          <a:lstStyle/>
-          <a:p>
-            <a:r>
-              <a:rPr lang="en-US" dirty="0"/>
-              <a:t>Adversarial Attacks</a:t>
-            </a:r>
-          </a:p>
-        </p:txBody>
-      </p:sp>
-      <mc:AlternateContent xmlns:mc="http://schemas.openxmlformats.org/markup-compatibility/2006" xmlns:a14="http://schemas.microsoft.com/office/drawing/2010/main">
-        <mc:Choice Requires="a14">
-          <p:sp>
-            <p:nvSpPr>
-              <p:cNvPr id="3" name="Content Placeholder 2">
-                <a:extLst>
-                  <a:ext uri="{FF2B5EF4-FFF2-40B4-BE49-F238E27FC236}">
-                    <a16:creationId xmlns:a16="http://schemas.microsoft.com/office/drawing/2014/main" id="{5C2F2B57-6DB9-42B3-ACF0-1CAA2EA6B412}"/>
-                  </a:ext>
-                </a:extLst>
-              </p:cNvPr>
-              <p:cNvSpPr>
-                <a:spLocks noGrp="1"/>
-              </p:cNvSpPr>
-              <p:nvPr>
-                <p:ph idx="1"/>
-              </p:nvPr>
-            </p:nvSpPr>
-            <p:spPr/>
-            <p:txBody>
-              <a:bodyPr/>
-              <a:lstStyle/>
-              <a:p>
-                <a:r>
-                  <a:rPr lang="en-US" dirty="0"/>
-                  <a:t>Adversarial attack to a classification model </a:t>
-                </a:r>
-                <a14:m>
-                  <m:oMath xmlns:m="http://schemas.openxmlformats.org/officeDocument/2006/math">
-                    <m:r>
-                      <a:rPr lang="en-US" i="1" dirty="0" smtClean="0">
-                        <a:latin typeface="Cambria Math" panose="02040503050406030204" pitchFamily="18" charset="0"/>
-                      </a:rPr>
-                      <m:t>𝑀</m:t>
-                    </m:r>
-                  </m:oMath>
-                </a14:m>
-                <a:r>
-                  <a:rPr lang="en-US" dirty="0"/>
-                  <a:t> is a procedure that given an input </a:t>
-                </a:r>
-                <a14:m>
-                  <m:oMath xmlns:m="http://schemas.openxmlformats.org/officeDocument/2006/math">
-                    <m:r>
-                      <a:rPr lang="en-US" i="1" dirty="0" smtClean="0">
-                        <a:latin typeface="Cambria Math" panose="02040503050406030204" pitchFamily="18" charset="0"/>
-                      </a:rPr>
-                      <m:t>𝑥</m:t>
-                    </m:r>
-                  </m:oMath>
-                </a14:m>
-                <a:r>
-                  <a:rPr lang="en-US" dirty="0"/>
-                  <a:t> produces </a:t>
-                </a:r>
-                <a14:m>
-                  <m:oMath xmlns:m="http://schemas.openxmlformats.org/officeDocument/2006/math">
-                    <m:sSub>
-                      <m:sSubPr>
-                        <m:ctrlPr>
-                          <a:rPr lang="en-US" b="0" i="1" smtClean="0">
-                            <a:latin typeface="Cambria Math" panose="02040503050406030204" pitchFamily="18" charset="0"/>
-                          </a:rPr>
-                        </m:ctrlPr>
-                      </m:sSubPr>
-                      <m:e>
-                        <m:r>
-                          <a:rPr lang="en-US" b="0" i="1" smtClean="0">
-                            <a:latin typeface="Cambria Math" panose="02040503050406030204" pitchFamily="18" charset="0"/>
-                          </a:rPr>
-                          <m:t>𝑥</m:t>
-                        </m:r>
-                      </m:e>
-                      <m:sub>
-                        <m:r>
-                          <a:rPr lang="en-US" b="0" i="1" smtClean="0">
-                            <a:latin typeface="Cambria Math" panose="02040503050406030204" pitchFamily="18" charset="0"/>
-                          </a:rPr>
-                          <m:t>𝑎𝑑𝑣</m:t>
-                        </m:r>
-                      </m:sub>
-                    </m:sSub>
-                  </m:oMath>
-                </a14:m>
-                <a:r>
-                  <a:rPr lang="en-US" dirty="0"/>
-                  <a:t> such that </a:t>
-                </a:r>
-                <a14:m>
-                  <m:oMath xmlns:m="http://schemas.openxmlformats.org/officeDocument/2006/math">
-                    <m:r>
-                      <a:rPr lang="en-US" b="0" i="1" smtClean="0">
-                        <a:latin typeface="Cambria Math" panose="02040503050406030204" pitchFamily="18" charset="0"/>
-                      </a:rPr>
-                      <m:t>𝑀</m:t>
-                    </m:r>
-                    <m:d>
-                      <m:dPr>
-                        <m:ctrlPr>
-                          <a:rPr lang="en-US" b="0" i="1" smtClean="0">
-                            <a:latin typeface="Cambria Math" panose="02040503050406030204" pitchFamily="18" charset="0"/>
-                          </a:rPr>
-                        </m:ctrlPr>
-                      </m:dPr>
-                      <m:e>
-                        <m:r>
-                          <a:rPr lang="en-US" b="0" i="1" smtClean="0">
-                            <a:latin typeface="Cambria Math" panose="02040503050406030204" pitchFamily="18" charset="0"/>
-                          </a:rPr>
-                          <m:t>𝑥</m:t>
-                        </m:r>
-                      </m:e>
-                    </m:d>
-                    <m:r>
-                      <a:rPr lang="en-US" b="0" i="1" smtClean="0">
-                        <a:latin typeface="Cambria Math" panose="02040503050406030204" pitchFamily="18" charset="0"/>
-                        <a:ea typeface="Cambria Math" panose="02040503050406030204" pitchFamily="18" charset="0"/>
-                      </a:rPr>
-                      <m:t>≠</m:t>
-                    </m:r>
-                    <m:r>
-                      <a:rPr lang="en-US" b="0" i="1" smtClean="0">
-                        <a:latin typeface="Cambria Math" panose="02040503050406030204" pitchFamily="18" charset="0"/>
-                      </a:rPr>
-                      <m:t>𝑀</m:t>
-                    </m:r>
-                    <m:d>
-                      <m:dPr>
-                        <m:ctrlPr>
-                          <a:rPr lang="en-US" b="0" i="1" smtClean="0">
-                            <a:latin typeface="Cambria Math" panose="02040503050406030204" pitchFamily="18" charset="0"/>
-                          </a:rPr>
-                        </m:ctrlPr>
-                      </m:dPr>
-                      <m:e>
-                        <m:sSub>
-                          <m:sSubPr>
-                            <m:ctrlPr>
-                              <a:rPr lang="en-US" b="0" i="1" smtClean="0">
-                                <a:latin typeface="Cambria Math" panose="02040503050406030204" pitchFamily="18" charset="0"/>
-                              </a:rPr>
-                            </m:ctrlPr>
-                          </m:sSubPr>
-                          <m:e>
-                            <m:r>
-                              <a:rPr lang="en-US" b="0" i="1" smtClean="0">
-                                <a:latin typeface="Cambria Math" panose="02040503050406030204" pitchFamily="18" charset="0"/>
-                              </a:rPr>
-                              <m:t>𝑥</m:t>
-                            </m:r>
-                          </m:e>
-                          <m:sub>
-                            <m:r>
-                              <a:rPr lang="en-US" b="0" i="1" smtClean="0">
-                                <a:latin typeface="Cambria Math" panose="02040503050406030204" pitchFamily="18" charset="0"/>
-                              </a:rPr>
-                              <m:t>𝑎𝑑𝑣</m:t>
-                            </m:r>
-                          </m:sub>
-                        </m:sSub>
-                      </m:e>
-                    </m:d>
-                  </m:oMath>
-                </a14:m>
-                <a:r>
-                  <a:rPr lang="en-US" dirty="0"/>
-                  <a:t> and </a:t>
-                </a:r>
-                <a14:m>
-                  <m:oMath xmlns:m="http://schemas.openxmlformats.org/officeDocument/2006/math">
-                    <m:sSub>
-                      <m:sSubPr>
-                        <m:ctrlPr>
-                          <a:rPr lang="en-US" b="0" i="1" smtClean="0">
-                            <a:latin typeface="Cambria Math" panose="02040503050406030204" pitchFamily="18" charset="0"/>
-                          </a:rPr>
-                        </m:ctrlPr>
-                      </m:sSubPr>
-                      <m:e>
-                        <m:r>
-                          <a:rPr lang="en-US" b="0" i="1" smtClean="0">
-                            <a:latin typeface="Cambria Math" panose="02040503050406030204" pitchFamily="18" charset="0"/>
-                          </a:rPr>
-                          <m:t>𝑥</m:t>
-                        </m:r>
-                      </m:e>
-                      <m:sub>
-                        <m:r>
-                          <a:rPr lang="en-US" b="0" i="1" smtClean="0">
-                            <a:latin typeface="Cambria Math" panose="02040503050406030204" pitchFamily="18" charset="0"/>
-                          </a:rPr>
-                          <m:t>𝑎𝑑𝑣</m:t>
-                        </m:r>
-                      </m:sub>
-                    </m:sSub>
-                    <m:r>
-                      <a:rPr lang="en-US" b="0" i="1" smtClean="0">
-                        <a:latin typeface="Cambria Math" panose="02040503050406030204" pitchFamily="18" charset="0"/>
-                      </a:rPr>
-                      <m:t>∈</m:t>
-                    </m:r>
-                    <m:r>
-                      <a:rPr lang="en-US" b="0" i="1" smtClean="0">
-                        <a:latin typeface="Cambria Math" panose="02040503050406030204" pitchFamily="18" charset="0"/>
-                      </a:rPr>
-                      <m:t>𝐵</m:t>
-                    </m:r>
-                    <m:r>
-                      <a:rPr lang="en-US" b="0" i="1" smtClean="0">
-                        <a:latin typeface="Cambria Math" panose="02040503050406030204" pitchFamily="18" charset="0"/>
-                      </a:rPr>
-                      <m:t>(</m:t>
-                    </m:r>
-                    <m:r>
-                      <a:rPr lang="en-US" b="0" i="1" smtClean="0">
-                        <a:latin typeface="Cambria Math" panose="02040503050406030204" pitchFamily="18" charset="0"/>
-                      </a:rPr>
-                      <m:t>𝑥</m:t>
-                    </m:r>
-                    <m:r>
-                      <a:rPr lang="en-US" b="0" i="1" smtClean="0">
-                        <a:latin typeface="Cambria Math" panose="02040503050406030204" pitchFamily="18" charset="0"/>
-                      </a:rPr>
-                      <m:t>, </m:t>
-                    </m:r>
-                    <m:r>
-                      <a:rPr lang="en-US" b="0" i="1" smtClean="0">
-                        <a:latin typeface="Cambria Math" panose="02040503050406030204" pitchFamily="18" charset="0"/>
-                      </a:rPr>
-                      <m:t>𝜖</m:t>
-                    </m:r>
-                    <m:r>
-                      <a:rPr lang="en-US" b="0" i="1" smtClean="0">
-                        <a:latin typeface="Cambria Math" panose="02040503050406030204" pitchFamily="18" charset="0"/>
-                      </a:rPr>
-                      <m:t>)</m:t>
-                    </m:r>
-                  </m:oMath>
-                </a14:m>
-                <a:r>
-                  <a:rPr lang="en-US" dirty="0"/>
-                  <a:t>.</a:t>
-                </a:r>
-                <a:br>
-                  <a:rPr lang="en-US" dirty="0"/>
-                </a:br>
-                <a:endParaRPr lang="en-US" dirty="0"/>
-              </a:p>
-              <a:p>
-                <a:r>
-                  <a:rPr lang="en-US" dirty="0"/>
-                  <a:t>Targeted Adversarial Attacks: For input and label </a:t>
-                </a:r>
-                <a14:m>
-                  <m:oMath xmlns:m="http://schemas.openxmlformats.org/officeDocument/2006/math">
-                    <m:d>
-                      <m:dPr>
-                        <m:ctrlPr>
-                          <a:rPr lang="en-US" b="0" i="1" smtClean="0">
-                            <a:latin typeface="Cambria Math" panose="02040503050406030204" pitchFamily="18" charset="0"/>
-                          </a:rPr>
-                        </m:ctrlPr>
-                      </m:dPr>
-                      <m:e>
-                        <m:r>
-                          <a:rPr lang="en-US" b="0" i="1" smtClean="0">
-                            <a:latin typeface="Cambria Math" panose="02040503050406030204" pitchFamily="18" charset="0"/>
-                          </a:rPr>
-                          <m:t>𝑥</m:t>
-                        </m:r>
-                        <m:r>
-                          <a:rPr lang="en-US" b="0" i="1" smtClean="0">
-                            <a:latin typeface="Cambria Math" panose="02040503050406030204" pitchFamily="18" charset="0"/>
-                          </a:rPr>
-                          <m:t>,</m:t>
-                        </m:r>
-                        <m:r>
-                          <a:rPr lang="en-US" b="0" i="1" smtClean="0">
-                            <a:latin typeface="Cambria Math" panose="02040503050406030204" pitchFamily="18" charset="0"/>
-                          </a:rPr>
-                          <m:t>𝑦</m:t>
-                        </m:r>
-                      </m:e>
-                    </m:d>
-                    <m:r>
-                      <a:rPr lang="en-US" b="0" i="1" smtClean="0">
-                        <a:latin typeface="Cambria Math" panose="02040503050406030204" pitchFamily="18" charset="0"/>
-                      </a:rPr>
-                      <m:t>∈</m:t>
-                    </m:r>
-                    <m:r>
-                      <a:rPr lang="en-US" b="0" i="1" smtClean="0">
-                        <a:latin typeface="Cambria Math" panose="02040503050406030204" pitchFamily="18" charset="0"/>
-                      </a:rPr>
-                      <m:t>𝐷</m:t>
-                    </m:r>
-                  </m:oMath>
-                </a14:m>
-                <a:r>
-                  <a:rPr lang="en-US" dirty="0"/>
-                  <a:t>, specify a label </a:t>
-                </a:r>
-                <a14:m>
-                  <m:oMath xmlns:m="http://schemas.openxmlformats.org/officeDocument/2006/math">
-                    <m:acc>
-                      <m:accPr>
-                        <m:chr m:val="̂"/>
-                        <m:ctrlPr>
-                          <a:rPr lang="en-US" b="0" i="1" smtClean="0">
-                            <a:latin typeface="Cambria Math" panose="02040503050406030204" pitchFamily="18" charset="0"/>
-                          </a:rPr>
-                        </m:ctrlPr>
-                      </m:accPr>
-                      <m:e>
-                        <m:r>
-                          <a:rPr lang="en-US" b="0" i="1" smtClean="0">
-                            <a:latin typeface="Cambria Math" panose="02040503050406030204" pitchFamily="18" charset="0"/>
-                          </a:rPr>
-                          <m:t>𝑦</m:t>
-                        </m:r>
-                      </m:e>
-                    </m:acc>
-                  </m:oMath>
-                </a14:m>
-                <a:r>
-                  <a:rPr lang="en-US" dirty="0"/>
-                  <a:t> and restrict the attack to produce an example </a:t>
-                </a:r>
-                <a14:m>
-                  <m:oMath xmlns:m="http://schemas.openxmlformats.org/officeDocument/2006/math">
-                    <m:sSub>
-                      <m:sSubPr>
-                        <m:ctrlPr>
-                          <a:rPr lang="en-US" b="0" i="1" smtClean="0">
-                            <a:latin typeface="Cambria Math" panose="02040503050406030204" pitchFamily="18" charset="0"/>
-                          </a:rPr>
-                        </m:ctrlPr>
-                      </m:sSubPr>
-                      <m:e>
-                        <m:r>
-                          <a:rPr lang="en-US" b="0" i="1" smtClean="0">
-                            <a:latin typeface="Cambria Math" panose="02040503050406030204" pitchFamily="18" charset="0"/>
-                          </a:rPr>
-                          <m:t>𝑥</m:t>
-                        </m:r>
-                      </m:e>
-                      <m:sub>
-                        <m:r>
-                          <a:rPr lang="en-US" b="0" i="1" smtClean="0">
-                            <a:latin typeface="Cambria Math" panose="02040503050406030204" pitchFamily="18" charset="0"/>
-                          </a:rPr>
-                          <m:t>𝑎𝑑𝑣</m:t>
-                        </m:r>
-                      </m:sub>
-                    </m:sSub>
-                  </m:oMath>
-                </a14:m>
-                <a:r>
-                  <a:rPr lang="en-US" dirty="0"/>
-                  <a:t> that </a:t>
-                </a:r>
-                <a14:m>
-                  <m:oMath xmlns:m="http://schemas.openxmlformats.org/officeDocument/2006/math">
-                    <m:r>
-                      <a:rPr lang="en-US" b="0" i="1" smtClean="0">
-                        <a:latin typeface="Cambria Math" panose="02040503050406030204" pitchFamily="18" charset="0"/>
-                      </a:rPr>
-                      <m:t>𝑀</m:t>
-                    </m:r>
-                    <m:d>
-                      <m:dPr>
-                        <m:ctrlPr>
-                          <a:rPr lang="en-US" b="0" i="1" smtClean="0">
-                            <a:latin typeface="Cambria Math" panose="02040503050406030204" pitchFamily="18" charset="0"/>
-                          </a:rPr>
-                        </m:ctrlPr>
-                      </m:dPr>
-                      <m:e>
-                        <m:sSub>
-                          <m:sSubPr>
-                            <m:ctrlPr>
-                              <a:rPr lang="en-US" b="0" i="1" smtClean="0">
-                                <a:latin typeface="Cambria Math" panose="02040503050406030204" pitchFamily="18" charset="0"/>
-                              </a:rPr>
-                            </m:ctrlPr>
-                          </m:sSubPr>
-                          <m:e>
-                            <m:r>
-                              <a:rPr lang="en-US" b="0" i="1" smtClean="0">
-                                <a:latin typeface="Cambria Math" panose="02040503050406030204" pitchFamily="18" charset="0"/>
-                              </a:rPr>
-                              <m:t>𝑥</m:t>
-                            </m:r>
-                          </m:e>
-                          <m:sub>
-                            <m:r>
-                              <a:rPr lang="en-US" b="0" i="1" smtClean="0">
-                                <a:latin typeface="Cambria Math" panose="02040503050406030204" pitchFamily="18" charset="0"/>
-                              </a:rPr>
-                              <m:t>𝑎𝑑𝑣</m:t>
-                            </m:r>
-                          </m:sub>
-                        </m:sSub>
-                      </m:e>
-                    </m:d>
-                    <m:r>
-                      <a:rPr lang="en-US" b="0" i="1" smtClean="0">
-                        <a:latin typeface="Cambria Math" panose="02040503050406030204" pitchFamily="18" charset="0"/>
-                      </a:rPr>
-                      <m:t>=</m:t>
-                    </m:r>
-                    <m:acc>
-                      <m:accPr>
-                        <m:chr m:val="̂"/>
-                        <m:ctrlPr>
-                          <a:rPr lang="en-US" b="0" i="1" smtClean="0">
-                            <a:latin typeface="Cambria Math" panose="02040503050406030204" pitchFamily="18" charset="0"/>
-                          </a:rPr>
-                        </m:ctrlPr>
-                      </m:accPr>
-                      <m:e>
-                        <m:r>
-                          <a:rPr lang="en-US" b="0" i="1" smtClean="0">
-                            <a:latin typeface="Cambria Math" panose="02040503050406030204" pitchFamily="18" charset="0"/>
-                          </a:rPr>
-                          <m:t>𝑦</m:t>
-                        </m:r>
-                      </m:e>
-                    </m:acc>
-                  </m:oMath>
-                </a14:m>
-                <a:r>
-                  <a:rPr lang="en-US" dirty="0"/>
-                  <a:t> and </a:t>
-                </a:r>
-                <a14:m>
-                  <m:oMath xmlns:m="http://schemas.openxmlformats.org/officeDocument/2006/math">
-                    <m:sSub>
-                      <m:sSubPr>
-                        <m:ctrlPr>
-                          <a:rPr lang="en-US" b="0" i="1" smtClean="0">
-                            <a:latin typeface="Cambria Math" panose="02040503050406030204" pitchFamily="18" charset="0"/>
-                          </a:rPr>
-                        </m:ctrlPr>
-                      </m:sSubPr>
-                      <m:e>
-                        <m:r>
-                          <a:rPr lang="en-US" b="0" i="1" smtClean="0">
-                            <a:latin typeface="Cambria Math" panose="02040503050406030204" pitchFamily="18" charset="0"/>
-                          </a:rPr>
-                          <m:t>𝑥</m:t>
-                        </m:r>
-                      </m:e>
-                      <m:sub>
-                        <m:r>
-                          <a:rPr lang="en-US" b="0" i="1" smtClean="0">
-                            <a:latin typeface="Cambria Math" panose="02040503050406030204" pitchFamily="18" charset="0"/>
-                          </a:rPr>
-                          <m:t>𝑎𝑑𝑣</m:t>
-                        </m:r>
-                      </m:sub>
-                    </m:sSub>
-                    <m:r>
-                      <a:rPr lang="en-US" b="0" i="1" smtClean="0">
-                        <a:latin typeface="Cambria Math" panose="02040503050406030204" pitchFamily="18" charset="0"/>
-                      </a:rPr>
-                      <m:t>∈</m:t>
-                    </m:r>
-                    <m:r>
-                      <a:rPr lang="en-US" b="0" i="1" smtClean="0">
-                        <a:latin typeface="Cambria Math" panose="02040503050406030204" pitchFamily="18" charset="0"/>
-                      </a:rPr>
-                      <m:t>𝐵</m:t>
-                    </m:r>
-                    <m:r>
-                      <a:rPr lang="en-US" b="0" i="1" smtClean="0">
-                        <a:latin typeface="Cambria Math" panose="02040503050406030204" pitchFamily="18" charset="0"/>
-                      </a:rPr>
-                      <m:t>(</m:t>
-                    </m:r>
-                    <m:r>
-                      <a:rPr lang="en-US" b="0" i="1" smtClean="0">
-                        <a:latin typeface="Cambria Math" panose="02040503050406030204" pitchFamily="18" charset="0"/>
-                      </a:rPr>
-                      <m:t>𝑥</m:t>
-                    </m:r>
-                    <m:r>
-                      <a:rPr lang="en-US" b="0" i="1" smtClean="0">
-                        <a:latin typeface="Cambria Math" panose="02040503050406030204" pitchFamily="18" charset="0"/>
-                      </a:rPr>
-                      <m:t>, </m:t>
-                    </m:r>
-                    <m:r>
-                      <a:rPr lang="en-US" b="0" i="1" smtClean="0">
-                        <a:latin typeface="Cambria Math" panose="02040503050406030204" pitchFamily="18" charset="0"/>
-                      </a:rPr>
-                      <m:t>𝜖</m:t>
-                    </m:r>
-                    <m:r>
-                      <a:rPr lang="en-US" b="0" i="1" smtClean="0">
-                        <a:latin typeface="Cambria Math" panose="02040503050406030204" pitchFamily="18" charset="0"/>
-                      </a:rPr>
-                      <m:t>)</m:t>
-                    </m:r>
-                  </m:oMath>
-                </a14:m>
-                <a:r>
-                  <a:rPr lang="en-US" dirty="0"/>
-                  <a:t>. </a:t>
-                </a:r>
-              </a:p>
-              <a:p>
-                <a:pPr marL="0" indent="0">
-                  <a:buNone/>
-                </a:pPr>
-                <a:endParaRPr lang="en-US" dirty="0"/>
-              </a:p>
-            </p:txBody>
-          </p:sp>
-        </mc:Choice>
-        <mc:Fallback xmlns="">
-          <p:sp>
-            <p:nvSpPr>
-              <p:cNvPr id="3" name="Content Placeholder 2">
-                <a:extLst>
-                  <a:ext uri="{FF2B5EF4-FFF2-40B4-BE49-F238E27FC236}">
-                    <a16:creationId xmlns:a16="http://schemas.microsoft.com/office/drawing/2014/main" id="{5C2F2B57-6DB9-42B3-ACF0-1CAA2EA6B412}"/>
-                  </a:ext>
-                </a:extLst>
-              </p:cNvPr>
-              <p:cNvSpPr>
-                <a:spLocks noGrp="1" noRot="1" noChangeAspect="1" noMove="1" noResize="1" noEditPoints="1" noAdjustHandles="1" noChangeArrowheads="1" noChangeShapeType="1" noTextEdit="1"/>
-              </p:cNvSpPr>
-              <p:nvPr>
-                <p:ph idx="1"/>
-              </p:nvPr>
-            </p:nvSpPr>
-            <p:spPr>
-              <a:blipFill>
-                <a:blip r:embed="rId2"/>
-                <a:stretch>
-                  <a:fillRect l="-1043" t="-2241" r="-696"/>
-                </a:stretch>
-              </a:blipFill>
-            </p:spPr>
-            <p:txBody>
-              <a:bodyPr/>
-              <a:lstStyle/>
-              <a:p>
-                <a:r>
-                  <a:rPr lang="en-US">
-                    <a:noFill/>
-                  </a:rPr>
-                  <a:t> </a:t>
-                </a:r>
-              </a:p>
-            </p:txBody>
-          </p:sp>
-        </mc:Fallback>
-      </mc:AlternateContent>
-    </p:spTree>
-    <p:extLst>
-      <p:ext uri="{BB962C8B-B14F-4D97-AF65-F5344CB8AC3E}">
-        <p14:creationId xmlns:p14="http://schemas.microsoft.com/office/powerpoint/2010/main" val="764085263"/>
-      </p:ext>
-    </p:extLst>
-  </p:cSld>
-  <p:clrMapOvr>
-    <a:masterClrMapping/>
-  </p:clrMapOvr>
-</p:sld>
-</file>
-
-<file path=ppt/slides/slide30.xml><?xml version="1.0" encoding="utf-8"?>
+<file path=ppt/slides/slide31.xml><?xml version="1.0" encoding="utf-8"?>
 <p:sld xmlns:a="http://schemas.openxmlformats.org/drawingml/2006/main" xmlns:r="http://schemas.openxmlformats.org/officeDocument/2006/relationships" xmlns:p="http://schemas.openxmlformats.org/presentationml/2006/main">
   <p:cSld>
     <p:spTree>
@@ -10129,7 +10431,7 @@
 </p:sld>
 </file>
 
-<file path=ppt/slides/slide31.xml><?xml version="1.0" encoding="utf-8"?>
+<file path=ppt/slides/slide32.xml><?xml version="1.0" encoding="utf-8"?>
 <p:sld xmlns:a="http://schemas.openxmlformats.org/drawingml/2006/main" xmlns:r="http://schemas.openxmlformats.org/officeDocument/2006/relationships" xmlns:p="http://schemas.openxmlformats.org/presentationml/2006/main">
   <p:cSld>
     <p:spTree>
@@ -11263,7 +11565,7 @@
 </p:sld>
 </file>
 
-<file path=ppt/slides/slide32.xml><?xml version="1.0" encoding="utf-8"?>
+<file path=ppt/slides/slide33.xml><?xml version="1.0" encoding="utf-8"?>
 <p:sld xmlns:a="http://schemas.openxmlformats.org/drawingml/2006/main" xmlns:r="http://schemas.openxmlformats.org/officeDocument/2006/relationships" xmlns:p="http://schemas.openxmlformats.org/presentationml/2006/main">
   <p:cSld>
     <p:spTree>
@@ -11353,7 +11655,7 @@
 </p:sld>
 </file>
 
-<file path=ppt/slides/slide33.xml><?xml version="1.0" encoding="utf-8"?>
+<file path=ppt/slides/slide34.xml><?xml version="1.0" encoding="utf-8"?>
 <p:sld xmlns:a="http://schemas.openxmlformats.org/drawingml/2006/main" xmlns:r="http://schemas.openxmlformats.org/officeDocument/2006/relationships" xmlns:p="http://schemas.openxmlformats.org/presentationml/2006/main">
   <p:cSld>
     <p:spTree>
@@ -11437,7 +11739,7 @@
 </p:sld>
 </file>
 
-<file path=ppt/slides/slide34.xml><?xml version="1.0" encoding="utf-8"?>
+<file path=ppt/slides/slide35.xml><?xml version="1.0" encoding="utf-8"?>
 <p:sld xmlns:a="http://schemas.openxmlformats.org/drawingml/2006/main" xmlns:r="http://schemas.openxmlformats.org/officeDocument/2006/relationships" xmlns:p="http://schemas.openxmlformats.org/presentationml/2006/main">
   <p:cSld>
     <p:spTree>
